--- a/ipsa/slides/text.pptx
+++ b/ipsa/slides/text.pptx
@@ -143,7 +143,7 @@
 <file path=ppt/revisionInfo.xml><?xml version="1.0" encoding="utf-8"?>
 <p1510:revInfo xmlns:a="http://schemas.openxmlformats.org/drawingml/2006/main" xmlns:r="http://schemas.openxmlformats.org/officeDocument/2006/relationships" xmlns:p1510="http://schemas.microsoft.com/office/powerpoint/2015/10/main">
   <p1510:revLst>
-    <p1510:client id="{8257FF27-F937-4C14-A34B-E1C6B944E2DB}" v="13" dt="2022-10-28T18:51:50.626"/>
+    <p1510:client id="{15029F8B-5CCF-492C-9B1F-3CA4A769668C}" v="6" dt="2023-04-22T07:10:10.823"/>
   </p1510:revLst>
 </p1510:revInfo>
 </file>
@@ -318,6 +318,173 @@
     </pc:docChg>
   </pc:docChgLst>
   <pc:docChgLst>
+    <pc:chgData name="Gerth Stølting Brodal" userId="04ef4784-6591-4f86-a140-f5c3b108582a" providerId="ADAL" clId="{15029F8B-5CCF-492C-9B1F-3CA4A769668C}"/>
+    <pc:docChg chg="undo custSel modSld">
+      <pc:chgData name="Gerth Stølting Brodal" userId="04ef4784-6591-4f86-a140-f5c3b108582a" providerId="ADAL" clId="{15029F8B-5CCF-492C-9B1F-3CA4A769668C}" dt="2023-04-22T07:23:37.133" v="857" actId="6549"/>
+      <pc:docMkLst>
+        <pc:docMk/>
+      </pc:docMkLst>
+      <pc:sldChg chg="modSp mod modNotesTx">
+        <pc:chgData name="Gerth Stølting Brodal" userId="04ef4784-6591-4f86-a140-f5c3b108582a" providerId="ADAL" clId="{15029F8B-5CCF-492C-9B1F-3CA4A769668C}" dt="2023-04-22T07:11:07.922" v="849" actId="14100"/>
+        <pc:sldMkLst>
+          <pc:docMk/>
+          <pc:sldMk cId="3173404384" sldId="553"/>
+        </pc:sldMkLst>
+        <pc:spChg chg="mod">
+          <ac:chgData name="Gerth Stølting Brodal" userId="04ef4784-6591-4f86-a140-f5c3b108582a" providerId="ADAL" clId="{15029F8B-5CCF-492C-9B1F-3CA4A769668C}" dt="2023-04-22T07:11:07.922" v="849" actId="14100"/>
+          <ac:spMkLst>
+            <pc:docMk/>
+            <pc:sldMk cId="3173404384" sldId="553"/>
+            <ac:spMk id="3" creationId="{00000000-0000-0000-0000-000000000000}"/>
+          </ac:spMkLst>
+        </pc:spChg>
+        <pc:graphicFrameChg chg="mod modGraphic">
+          <ac:chgData name="Gerth Stølting Brodal" userId="04ef4784-6591-4f86-a140-f5c3b108582a" providerId="ADAL" clId="{15029F8B-5CCF-492C-9B1F-3CA4A769668C}" dt="2023-04-22T07:02:28.637" v="665" actId="207"/>
+          <ac:graphicFrameMkLst>
+            <pc:docMk/>
+            <pc:sldMk cId="3173404384" sldId="553"/>
+            <ac:graphicFrameMk id="6" creationId="{00000000-0000-0000-0000-000000000000}"/>
+          </ac:graphicFrameMkLst>
+        </pc:graphicFrameChg>
+      </pc:sldChg>
+      <pc:sldChg chg="modSp mod">
+        <pc:chgData name="Gerth Stølting Brodal" userId="04ef4784-6591-4f86-a140-f5c3b108582a" providerId="ADAL" clId="{15029F8B-5CCF-492C-9B1F-3CA4A769668C}" dt="2023-04-22T05:55:23.322" v="14"/>
+        <pc:sldMkLst>
+          <pc:docMk/>
+          <pc:sldMk cId="304124644" sldId="741"/>
+        </pc:sldMkLst>
+        <pc:graphicFrameChg chg="mod modGraphic">
+          <ac:chgData name="Gerth Stølting Brodal" userId="04ef4784-6591-4f86-a140-f5c3b108582a" providerId="ADAL" clId="{15029F8B-5CCF-492C-9B1F-3CA4A769668C}" dt="2023-04-22T05:55:23.322" v="14"/>
+          <ac:graphicFrameMkLst>
+            <pc:docMk/>
+            <pc:sldMk cId="304124644" sldId="741"/>
+            <ac:graphicFrameMk id="4" creationId="{00000000-0000-0000-0000-000000000000}"/>
+          </ac:graphicFrameMkLst>
+        </pc:graphicFrameChg>
+      </pc:sldChg>
+      <pc:sldChg chg="modSp mod modNotesTx">
+        <pc:chgData name="Gerth Stølting Brodal" userId="04ef4784-6591-4f86-a140-f5c3b108582a" providerId="ADAL" clId="{15029F8B-5CCF-492C-9B1F-3CA4A769668C}" dt="2023-04-22T07:23:37.133" v="857" actId="6549"/>
+        <pc:sldMkLst>
+          <pc:docMk/>
+          <pc:sldMk cId="3625384155" sldId="742"/>
+        </pc:sldMkLst>
+        <pc:graphicFrameChg chg="modGraphic">
+          <ac:chgData name="Gerth Stølting Brodal" userId="04ef4784-6591-4f86-a140-f5c3b108582a" providerId="ADAL" clId="{15029F8B-5CCF-492C-9B1F-3CA4A769668C}" dt="2023-04-22T07:23:37.133" v="857" actId="6549"/>
+          <ac:graphicFrameMkLst>
+            <pc:docMk/>
+            <pc:sldMk cId="3625384155" sldId="742"/>
+            <ac:graphicFrameMk id="6" creationId="{00000000-0000-0000-0000-000000000000}"/>
+          </ac:graphicFrameMkLst>
+        </pc:graphicFrameChg>
+      </pc:sldChg>
+      <pc:sldChg chg="modNotesTx">
+        <pc:chgData name="Gerth Stølting Brodal" userId="04ef4784-6591-4f86-a140-f5c3b108582a" providerId="ADAL" clId="{15029F8B-5CCF-492C-9B1F-3CA4A769668C}" dt="2023-04-22T06:00:35.029" v="206" actId="20577"/>
+        <pc:sldMkLst>
+          <pc:docMk/>
+          <pc:sldMk cId="4265023066" sldId="745"/>
+        </pc:sldMkLst>
+      </pc:sldChg>
+      <pc:sldChg chg="modNotesTx">
+        <pc:chgData name="Gerth Stølting Brodal" userId="04ef4784-6591-4f86-a140-f5c3b108582a" providerId="ADAL" clId="{15029F8B-5CCF-492C-9B1F-3CA4A769668C}" dt="2023-04-22T06:33:08.210" v="562" actId="20577"/>
+        <pc:sldMkLst>
+          <pc:docMk/>
+          <pc:sldMk cId="2568885646" sldId="746"/>
+        </pc:sldMkLst>
+      </pc:sldChg>
+      <pc:sldChg chg="modSp mod">
+        <pc:chgData name="Gerth Stølting Brodal" userId="04ef4784-6591-4f86-a140-f5c3b108582a" providerId="ADAL" clId="{15029F8B-5CCF-492C-9B1F-3CA4A769668C}" dt="2023-04-22T07:03:13.370" v="689" actId="20577"/>
+        <pc:sldMkLst>
+          <pc:docMk/>
+          <pc:sldMk cId="2552353221" sldId="751"/>
+        </pc:sldMkLst>
+        <pc:graphicFrameChg chg="mod modGraphic">
+          <ac:chgData name="Gerth Stølting Brodal" userId="04ef4784-6591-4f86-a140-f5c3b108582a" providerId="ADAL" clId="{15029F8B-5CCF-492C-9B1F-3CA4A769668C}" dt="2023-04-22T07:03:13.370" v="689" actId="20577"/>
+          <ac:graphicFrameMkLst>
+            <pc:docMk/>
+            <pc:sldMk cId="2552353221" sldId="751"/>
+            <ac:graphicFrameMk id="6" creationId="{00000000-0000-0000-0000-000000000000}"/>
+          </ac:graphicFrameMkLst>
+        </pc:graphicFrameChg>
+      </pc:sldChg>
+      <pc:sldChg chg="modSp mod">
+        <pc:chgData name="Gerth Stølting Brodal" userId="04ef4784-6591-4f86-a140-f5c3b108582a" providerId="ADAL" clId="{15029F8B-5CCF-492C-9B1F-3CA4A769668C}" dt="2023-04-22T06:22:51.503" v="433" actId="6549"/>
+        <pc:sldMkLst>
+          <pc:docMk/>
+          <pc:sldMk cId="996186609" sldId="752"/>
+        </pc:sldMkLst>
+        <pc:graphicFrameChg chg="modGraphic">
+          <ac:chgData name="Gerth Stølting Brodal" userId="04ef4784-6591-4f86-a140-f5c3b108582a" providerId="ADAL" clId="{15029F8B-5CCF-492C-9B1F-3CA4A769668C}" dt="2023-04-22T06:22:51.503" v="433" actId="6549"/>
+          <ac:graphicFrameMkLst>
+            <pc:docMk/>
+            <pc:sldMk cId="996186609" sldId="752"/>
+            <ac:graphicFrameMk id="4" creationId="{00000000-0000-0000-0000-000000000000}"/>
+          </ac:graphicFrameMkLst>
+        </pc:graphicFrameChg>
+      </pc:sldChg>
+      <pc:sldChg chg="modSp mod">
+        <pc:chgData name="Gerth Stølting Brodal" userId="04ef4784-6591-4f86-a140-f5c3b108582a" providerId="ADAL" clId="{15029F8B-5CCF-492C-9B1F-3CA4A769668C}" dt="2023-04-22T06:27:53.224" v="445" actId="20577"/>
+        <pc:sldMkLst>
+          <pc:docMk/>
+          <pc:sldMk cId="1845448441" sldId="757"/>
+        </pc:sldMkLst>
+        <pc:graphicFrameChg chg="modGraphic">
+          <ac:chgData name="Gerth Stølting Brodal" userId="04ef4784-6591-4f86-a140-f5c3b108582a" providerId="ADAL" clId="{15029F8B-5CCF-492C-9B1F-3CA4A769668C}" dt="2023-04-22T06:27:53.224" v="445" actId="20577"/>
+          <ac:graphicFrameMkLst>
+            <pc:docMk/>
+            <pc:sldMk cId="1845448441" sldId="757"/>
+            <ac:graphicFrameMk id="4" creationId="{00000000-0000-0000-0000-000000000000}"/>
+          </ac:graphicFrameMkLst>
+        </pc:graphicFrameChg>
+      </pc:sldChg>
+      <pc:sldChg chg="modSp mod">
+        <pc:chgData name="Gerth Stølting Brodal" userId="04ef4784-6591-4f86-a140-f5c3b108582a" providerId="ADAL" clId="{15029F8B-5CCF-492C-9B1F-3CA4A769668C}" dt="2023-04-22T07:20:05.221" v="853" actId="207"/>
+        <pc:sldMkLst>
+          <pc:docMk/>
+          <pc:sldMk cId="1254553076" sldId="760"/>
+        </pc:sldMkLst>
+        <pc:graphicFrameChg chg="modGraphic">
+          <ac:chgData name="Gerth Stølting Brodal" userId="04ef4784-6591-4f86-a140-f5c3b108582a" providerId="ADAL" clId="{15029F8B-5CCF-492C-9B1F-3CA4A769668C}" dt="2023-04-22T07:20:05.221" v="853" actId="207"/>
+          <ac:graphicFrameMkLst>
+            <pc:docMk/>
+            <pc:sldMk cId="1254553076" sldId="760"/>
+            <ac:graphicFrameMk id="4" creationId="{00000000-0000-0000-0000-000000000000}"/>
+          </ac:graphicFrameMkLst>
+        </pc:graphicFrameChg>
+      </pc:sldChg>
+      <pc:sldChg chg="modSp mod modNotesTx">
+        <pc:chgData name="Gerth Stølting Brodal" userId="04ef4784-6591-4f86-a140-f5c3b108582a" providerId="ADAL" clId="{15029F8B-5CCF-492C-9B1F-3CA4A769668C}" dt="2023-04-22T06:19:50.086" v="409" actId="1076"/>
+        <pc:sldMkLst>
+          <pc:docMk/>
+          <pc:sldMk cId="1862523078" sldId="761"/>
+        </pc:sldMkLst>
+        <pc:spChg chg="mod">
+          <ac:chgData name="Gerth Stølting Brodal" userId="04ef4784-6591-4f86-a140-f5c3b108582a" providerId="ADAL" clId="{15029F8B-5CCF-492C-9B1F-3CA4A769668C}" dt="2023-04-22T06:19:50.086" v="409" actId="1076"/>
+          <ac:spMkLst>
+            <pc:docMk/>
+            <pc:sldMk cId="1862523078" sldId="761"/>
+            <ac:spMk id="12" creationId="{00000000-0000-0000-0000-000000000000}"/>
+          </ac:spMkLst>
+        </pc:spChg>
+        <pc:picChg chg="mod">
+          <ac:chgData name="Gerth Stølting Brodal" userId="04ef4784-6591-4f86-a140-f5c3b108582a" providerId="ADAL" clId="{15029F8B-5CCF-492C-9B1F-3CA4A769668C}" dt="2023-04-22T06:13:34.311" v="330" actId="1076"/>
+          <ac:picMkLst>
+            <pc:docMk/>
+            <pc:sldMk cId="1862523078" sldId="761"/>
+            <ac:picMk id="4" creationId="{00000000-0000-0000-0000-000000000000}"/>
+          </ac:picMkLst>
+        </pc:picChg>
+        <pc:picChg chg="mod">
+          <ac:chgData name="Gerth Stølting Brodal" userId="04ef4784-6591-4f86-a140-f5c3b108582a" providerId="ADAL" clId="{15029F8B-5CCF-492C-9B1F-3CA4A769668C}" dt="2023-04-22T06:19:41.939" v="408" actId="1076"/>
+          <ac:picMkLst>
+            <pc:docMk/>
+            <pc:sldMk cId="1862523078" sldId="761"/>
+            <ac:picMk id="7" creationId="{00000000-0000-0000-0000-000000000000}"/>
+          </ac:picMkLst>
+        </pc:picChg>
+      </pc:sldChg>
+    </pc:docChg>
+  </pc:docChgLst>
+  <pc:docChgLst>
     <pc:chgData name="Gerth Stølting Brodal" userId="04ef4784-6591-4f86-a140-f5c3b108582a" providerId="ADAL" clId="{3FF3C5A4-054A-44D7-951F-066B145BE7E8}"/>
     <pc:docChg chg="undo custSel modSld">
       <pc:chgData name="Gerth Stølting Brodal" userId="04ef4784-6591-4f86-a140-f5c3b108582a" providerId="ADAL" clId="{3FF3C5A4-054A-44D7-951F-066B145BE7E8}" dt="2022-04-25T06:51:53.057" v="263" actId="20577"/>
@@ -478,7 +645,7 @@
           <a:p>
             <a:fld id="{FB1A172F-81D4-4DC4-9113-1DBD56EC3646}" type="datetimeFigureOut">
               <a:rPr lang="en-US" smtClean="0"/>
-              <a:t>10/28/2022</a:t>
+              <a:t>4/22/2023</a:t>
             </a:fld>
             <a:endParaRPr lang="en-US"/>
           </a:p>
@@ -897,41 +1064,18 @@
           <a:lstStyle/>
           <a:p>
             <a:r>
-              <a:rPr lang="da-DK" dirty="0"/>
-              <a:t>An .</a:t>
-            </a:r>
-            <a:r>
-              <a:rPr lang="da-DK" dirty="0" err="1"/>
-              <a:t>xlsx</a:t>
-            </a:r>
-            <a:r>
-              <a:rPr lang="da-DK" dirty="0"/>
-              <a:t> file is </a:t>
-            </a:r>
-            <a:r>
-              <a:rPr lang="da-DK" dirty="0" err="1"/>
-              <a:t>really</a:t>
-            </a:r>
-            <a:r>
-              <a:rPr lang="da-DK" dirty="0"/>
-              <a:t> a zip file </a:t>
-            </a:r>
-            <a:r>
-              <a:rPr lang="da-DK" dirty="0" err="1"/>
-              <a:t>containing</a:t>
-            </a:r>
-            <a:r>
-              <a:rPr lang="da-DK" dirty="0"/>
-              <a:t> a folder with a </a:t>
-            </a:r>
-            <a:r>
-              <a:rPr lang="da-DK" dirty="0" err="1"/>
-              <a:t>lot</a:t>
-            </a:r>
-            <a:r>
-              <a:rPr lang="da-DK" dirty="0"/>
-              <a:t> of xml files</a:t>
-            </a:r>
+              <a:rPr lang="en-US" dirty="0"/>
+              <a:t>Example: street maps exported from https://www.openstreetmap.org are XML files (have extension ".</a:t>
+            </a:r>
+            <a:r>
+              <a:rPr lang="en-US" dirty="0" err="1"/>
+              <a:t>osm</a:t>
+            </a:r>
+            <a:r>
+              <a:rPr lang="en-US" dirty="0"/>
+              <a:t>")</a:t>
+            </a:r>
+            <a:endParaRPr lang="da-DK" dirty="0"/>
           </a:p>
         </p:txBody>
       </p:sp>
@@ -952,7 +1096,7 @@
           <a:p>
             <a:fld id="{CD563DD8-32AB-41BE-B1C6-8EAC45222ACE}" type="slidenum">
               <a:rPr lang="en-US" smtClean="0"/>
-              <a:t>16</a:t>
+              <a:t>13</a:t>
             </a:fld>
             <a:endParaRPr lang="en-US"/>
           </a:p>
@@ -961,7 +1105,7 @@
     </p:spTree>
     <p:extLst>
       <p:ext uri="{BB962C8B-B14F-4D97-AF65-F5344CB8AC3E}">
-        <p14:creationId xmlns:p14="http://schemas.microsoft.com/office/powerpoint/2010/main" val="3941420006"/>
+        <p14:creationId xmlns:p14="http://schemas.microsoft.com/office/powerpoint/2010/main" val="405442126"/>
       </p:ext>
     </p:extLst>
   </p:cSld>
@@ -1016,186 +1160,46 @@
           <a:lstStyle/>
           <a:p>
             <a:r>
-              <a:rPr lang="da-DK" dirty="0"/>
-              <a:t>Python 3.10.8 </a:t>
-            </a:r>
-            <a:r>
               <a:rPr lang="da-DK" dirty="0" err="1"/>
-              <a:t>vs</a:t>
-            </a:r>
-            <a:r>
-              <a:rPr lang="da-DK" dirty="0"/>
-              <a:t> 3.9.7 timings: 3.9 had </a:t>
-            </a:r>
-            <a:r>
-              <a:rPr lang="da-DK" dirty="0" err="1"/>
-              <a:t>quadratic</a:t>
-            </a:r>
-            <a:r>
-              <a:rPr lang="da-DK" dirty="0"/>
-              <a:t> time on ”bad </a:t>
-            </a:r>
-            <a:r>
-              <a:rPr lang="da-DK" dirty="0" err="1"/>
-              <a:t>example</a:t>
-            </a:r>
-            <a:r>
-              <a:rPr lang="da-DK" dirty="0"/>
-              <a:t>”</a:t>
-            </a:r>
-          </a:p>
-          <a:p>
-            <a:r>
-              <a:rPr lang="da-DK" dirty="0"/>
-              <a:t>Python 3.9 </a:t>
-            </a:r>
-            <a:r>
-              <a:rPr lang="da-DK" dirty="0" err="1"/>
-              <a:t>was</a:t>
-            </a:r>
-            <a:r>
-              <a:rPr lang="da-DK" dirty="0"/>
+              <a:t>above</a:t>
+            </a:r>
+            <a:r>
+              <a:rPr lang="da-DK" baseline="0" dirty="0"/>
+              <a:t> ”.</a:t>
+            </a:r>
+            <a:r>
+              <a:rPr lang="da-DK" baseline="0" dirty="0" err="1"/>
+              <a:t>get</a:t>
+            </a:r>
+            <a:r>
+              <a:rPr lang="da-DK" baseline="0" dirty="0"/>
+              <a:t>()” is </a:t>
+            </a:r>
+            <a:r>
+              <a:rPr lang="da-DK" baseline="0" dirty="0" err="1"/>
+              <a:t>used</a:t>
+            </a:r>
+            <a:r>
+              <a:rPr lang="da-DK" baseline="0" dirty="0"/>
               <a:t> </a:t>
             </a:r>
             <a:r>
-              <a:rPr lang="da-DK" dirty="0" err="1"/>
-              <a:t>released</a:t>
-            </a:r>
-            <a:r>
-              <a:rPr lang="da-DK" dirty="0"/>
-              <a:t> in 2020, but </a:t>
-            </a:r>
-            <a:r>
-              <a:rPr lang="da-DK" dirty="0" err="1"/>
-              <a:t>already</a:t>
-            </a:r>
-            <a:r>
-              <a:rPr lang="da-DK" dirty="0"/>
-              <a:t> back in 1977 (Knuth-Morris-Pratt) it </a:t>
-            </a:r>
-            <a:r>
-              <a:rPr lang="da-DK" dirty="0" err="1"/>
-              <a:t>was</a:t>
-            </a:r>
-            <a:r>
-              <a:rPr lang="da-DK" dirty="0"/>
-              <a:t> </a:t>
-            </a:r>
-            <a:r>
-              <a:rPr lang="da-DK" dirty="0" err="1"/>
-              <a:t>known</a:t>
-            </a:r>
-            <a:r>
-              <a:rPr lang="da-DK" dirty="0"/>
-              <a:t> </a:t>
-            </a:r>
-            <a:r>
-              <a:rPr lang="da-DK" dirty="0" err="1"/>
-              <a:t>how</a:t>
-            </a:r>
-            <a:r>
-              <a:rPr lang="da-DK" dirty="0"/>
-              <a:t> to support find in </a:t>
-            </a:r>
-            <a:r>
-              <a:rPr lang="da-DK" dirty="0" err="1"/>
-              <a:t>worst</a:t>
-            </a:r>
-            <a:r>
-              <a:rPr lang="da-DK" dirty="0"/>
-              <a:t>-case </a:t>
-            </a:r>
-            <a:r>
-              <a:rPr lang="da-DK" dirty="0" err="1"/>
-              <a:t>linear</a:t>
-            </a:r>
-            <a:r>
-              <a:rPr lang="da-DK" dirty="0"/>
-              <a:t> time – but the Python developers had </a:t>
-            </a:r>
-            <a:r>
-              <a:rPr lang="da-DK" dirty="0" err="1"/>
-              <a:t>prioritized</a:t>
-            </a:r>
-            <a:r>
-              <a:rPr lang="da-DK" dirty="0"/>
-              <a:t> </a:t>
-            </a:r>
-            <a:r>
-              <a:rPr lang="da-DK" dirty="0" err="1"/>
-              <a:t>typical</a:t>
-            </a:r>
-            <a:r>
-              <a:rPr lang="da-DK" dirty="0"/>
-              <a:t> performance over </a:t>
-            </a:r>
-            <a:r>
-              <a:rPr lang="da-DK" dirty="0" err="1"/>
-              <a:t>worst</a:t>
-            </a:r>
-            <a:r>
-              <a:rPr lang="da-DK" dirty="0"/>
-              <a:t>-case performance. </a:t>
-            </a:r>
-          </a:p>
-          <a:p>
-            <a:r>
-              <a:rPr lang="da-DK" dirty="0"/>
-              <a:t>Timings </a:t>
-            </a:r>
-            <a:r>
-              <a:rPr lang="da-DK" dirty="0" err="1"/>
-              <a:t>below</a:t>
-            </a:r>
-            <a:r>
-              <a:rPr lang="da-DK" dirty="0"/>
-              <a:t> 10</a:t>
-            </a:r>
-            <a:r>
-              <a:rPr lang="da-DK" baseline="30000" dirty="0"/>
-              <a:t>-1</a:t>
-            </a:r>
-            <a:r>
-              <a:rPr lang="da-DK" dirty="0"/>
-              <a:t> </a:t>
-            </a:r>
-            <a:r>
-              <a:rPr lang="da-DK" dirty="0" err="1"/>
-              <a:t>seconds</a:t>
-            </a:r>
-            <a:r>
-              <a:rPr lang="da-DK" dirty="0"/>
-              <a:t> </a:t>
-            </a:r>
-            <a:r>
-              <a:rPr lang="da-DK" dirty="0" err="1"/>
-              <a:t>noisy</a:t>
-            </a:r>
-            <a:endParaRPr lang="da-DK" dirty="0"/>
-          </a:p>
-          <a:p>
-            <a:endParaRPr lang="da-DK" dirty="0"/>
-          </a:p>
-          <a:p>
-            <a:r>
-              <a:rPr lang="da-DK" dirty="0"/>
-              <a:t>https://docs.python.org/3/whatsnew/3.10.html</a:t>
-            </a:r>
-          </a:p>
-          <a:p>
-            <a:r>
-              <a:rPr lang="en-US" i="1" dirty="0"/>
-              <a:t>Substring search functions such as str1 in str2 and str2.find(str1) now sometimes use </a:t>
-            </a:r>
-            <a:r>
-              <a:rPr lang="en-US" i="1" dirty="0" err="1"/>
-              <a:t>Crochemore</a:t>
-            </a:r>
-            <a:r>
-              <a:rPr lang="en-US" i="1" dirty="0"/>
-              <a:t> &amp; Perrin’s “Two-Way” string searching algorithm to avoid quadratic behavior on long strings. </a:t>
-            </a:r>
-            <a:endParaRPr lang="da-DK" i="1" dirty="0"/>
+              <a:rPr lang="da-DK" baseline="0" dirty="0" err="1"/>
+              <a:t>instead</a:t>
+            </a:r>
+            <a:r>
+              <a:rPr lang="da-DK" baseline="0" dirty="0"/>
+              <a:t> of ”</a:t>
+            </a:r>
+            <a:r>
+              <a:rPr lang="da-DK" baseline="0" dirty="0" err="1"/>
+              <a:t>attrib</a:t>
+            </a:r>
+            <a:r>
+              <a:rPr lang="da-DK" baseline="0" dirty="0"/>
+              <a:t>[]”. </a:t>
+            </a:r>
+            <a:endParaRPr lang="en-US" dirty="0"/>
           </a:p>
         </p:txBody>
       </p:sp>
@@ -1206,7 +1210,7 @@
             <a:spLocks noGrp="1"/>
           </p:cNvSpPr>
           <p:nvPr>
-            <p:ph type="sldNum" sz="quarter" idx="5"/>
+            <p:ph type="sldNum" sz="quarter" idx="10"/>
           </p:nvPr>
         </p:nvSpPr>
         <p:spPr/>
@@ -1216,7 +1220,7 @@
           <a:p>
             <a:fld id="{CD563DD8-32AB-41BE-B1C6-8EAC45222ACE}" type="slidenum">
               <a:rPr lang="en-US" smtClean="0"/>
-              <a:t>18</a:t>
+              <a:t>15</a:t>
             </a:fld>
             <a:endParaRPr lang="en-US"/>
           </a:p>
@@ -1225,7 +1229,7 @@
     </p:spTree>
     <p:extLst>
       <p:ext uri="{BB962C8B-B14F-4D97-AF65-F5344CB8AC3E}">
-        <p14:creationId xmlns:p14="http://schemas.microsoft.com/office/powerpoint/2010/main" val="648976491"/>
+        <p14:creationId xmlns:p14="http://schemas.microsoft.com/office/powerpoint/2010/main" val="4023960141"/>
       </p:ext>
     </p:extLst>
   </p:cSld>
@@ -1280,97 +1284,59 @@
           <a:lstStyle/>
           <a:p>
             <a:r>
+              <a:rPr lang="da-DK" dirty="0"/>
+              <a:t>An .</a:t>
+            </a:r>
+            <a:r>
               <a:rPr lang="da-DK" dirty="0" err="1"/>
-              <a:t>raw</a:t>
+              <a:t>xlsx</a:t>
             </a:r>
             <a:r>
               <a:rPr lang="da-DK" dirty="0"/>
-              <a:t> </a:t>
+              <a:t> file is </a:t>
             </a:r>
             <a:r>
               <a:rPr lang="da-DK" dirty="0" err="1"/>
-              <a:t>string</a:t>
-            </a:r>
-            <a:r>
-              <a:rPr lang="da-DK" baseline="0" dirty="0"/>
-              <a:t> </a:t>
-            </a:r>
-            <a:r>
-              <a:rPr lang="da-DK" baseline="0" dirty="0" err="1"/>
-              <a:t>literals</a:t>
-            </a:r>
-            <a:r>
-              <a:rPr lang="da-DK" baseline="0" dirty="0"/>
-              <a:t> do not </a:t>
-            </a:r>
-            <a:r>
-              <a:rPr lang="da-DK" baseline="0" dirty="0" err="1"/>
-              <a:t>need</a:t>
-            </a:r>
-            <a:r>
-              <a:rPr lang="da-DK" baseline="0" dirty="0"/>
-              <a:t> to </a:t>
-            </a:r>
-            <a:r>
-              <a:rPr lang="da-DK" baseline="0" dirty="0" err="1"/>
-              <a:t>escape</a:t>
-            </a:r>
-            <a:r>
-              <a:rPr lang="da-DK" baseline="0" dirty="0"/>
-              <a:t> \ to </a:t>
-            </a:r>
-            <a:r>
-              <a:rPr lang="da-DK" baseline="0" dirty="0" err="1"/>
-              <a:t>get</a:t>
-            </a:r>
-            <a:r>
-              <a:rPr lang="da-DK" baseline="0" dirty="0"/>
-              <a:t> a \</a:t>
+              <a:t>really</a:t>
+            </a:r>
+            <a:r>
+              <a:rPr lang="da-DK" dirty="0"/>
+              <a:t> a zip file </a:t>
+            </a:r>
+            <a:r>
+              <a:rPr lang="da-DK" dirty="0" err="1"/>
+              <a:t>containing</a:t>
+            </a:r>
+            <a:r>
+              <a:rPr lang="da-DK" dirty="0"/>
+              <a:t> a folder with a </a:t>
+            </a:r>
+            <a:r>
+              <a:rPr lang="da-DK" dirty="0" err="1"/>
+              <a:t>lot</a:t>
+            </a:r>
+            <a:r>
+              <a:rPr lang="da-DK" dirty="0"/>
+              <a:t> of xml files</a:t>
             </a:r>
           </a:p>
           <a:p>
-            <a:endParaRPr lang="da-DK" baseline="0" dirty="0"/>
+            <a:endParaRPr lang="da-DK" dirty="0"/>
           </a:p>
           <a:p>
             <a:r>
               <a:rPr lang="en-US" dirty="0"/>
-              <a:t>&gt; '\s\n', r'\s\n'</a:t>
-            </a:r>
-          </a:p>
-          <a:p>
+              <a:t>Example: </a:t>
+            </a:r>
+            <a:r>
+              <a:rPr lang="en-US" dirty="0" err="1"/>
+              <a:t>openpyxl</a:t>
+            </a:r>
             <a:r>
               <a:rPr lang="en-US" dirty="0"/>
-              <a:t>('\\s\n', '\\s\\n’)</a:t>
-            </a:r>
-          </a:p>
-          <a:p>
-            <a:endParaRPr lang="en-US" dirty="0"/>
-          </a:p>
-          <a:p>
-            <a:r>
-              <a:rPr lang="en-US" b="1" dirty="0" err="1"/>
-              <a:t>re.search</a:t>
-            </a:r>
-            <a:r>
-              <a:rPr lang="en-US" b="1" dirty="0"/>
-              <a:t>(substring, text) can be faster than </a:t>
-            </a:r>
-            <a:r>
-              <a:rPr lang="en-US" b="1" dirty="0" err="1"/>
-              <a:t>text.find</a:t>
-            </a:r>
-            <a:r>
-              <a:rPr lang="en-US" b="1" dirty="0"/>
-              <a:t>(substring) on very </a:t>
-            </a:r>
-            <a:r>
-              <a:rPr lang="en-US" b="1"/>
-              <a:t>long strings since </a:t>
-            </a:r>
-            <a:r>
-              <a:rPr lang="en-US" b="1" dirty="0"/>
-              <a:t>.find has worst-case time O( |string| * |substring|), whereas re is automata based.</a:t>
-            </a:r>
+              <a:t>-example/xl/worksheets/sheet1.xml</a:t>
+            </a:r>
+            <a:endParaRPr lang="da-DK" dirty="0"/>
           </a:p>
         </p:txBody>
       </p:sp>
@@ -1381,7 +1347,7 @@
             <a:spLocks noGrp="1"/>
           </p:cNvSpPr>
           <p:nvPr>
-            <p:ph type="sldNum" sz="quarter" idx="10"/>
+            <p:ph type="sldNum" sz="quarter" idx="5"/>
           </p:nvPr>
         </p:nvSpPr>
         <p:spPr/>
@@ -1391,7 +1357,7 @@
           <a:p>
             <a:fld id="{CD563DD8-32AB-41BE-B1C6-8EAC45222ACE}" type="slidenum">
               <a:rPr lang="en-US" smtClean="0"/>
-              <a:t>20</a:t>
+              <a:t>16</a:t>
             </a:fld>
             <a:endParaRPr lang="en-US"/>
           </a:p>
@@ -1400,7 +1366,7 @@
     </p:spTree>
     <p:extLst>
       <p:ext uri="{BB962C8B-B14F-4D97-AF65-F5344CB8AC3E}">
-        <p14:creationId xmlns:p14="http://schemas.microsoft.com/office/powerpoint/2010/main" val="3089971782"/>
+        <p14:creationId xmlns:p14="http://schemas.microsoft.com/office/powerpoint/2010/main" val="3941420006"/>
       </p:ext>
     </p:extLst>
   </p:cSld>
@@ -1455,6 +1421,601 @@
           <a:lstStyle/>
           <a:p>
             <a:r>
+              <a:rPr lang="da-DK" dirty="0"/>
+              <a:t>Python 3.10.8 </a:t>
+            </a:r>
+            <a:r>
+              <a:rPr lang="da-DK" dirty="0" err="1"/>
+              <a:t>vs</a:t>
+            </a:r>
+            <a:r>
+              <a:rPr lang="da-DK" dirty="0"/>
+              <a:t> 3.9.7 timings: 3.9 had </a:t>
+            </a:r>
+            <a:r>
+              <a:rPr lang="da-DK" dirty="0" err="1"/>
+              <a:t>quadratic</a:t>
+            </a:r>
+            <a:r>
+              <a:rPr lang="da-DK" dirty="0"/>
+              <a:t> time on ”bad </a:t>
+            </a:r>
+            <a:r>
+              <a:rPr lang="da-DK" dirty="0" err="1"/>
+              <a:t>example</a:t>
+            </a:r>
+            <a:r>
+              <a:rPr lang="da-DK" dirty="0"/>
+              <a:t>”</a:t>
+            </a:r>
+          </a:p>
+          <a:p>
+            <a:r>
+              <a:rPr lang="da-DK" dirty="0"/>
+              <a:t>Python 3.9 </a:t>
+            </a:r>
+            <a:r>
+              <a:rPr lang="da-DK" dirty="0" err="1"/>
+              <a:t>was</a:t>
+            </a:r>
+            <a:r>
+              <a:rPr lang="da-DK" dirty="0"/>
+              <a:t> </a:t>
+            </a:r>
+            <a:r>
+              <a:rPr lang="da-DK" dirty="0" err="1"/>
+              <a:t>released</a:t>
+            </a:r>
+            <a:r>
+              <a:rPr lang="da-DK" dirty="0"/>
+              <a:t> in 2020, but </a:t>
+            </a:r>
+            <a:r>
+              <a:rPr lang="da-DK" dirty="0" err="1"/>
+              <a:t>already</a:t>
+            </a:r>
+            <a:r>
+              <a:rPr lang="da-DK" dirty="0"/>
+              <a:t> back in 1977 (Knuth-Morris-Pratt) it </a:t>
+            </a:r>
+            <a:r>
+              <a:rPr lang="da-DK" dirty="0" err="1"/>
+              <a:t>was</a:t>
+            </a:r>
+            <a:r>
+              <a:rPr lang="da-DK" dirty="0"/>
+              <a:t> </a:t>
+            </a:r>
+            <a:r>
+              <a:rPr lang="da-DK" dirty="0" err="1"/>
+              <a:t>known</a:t>
+            </a:r>
+            <a:r>
+              <a:rPr lang="da-DK" dirty="0"/>
+              <a:t> </a:t>
+            </a:r>
+            <a:r>
+              <a:rPr lang="da-DK" dirty="0" err="1"/>
+              <a:t>how</a:t>
+            </a:r>
+            <a:r>
+              <a:rPr lang="da-DK" dirty="0"/>
+              <a:t> to support find in </a:t>
+            </a:r>
+            <a:r>
+              <a:rPr lang="da-DK" dirty="0" err="1"/>
+              <a:t>worst</a:t>
+            </a:r>
+            <a:r>
+              <a:rPr lang="da-DK" dirty="0"/>
+              <a:t>-case </a:t>
+            </a:r>
+            <a:r>
+              <a:rPr lang="da-DK" dirty="0" err="1"/>
+              <a:t>linear</a:t>
+            </a:r>
+            <a:r>
+              <a:rPr lang="da-DK" dirty="0"/>
+              <a:t> time – but the Python developers had </a:t>
+            </a:r>
+            <a:r>
+              <a:rPr lang="da-DK" dirty="0" err="1"/>
+              <a:t>prioritized</a:t>
+            </a:r>
+            <a:r>
+              <a:rPr lang="da-DK" dirty="0"/>
+              <a:t> </a:t>
+            </a:r>
+            <a:r>
+              <a:rPr lang="da-DK" dirty="0" err="1"/>
+              <a:t>typical</a:t>
+            </a:r>
+            <a:r>
+              <a:rPr lang="da-DK" dirty="0"/>
+              <a:t> performance over </a:t>
+            </a:r>
+            <a:r>
+              <a:rPr lang="da-DK" dirty="0" err="1"/>
+              <a:t>worst</a:t>
+            </a:r>
+            <a:r>
+              <a:rPr lang="da-DK" dirty="0"/>
+              <a:t>-case performance. </a:t>
+            </a:r>
+          </a:p>
+          <a:p>
+            <a:r>
+              <a:rPr lang="da-DK" dirty="0"/>
+              <a:t>Timings </a:t>
+            </a:r>
+            <a:r>
+              <a:rPr lang="da-DK" dirty="0" err="1"/>
+              <a:t>below</a:t>
+            </a:r>
+            <a:r>
+              <a:rPr lang="da-DK" dirty="0"/>
+              <a:t> 10</a:t>
+            </a:r>
+            <a:r>
+              <a:rPr lang="da-DK" baseline="30000" dirty="0"/>
+              <a:t>-1</a:t>
+            </a:r>
+            <a:r>
+              <a:rPr lang="da-DK" dirty="0"/>
+              <a:t> </a:t>
+            </a:r>
+            <a:r>
+              <a:rPr lang="da-DK" dirty="0" err="1"/>
+              <a:t>seconds</a:t>
+            </a:r>
+            <a:r>
+              <a:rPr lang="da-DK" dirty="0"/>
+              <a:t> </a:t>
+            </a:r>
+            <a:r>
+              <a:rPr lang="da-DK" dirty="0" err="1"/>
+              <a:t>noisy</a:t>
+            </a:r>
+            <a:endParaRPr lang="da-DK" dirty="0"/>
+          </a:p>
+          <a:p>
+            <a:endParaRPr lang="da-DK" dirty="0"/>
+          </a:p>
+          <a:p>
+            <a:r>
+              <a:rPr lang="da-DK" dirty="0"/>
+              <a:t>https://docs.python.org/3/whatsnew/3.10.html</a:t>
+            </a:r>
+          </a:p>
+          <a:p>
+            <a:r>
+              <a:rPr lang="en-US" i="1" dirty="0"/>
+              <a:t>Substring search functions such as str1 in str2 and str2.find(str1) now sometimes use </a:t>
+            </a:r>
+            <a:r>
+              <a:rPr lang="en-US" i="1" dirty="0" err="1"/>
+              <a:t>Crochemore</a:t>
+            </a:r>
+            <a:r>
+              <a:rPr lang="en-US" i="1" dirty="0"/>
+              <a:t> &amp; Perrin’s “Two-Way” string searching algorithm to avoid quadratic behavior on long strings. </a:t>
+            </a:r>
+            <a:endParaRPr lang="da-DK" i="1" dirty="0"/>
+          </a:p>
+        </p:txBody>
+      </p:sp>
+      <p:sp>
+        <p:nvSpPr>
+          <p:cNvPr id="4" name="Slide Number Placeholder 3"/>
+          <p:cNvSpPr>
+            <a:spLocks noGrp="1"/>
+          </p:cNvSpPr>
+          <p:nvPr>
+            <p:ph type="sldNum" sz="quarter" idx="5"/>
+          </p:nvPr>
+        </p:nvSpPr>
+        <p:spPr/>
+        <p:txBody>
+          <a:bodyPr/>
+          <a:lstStyle/>
+          <a:p>
+            <a:fld id="{CD563DD8-32AB-41BE-B1C6-8EAC45222ACE}" type="slidenum">
+              <a:rPr lang="en-US" smtClean="0"/>
+              <a:t>18</a:t>
+            </a:fld>
+            <a:endParaRPr lang="en-US"/>
+          </a:p>
+        </p:txBody>
+      </p:sp>
+    </p:spTree>
+    <p:extLst>
+      <p:ext uri="{BB962C8B-B14F-4D97-AF65-F5344CB8AC3E}">
+        <p14:creationId xmlns:p14="http://schemas.microsoft.com/office/powerpoint/2010/main" val="648976491"/>
+      </p:ext>
+    </p:extLst>
+  </p:cSld>
+  <p:clrMapOvr>
+    <a:masterClrMapping/>
+  </p:clrMapOvr>
+</p:notes>
+</file>
+
+<file path=ppt/notesSlides/notesSlide14.xml><?xml version="1.0" encoding="utf-8"?>
+<p:notes xmlns:a="http://schemas.openxmlformats.org/drawingml/2006/main" xmlns:r="http://schemas.openxmlformats.org/officeDocument/2006/relationships" xmlns:p="http://schemas.openxmlformats.org/presentationml/2006/main">
+  <p:cSld>
+    <p:spTree>
+      <p:nvGrpSpPr>
+        <p:cNvPr id="1" name=""/>
+        <p:cNvGrpSpPr/>
+        <p:nvPr/>
+      </p:nvGrpSpPr>
+      <p:grpSpPr>
+        <a:xfrm>
+          <a:off x="0" y="0"/>
+          <a:ext cx="0" cy="0"/>
+          <a:chOff x="0" y="0"/>
+          <a:chExt cx="0" cy="0"/>
+        </a:xfrm>
+      </p:grpSpPr>
+      <p:sp>
+        <p:nvSpPr>
+          <p:cNvPr id="2" name="Slide Image Placeholder 1"/>
+          <p:cNvSpPr>
+            <a:spLocks noGrp="1" noRot="1" noChangeAspect="1"/>
+          </p:cNvSpPr>
+          <p:nvPr>
+            <p:ph type="sldImg"/>
+          </p:nvPr>
+        </p:nvSpPr>
+        <p:spPr/>
+      </p:sp>
+      <p:sp>
+        <p:nvSpPr>
+          <p:cNvPr id="3" name="Notes Placeholder 2"/>
+          <p:cNvSpPr>
+            <a:spLocks noGrp="1"/>
+          </p:cNvSpPr>
+          <p:nvPr>
+            <p:ph type="body" idx="1"/>
+          </p:nvPr>
+        </p:nvSpPr>
+        <p:spPr/>
+        <p:txBody>
+          <a:bodyPr/>
+          <a:lstStyle/>
+          <a:p>
+            <a:r>
+              <a:rPr lang="da-DK" dirty="0" err="1"/>
+              <a:t>raw</a:t>
+            </a:r>
+            <a:r>
+              <a:rPr lang="da-DK" dirty="0"/>
+              <a:t> </a:t>
+            </a:r>
+            <a:r>
+              <a:rPr lang="da-DK" dirty="0" err="1"/>
+              <a:t>string</a:t>
+            </a:r>
+            <a:r>
+              <a:rPr lang="da-DK" baseline="0" dirty="0"/>
+              <a:t> </a:t>
+            </a:r>
+            <a:r>
+              <a:rPr lang="da-DK" baseline="0" dirty="0" err="1"/>
+              <a:t>literals</a:t>
+            </a:r>
+            <a:r>
+              <a:rPr lang="da-DK" baseline="0" dirty="0"/>
+              <a:t> do not </a:t>
+            </a:r>
+            <a:r>
+              <a:rPr lang="da-DK" baseline="0" dirty="0" err="1"/>
+              <a:t>need</a:t>
+            </a:r>
+            <a:r>
+              <a:rPr lang="da-DK" baseline="0" dirty="0"/>
+              <a:t> to </a:t>
+            </a:r>
+            <a:r>
+              <a:rPr lang="da-DK" baseline="0" dirty="0" err="1"/>
+              <a:t>escape</a:t>
+            </a:r>
+            <a:r>
+              <a:rPr lang="da-DK" baseline="0" dirty="0"/>
+              <a:t> \ to </a:t>
+            </a:r>
+            <a:r>
+              <a:rPr lang="da-DK" baseline="0" dirty="0" err="1"/>
+              <a:t>get</a:t>
+            </a:r>
+            <a:r>
+              <a:rPr lang="da-DK" baseline="0" dirty="0"/>
+              <a:t> a \</a:t>
+            </a:r>
+          </a:p>
+          <a:p>
+            <a:endParaRPr lang="da-DK" baseline="0" dirty="0"/>
+          </a:p>
+          <a:p>
+            <a:r>
+              <a:rPr lang="en-US" dirty="0"/>
+              <a:t>&gt; '\s\n', r'\s\n'</a:t>
+            </a:r>
+          </a:p>
+          <a:p>
+            <a:r>
+              <a:rPr lang="en-US" dirty="0"/>
+              <a:t>('\\s\n', '\\s\\n’)</a:t>
+            </a:r>
+          </a:p>
+          <a:p>
+            <a:endParaRPr lang="en-US" dirty="0"/>
+          </a:p>
+          <a:p>
+            <a:r>
+              <a:rPr lang="en-US" b="1" dirty="0" err="1"/>
+              <a:t>re.search</a:t>
+            </a:r>
+            <a:r>
+              <a:rPr lang="en-US" b="1" dirty="0"/>
+              <a:t>(substring, text) can be faster than </a:t>
+            </a:r>
+            <a:r>
+              <a:rPr lang="en-US" b="1" dirty="0" err="1"/>
+              <a:t>text.find</a:t>
+            </a:r>
+            <a:r>
+              <a:rPr lang="en-US" b="1" dirty="0"/>
+              <a:t>(substring) on very </a:t>
+            </a:r>
+            <a:r>
+              <a:rPr lang="en-US" b="1"/>
+              <a:t>long strings since </a:t>
+            </a:r>
+            <a:r>
+              <a:rPr lang="en-US" b="1" dirty="0"/>
+              <a:t>.find has worst-case time O( |string| * |substring|), whereas re is automata based.</a:t>
+            </a:r>
+          </a:p>
+        </p:txBody>
+      </p:sp>
+      <p:sp>
+        <p:nvSpPr>
+          <p:cNvPr id="4" name="Slide Number Placeholder 3"/>
+          <p:cNvSpPr>
+            <a:spLocks noGrp="1"/>
+          </p:cNvSpPr>
+          <p:nvPr>
+            <p:ph type="sldNum" sz="quarter" idx="10"/>
+          </p:nvPr>
+        </p:nvSpPr>
+        <p:spPr/>
+        <p:txBody>
+          <a:bodyPr/>
+          <a:lstStyle/>
+          <a:p>
+            <a:fld id="{CD563DD8-32AB-41BE-B1C6-8EAC45222ACE}" type="slidenum">
+              <a:rPr lang="en-US" smtClean="0"/>
+              <a:t>20</a:t>
+            </a:fld>
+            <a:endParaRPr lang="en-US"/>
+          </a:p>
+        </p:txBody>
+      </p:sp>
+    </p:spTree>
+    <p:extLst>
+      <p:ext uri="{BB962C8B-B14F-4D97-AF65-F5344CB8AC3E}">
+        <p14:creationId xmlns:p14="http://schemas.microsoft.com/office/powerpoint/2010/main" val="3089971782"/>
+      </p:ext>
+    </p:extLst>
+  </p:cSld>
+  <p:clrMapOvr>
+    <a:masterClrMapping/>
+  </p:clrMapOvr>
+</p:notes>
+</file>
+
+<file path=ppt/notesSlides/notesSlide15.xml><?xml version="1.0" encoding="utf-8"?>
+<p:notes xmlns:a="http://schemas.openxmlformats.org/drawingml/2006/main" xmlns:r="http://schemas.openxmlformats.org/officeDocument/2006/relationships" xmlns:p="http://schemas.openxmlformats.org/presentationml/2006/main">
+  <p:cSld>
+    <p:spTree>
+      <p:nvGrpSpPr>
+        <p:cNvPr id="1" name=""/>
+        <p:cNvGrpSpPr/>
+        <p:nvPr/>
+      </p:nvGrpSpPr>
+      <p:grpSpPr>
+        <a:xfrm>
+          <a:off x="0" y="0"/>
+          <a:ext cx="0" cy="0"/>
+          <a:chOff x="0" y="0"/>
+          <a:chExt cx="0" cy="0"/>
+        </a:xfrm>
+      </p:grpSpPr>
+      <p:sp>
+        <p:nvSpPr>
+          <p:cNvPr id="2" name="Slide Image Placeholder 1"/>
+          <p:cNvSpPr>
+            <a:spLocks noGrp="1" noRot="1" noChangeAspect="1"/>
+          </p:cNvSpPr>
+          <p:nvPr>
+            <p:ph type="sldImg"/>
+          </p:nvPr>
+        </p:nvSpPr>
+        <p:spPr/>
+      </p:sp>
+      <p:sp>
+        <p:nvSpPr>
+          <p:cNvPr id="3" name="Notes Placeholder 2"/>
+          <p:cNvSpPr>
+            <a:spLocks noGrp="1"/>
+          </p:cNvSpPr>
+          <p:nvPr>
+            <p:ph type="body" idx="1"/>
+          </p:nvPr>
+        </p:nvSpPr>
+        <p:spPr/>
+        <p:txBody>
+          <a:bodyPr/>
+          <a:lstStyle/>
+          <a:p>
+            <a:r>
+              <a:rPr lang="en-US" dirty="0"/>
+              <a:t>Regular expression substitution is useful when </a:t>
+            </a:r>
+            <a:r>
+              <a:rPr lang="en-US" dirty="0" err="1"/>
+              <a:t>str.replace</a:t>
+            </a:r>
+            <a:r>
+              <a:rPr lang="en-US" dirty="0"/>
+              <a:t> is to restricted</a:t>
+            </a:r>
+          </a:p>
+          <a:p>
+            <a:pPr marL="0" marR="0" lvl="0" indent="0" algn="l" defTabSz="914400" rtl="0" eaLnBrk="1" fontAlgn="auto" latinLnBrk="0" hangingPunct="1">
+              <a:lnSpc>
+                <a:spcPct val="100000"/>
+              </a:lnSpc>
+              <a:spcBef>
+                <a:spcPts val="0"/>
+              </a:spcBef>
+              <a:spcAft>
+                <a:spcPts val="0"/>
+              </a:spcAft>
+              <a:buClrTx/>
+              <a:buSzTx/>
+              <a:buFontTx/>
+              <a:buNone/>
+              <a:tabLst/>
+              <a:defRPr/>
+            </a:pPr>
+            <a:r>
+              <a:rPr lang="en-US" dirty="0"/>
+              <a:t>'</a:t>
+            </a:r>
+            <a:r>
+              <a:rPr lang="en-US" dirty="0" err="1"/>
+              <a:t>abcd</a:t>
+            </a:r>
+            <a:r>
+              <a:rPr lang="en-US" dirty="0"/>
+              <a:t>'.replace('</a:t>
+            </a:r>
+            <a:r>
+              <a:rPr lang="en-US" dirty="0" err="1"/>
+              <a:t>bc</a:t>
+            </a:r>
+            <a:r>
+              <a:rPr lang="en-US" dirty="0"/>
+              <a:t>', 'BC')</a:t>
+            </a:r>
+          </a:p>
+          <a:p>
+            <a:endParaRPr lang="en-US" dirty="0"/>
+          </a:p>
+          <a:p>
+            <a:r>
+              <a:rPr lang="en-US" dirty="0" err="1"/>
+              <a:t>re.sub</a:t>
+            </a:r>
+            <a:r>
+              <a:rPr lang="en-US" dirty="0"/>
+              <a:t> can take a </a:t>
+            </a:r>
+            <a:r>
+              <a:rPr lang="en-US" i="1" dirty="0"/>
+              <a:t>callable</a:t>
+            </a:r>
+            <a:r>
+              <a:rPr lang="en-US" dirty="0"/>
+              <a:t> as the replace argument</a:t>
+            </a:r>
+            <a:endParaRPr lang="da-DK" dirty="0"/>
+          </a:p>
+        </p:txBody>
+      </p:sp>
+      <p:sp>
+        <p:nvSpPr>
+          <p:cNvPr id="4" name="Slide Number Placeholder 3"/>
+          <p:cNvSpPr>
+            <a:spLocks noGrp="1"/>
+          </p:cNvSpPr>
+          <p:nvPr>
+            <p:ph type="sldNum" sz="quarter" idx="5"/>
+          </p:nvPr>
+        </p:nvSpPr>
+        <p:spPr/>
+        <p:txBody>
+          <a:bodyPr/>
+          <a:lstStyle/>
+          <a:p>
+            <a:fld id="{CD563DD8-32AB-41BE-B1C6-8EAC45222ACE}" type="slidenum">
+              <a:rPr lang="en-US" smtClean="0"/>
+              <a:t>21</a:t>
+            </a:fld>
+            <a:endParaRPr lang="en-US"/>
+          </a:p>
+        </p:txBody>
+      </p:sp>
+    </p:spTree>
+    <p:extLst>
+      <p:ext uri="{BB962C8B-B14F-4D97-AF65-F5344CB8AC3E}">
+        <p14:creationId xmlns:p14="http://schemas.microsoft.com/office/powerpoint/2010/main" val="3479860233"/>
+      </p:ext>
+    </p:extLst>
+  </p:cSld>
+  <p:clrMapOvr>
+    <a:masterClrMapping/>
+  </p:clrMapOvr>
+</p:notes>
+</file>
+
+<file path=ppt/notesSlides/notesSlide16.xml><?xml version="1.0" encoding="utf-8"?>
+<p:notes xmlns:a="http://schemas.openxmlformats.org/drawingml/2006/main" xmlns:r="http://schemas.openxmlformats.org/officeDocument/2006/relationships" xmlns:p="http://schemas.openxmlformats.org/presentationml/2006/main">
+  <p:cSld>
+    <p:spTree>
+      <p:nvGrpSpPr>
+        <p:cNvPr id="1" name=""/>
+        <p:cNvGrpSpPr/>
+        <p:nvPr/>
+      </p:nvGrpSpPr>
+      <p:grpSpPr>
+        <a:xfrm>
+          <a:off x="0" y="0"/>
+          <a:ext cx="0" cy="0"/>
+          <a:chOff x="0" y="0"/>
+          <a:chExt cx="0" cy="0"/>
+        </a:xfrm>
+      </p:grpSpPr>
+      <p:sp>
+        <p:nvSpPr>
+          <p:cNvPr id="2" name="Slide Image Placeholder 1"/>
+          <p:cNvSpPr>
+            <a:spLocks noGrp="1" noRot="1" noChangeAspect="1"/>
+          </p:cNvSpPr>
+          <p:nvPr>
+            <p:ph type="sldImg"/>
+          </p:nvPr>
+        </p:nvSpPr>
+        <p:spPr/>
+      </p:sp>
+      <p:sp>
+        <p:nvSpPr>
+          <p:cNvPr id="3" name="Notes Placeholder 2"/>
+          <p:cNvSpPr>
+            <a:spLocks noGrp="1"/>
+          </p:cNvSpPr>
+          <p:nvPr>
+            <p:ph type="body" idx="1"/>
+          </p:nvPr>
+        </p:nvSpPr>
+        <p:spPr/>
+        <p:txBody>
+          <a:bodyPr/>
+          <a:lstStyle/>
+          <a:p>
+            <a:r>
               <a:rPr lang="da-DK" dirty="0" err="1"/>
               <a:t>Many</a:t>
             </a:r>
@@ -1634,7 +2195,7 @@
 </p:notes>
 </file>
 
-<file path=ppt/notesSlides/notesSlide14.xml><?xml version="1.0" encoding="utf-8"?>
+<file path=ppt/notesSlides/notesSlide17.xml><?xml version="1.0" encoding="utf-8"?>
 <p:notes xmlns:a="http://schemas.openxmlformats.org/drawingml/2006/main" xmlns:r="http://schemas.openxmlformats.org/officeDocument/2006/relationships" xmlns:p="http://schemas.openxmlformats.org/presentationml/2006/main">
   <p:cSld>
     <p:spTree>
@@ -1718,7 +2279,7 @@
 </p:notes>
 </file>
 
-<file path=ppt/notesSlides/notesSlide15.xml><?xml version="1.0" encoding="utf-8"?>
+<file path=ppt/notesSlides/notesSlide18.xml><?xml version="1.0" encoding="utf-8"?>
 <p:notes xmlns:a="http://schemas.openxmlformats.org/drawingml/2006/main" xmlns:r="http://schemas.openxmlformats.org/officeDocument/2006/relationships" xmlns:p="http://schemas.openxmlformats.org/presentationml/2006/main">
   <p:cSld>
     <p:spTree>
@@ -1802,7 +2363,7 @@
 </p:notes>
 </file>
 
-<file path=ppt/notesSlides/notesSlide16.xml><?xml version="1.0" encoding="utf-8"?>
+<file path=ppt/notesSlides/notesSlide19.xml><?xml version="1.0" encoding="utf-8"?>
 <p:notes xmlns:a="http://schemas.openxmlformats.org/drawingml/2006/main" xmlns:r="http://schemas.openxmlformats.org/officeDocument/2006/relationships" xmlns:p="http://schemas.openxmlformats.org/presentationml/2006/main">
   <p:cSld>
     <p:spTree>
@@ -2075,57 +2636,39 @@
           <a:p>
             <a:r>
               <a:rPr lang="en-US" dirty="0"/>
-              <a:t>Fun fact: Saving “comma” separated in</a:t>
-            </a:r>
-            <a:r>
-              <a:rPr lang="en-US" baseline="0" dirty="0"/>
-              <a:t> Excel uses semi-colon </a:t>
-            </a:r>
-            <a:r>
-              <a:rPr lang="en-US" baseline="0" dirty="0">
-                <a:sym typeface="Wingdings" panose="05000000000000000000" pitchFamily="2" charset="2"/>
-              </a:rPr>
-              <a:t></a:t>
+              <a:t>Sometimes “.csv” files that are tab-separated are called “.</a:t>
+            </a:r>
+            <a:r>
+              <a:rPr lang="en-US" dirty="0" err="1"/>
+              <a:t>tsv</a:t>
+            </a:r>
+            <a:r>
+              <a:rPr lang="en-US" dirty="0"/>
+              <a:t>” files</a:t>
             </a:r>
           </a:p>
           <a:p>
             <a:r>
-              <a:rPr lang="da-DK" baseline="0" dirty="0">
-                <a:sym typeface="Wingdings" panose="05000000000000000000" pitchFamily="2" charset="2"/>
-              </a:rPr>
-              <a:t>grade : </a:t>
-            </a:r>
-            <a:r>
-              <a:rPr lang="da-DK" baseline="0" dirty="0" err="1">
-                <a:sym typeface="Wingdings" panose="05000000000000000000" pitchFamily="2" charset="2"/>
-              </a:rPr>
-              <a:t>remember</a:t>
-            </a:r>
-            <a:r>
-              <a:rPr lang="da-DK" baseline="0" dirty="0">
-                <a:sym typeface="Wingdings" panose="05000000000000000000" pitchFamily="2" charset="2"/>
-              </a:rPr>
-              <a:t> to </a:t>
-            </a:r>
-            <a:r>
-              <a:rPr lang="da-DK" baseline="0" dirty="0" err="1">
-                <a:sym typeface="Wingdings" panose="05000000000000000000" pitchFamily="2" charset="2"/>
-              </a:rPr>
-              <a:t>convert</a:t>
-            </a:r>
-            <a:r>
-              <a:rPr lang="da-DK" baseline="0" dirty="0">
-                <a:sym typeface="Wingdings" panose="05000000000000000000" pitchFamily="2" charset="2"/>
-              </a:rPr>
-              <a:t> to </a:t>
-            </a:r>
-            <a:r>
-              <a:rPr lang="da-DK" baseline="0" dirty="0" err="1">
-                <a:sym typeface="Wingdings" panose="05000000000000000000" pitchFamily="2" charset="2"/>
-              </a:rPr>
-              <a:t>int</a:t>
-            </a:r>
-            <a:endParaRPr lang="en-US" dirty="0"/>
+              <a:rPr lang="en-US" dirty="0"/>
+              <a:t>It is common that </a:t>
+            </a:r>
+            <a:r>
+              <a:rPr lang="en-US" dirty="0" err="1"/>
+              <a:t>fiels</a:t>
+            </a:r>
+            <a:r>
+              <a:rPr lang="en-US" dirty="0"/>
+              <a:t> using “;” as separator are also called “.csv” files (</a:t>
+            </a:r>
+            <a:r>
+              <a:rPr lang="en-US" dirty="0" err="1"/>
+              <a:t>tconfusing</a:t>
+            </a:r>
+            <a:r>
+              <a:rPr lang="en-US" dirty="0"/>
+              <a:t>!)</a:t>
+            </a:r>
+            <a:endParaRPr lang="da-DK" dirty="0"/>
           </a:p>
         </p:txBody>
       </p:sp>
@@ -2136,7 +2679,7 @@
             <a:spLocks noGrp="1"/>
           </p:cNvSpPr>
           <p:nvPr>
-            <p:ph type="sldNum" sz="quarter" idx="10"/>
+            <p:ph type="sldNum" sz="quarter" idx="5"/>
           </p:nvPr>
         </p:nvSpPr>
         <p:spPr/>
@@ -2146,7 +2689,7 @@
           <a:p>
             <a:fld id="{CD563DD8-32AB-41BE-B1C6-8EAC45222ACE}" type="slidenum">
               <a:rPr lang="en-US" smtClean="0"/>
-              <a:t>6</a:t>
+              <a:t>5</a:t>
             </a:fld>
             <a:endParaRPr lang="en-US"/>
           </a:p>
@@ -2155,7 +2698,7 @@
     </p:spTree>
     <p:extLst>
       <p:ext uri="{BB962C8B-B14F-4D97-AF65-F5344CB8AC3E}">
-        <p14:creationId xmlns:p14="http://schemas.microsoft.com/office/powerpoint/2010/main" val="3062936340"/>
+        <p14:creationId xmlns:p14="http://schemas.microsoft.com/office/powerpoint/2010/main" val="3123941858"/>
       </p:ext>
     </p:extLst>
   </p:cSld>
@@ -2210,150 +2753,156 @@
           <a:lstStyle/>
           <a:p>
             <a:r>
-              <a:rPr lang="da-DK" dirty="0" err="1"/>
-              <a:t>Since</a:t>
-            </a:r>
-            <a:r>
-              <a:rPr lang="da-DK" baseline="0" dirty="0"/>
-              <a:t> the columns in </a:t>
-            </a:r>
-            <a:r>
-              <a:rPr lang="da-DK" baseline="0" dirty="0" err="1"/>
-              <a:t>csv</a:t>
-            </a:r>
-            <a:r>
-              <a:rPr lang="da-DK" baseline="0" dirty="0"/>
-              <a:t> files have a given type by the </a:t>
-            </a:r>
-            <a:r>
-              <a:rPr lang="da-DK" baseline="0" dirty="0" err="1"/>
-              <a:t>application</a:t>
-            </a:r>
-            <a:r>
-              <a:rPr lang="da-DK" baseline="0" dirty="0"/>
-              <a:t> </a:t>
-            </a:r>
-            <a:r>
-              <a:rPr lang="da-DK" baseline="0" dirty="0" err="1"/>
-              <a:t>using</a:t>
-            </a:r>
-            <a:r>
-              <a:rPr lang="da-DK" baseline="0" dirty="0"/>
-              <a:t> the </a:t>
-            </a:r>
-            <a:r>
-              <a:rPr lang="da-DK" baseline="0" dirty="0" err="1"/>
-              <a:t>csv</a:t>
-            </a:r>
-            <a:r>
-              <a:rPr lang="da-DK" baseline="0" dirty="0"/>
-              <a:t> file, it </a:t>
-            </a:r>
-            <a:r>
-              <a:rPr lang="da-DK" baseline="0" dirty="0" err="1"/>
-              <a:t>might</a:t>
-            </a:r>
-            <a:r>
-              <a:rPr lang="da-DK" baseline="0" dirty="0"/>
-              <a:t> not </a:t>
-            </a:r>
-            <a:r>
-              <a:rPr lang="da-DK" baseline="0" dirty="0" err="1"/>
-              <a:t>be</a:t>
-            </a:r>
-            <a:r>
-              <a:rPr lang="da-DK" baseline="0" dirty="0"/>
-              <a:t> a problem not to </a:t>
-            </a:r>
-            <a:r>
-              <a:rPr lang="da-DK" baseline="0" dirty="0" err="1"/>
-              <a:t>be</a:t>
-            </a:r>
-            <a:r>
-              <a:rPr lang="da-DK" baseline="0" dirty="0"/>
-              <a:t> </a:t>
-            </a:r>
-            <a:r>
-              <a:rPr lang="da-DK" baseline="0" dirty="0" err="1"/>
-              <a:t>able</a:t>
-            </a:r>
-            <a:r>
-              <a:rPr lang="da-DK" baseline="0" dirty="0"/>
-              <a:t> to </a:t>
-            </a:r>
-            <a:r>
-              <a:rPr lang="da-DK" baseline="0" dirty="0" err="1"/>
-              <a:t>differentiate</a:t>
-            </a:r>
-            <a:r>
-              <a:rPr lang="da-DK" baseline="0" dirty="0"/>
-              <a:t> </a:t>
-            </a:r>
-            <a:r>
-              <a:rPr lang="da-DK" baseline="0" dirty="0" err="1"/>
-              <a:t>between</a:t>
-            </a:r>
-            <a:r>
-              <a:rPr lang="da-DK" baseline="0" dirty="0"/>
-              <a:t> </a:t>
-            </a:r>
-            <a:r>
-              <a:rPr lang="da-DK" baseline="0" dirty="0" err="1"/>
-              <a:t>numbers</a:t>
-            </a:r>
-            <a:r>
-              <a:rPr lang="da-DK" baseline="0" dirty="0"/>
-              <a:t> and </a:t>
-            </a:r>
-            <a:r>
-              <a:rPr lang="da-DK" baseline="0" dirty="0" err="1"/>
-              <a:t>strings</a:t>
-            </a:r>
-            <a:r>
-              <a:rPr lang="da-DK" baseline="0" dirty="0"/>
-              <a:t> </a:t>
-            </a:r>
-            <a:r>
-              <a:rPr lang="da-DK" baseline="0" dirty="0" err="1"/>
-              <a:t>containing</a:t>
-            </a:r>
-            <a:r>
-              <a:rPr lang="da-DK" baseline="0" dirty="0"/>
-              <a:t> </a:t>
-            </a:r>
-            <a:r>
-              <a:rPr lang="da-DK" baseline="0" dirty="0" err="1"/>
-              <a:t>numbers</a:t>
-            </a:r>
-            <a:endParaRPr lang="da-DK" baseline="0" dirty="0"/>
+              <a:rPr lang="en-US" dirty="0"/>
+              <a:t>Fun fact: Saving “comma” separated in</a:t>
+            </a:r>
+            <a:r>
+              <a:rPr lang="en-US" baseline="0" dirty="0"/>
+              <a:t> Excel uses semi-colon </a:t>
+            </a:r>
+            <a:r>
+              <a:rPr lang="en-US" baseline="0" dirty="0">
+                <a:sym typeface="Wingdings" panose="05000000000000000000" pitchFamily="2" charset="2"/>
+              </a:rPr>
+              <a:t></a:t>
+            </a:r>
           </a:p>
           <a:p>
-            <a:endParaRPr lang="da-DK" baseline="0" dirty="0"/>
+            <a:r>
+              <a:rPr lang="da-DK" baseline="0" dirty="0">
+                <a:sym typeface="Wingdings" panose="05000000000000000000" pitchFamily="2" charset="2"/>
+              </a:rPr>
+              <a:t>grade : </a:t>
+            </a:r>
+            <a:r>
+              <a:rPr lang="da-DK" baseline="0" dirty="0" err="1">
+                <a:sym typeface="Wingdings" panose="05000000000000000000" pitchFamily="2" charset="2"/>
+              </a:rPr>
+              <a:t>remember</a:t>
+            </a:r>
+            <a:r>
+              <a:rPr lang="da-DK" baseline="0" dirty="0">
+                <a:sym typeface="Wingdings" panose="05000000000000000000" pitchFamily="2" charset="2"/>
+              </a:rPr>
+              <a:t> to </a:t>
+            </a:r>
+            <a:r>
+              <a:rPr lang="da-DK" baseline="0" dirty="0" err="1">
+                <a:sym typeface="Wingdings" panose="05000000000000000000" pitchFamily="2" charset="2"/>
+              </a:rPr>
+              <a:t>convert</a:t>
+            </a:r>
+            <a:r>
+              <a:rPr lang="da-DK" baseline="0" dirty="0">
+                <a:sym typeface="Wingdings" panose="05000000000000000000" pitchFamily="2" charset="2"/>
+              </a:rPr>
+              <a:t> to </a:t>
+            </a:r>
+            <a:r>
+              <a:rPr lang="da-DK" baseline="0" dirty="0" err="1">
+                <a:sym typeface="Wingdings" panose="05000000000000000000" pitchFamily="2" charset="2"/>
+              </a:rPr>
+              <a:t>int</a:t>
+            </a:r>
+            <a:endParaRPr lang="da-DK" baseline="0" dirty="0">
+              <a:sym typeface="Wingdings" panose="05000000000000000000" pitchFamily="2" charset="2"/>
+            </a:endParaRPr>
           </a:p>
           <a:p>
             <a:r>
-              <a:rPr lang="da-DK" baseline="0" dirty="0" err="1"/>
-              <a:t>csv.QUOTE</a:t>
-            </a:r>
-            <a:r>
-              <a:rPr lang="da-DK" baseline="0" dirty="0"/>
-              <a:t>_... </a:t>
-            </a:r>
-            <a:r>
-              <a:rPr lang="da-DK" baseline="0" dirty="0" err="1"/>
-              <a:t>are</a:t>
-            </a:r>
-            <a:r>
-              <a:rPr lang="da-DK" baseline="0" dirty="0"/>
-              <a:t> just </a:t>
-            </a:r>
-            <a:r>
-              <a:rPr lang="da-DK" baseline="0" dirty="0" err="1"/>
-              <a:t>integers</a:t>
-            </a:r>
-            <a:endParaRPr lang="da-DK" baseline="0" dirty="0"/>
+              <a:rPr lang="da-DK" baseline="0" dirty="0" err="1">
+                <a:sym typeface="Wingdings" panose="05000000000000000000" pitchFamily="2" charset="2"/>
+              </a:rPr>
+              <a:t>Use</a:t>
+            </a:r>
+            <a:r>
+              <a:rPr lang="da-DK" baseline="0" dirty="0">
+                <a:sym typeface="Wingdings" panose="05000000000000000000" pitchFamily="2" charset="2"/>
+              </a:rPr>
+              <a:t> ”.</a:t>
+            </a:r>
+            <a:r>
+              <a:rPr lang="da-DK" baseline="0" dirty="0" err="1">
+                <a:sym typeface="Wingdings" panose="05000000000000000000" pitchFamily="2" charset="2"/>
+              </a:rPr>
+              <a:t>get</a:t>
+            </a:r>
+            <a:r>
+              <a:rPr lang="da-DK" baseline="0" dirty="0">
+                <a:sym typeface="Wingdings" panose="05000000000000000000" pitchFamily="2" charset="2"/>
+              </a:rPr>
+              <a:t>” to </a:t>
+            </a:r>
+            <a:r>
+              <a:rPr lang="da-DK" baseline="0" dirty="0" err="1">
+                <a:sym typeface="Wingdings" panose="05000000000000000000" pitchFamily="2" charset="2"/>
+              </a:rPr>
+              <a:t>allow</a:t>
+            </a:r>
+            <a:r>
+              <a:rPr lang="da-DK" baseline="0" dirty="0">
+                <a:sym typeface="Wingdings" panose="05000000000000000000" pitchFamily="2" charset="2"/>
+              </a:rPr>
+              <a:t> </a:t>
+            </a:r>
+            <a:r>
+              <a:rPr lang="da-DK" baseline="0" dirty="0" err="1">
+                <a:sym typeface="Wingdings" panose="05000000000000000000" pitchFamily="2" charset="2"/>
+              </a:rPr>
+              <a:t>undefined</a:t>
+            </a:r>
+            <a:r>
+              <a:rPr lang="da-DK" baseline="0" dirty="0">
+                <a:sym typeface="Wingdings" panose="05000000000000000000" pitchFamily="2" charset="2"/>
+              </a:rPr>
+              <a:t> </a:t>
+            </a:r>
+            <a:r>
+              <a:rPr lang="da-DK" baseline="0" dirty="0" err="1">
+                <a:sym typeface="Wingdings" panose="05000000000000000000" pitchFamily="2" charset="2"/>
+              </a:rPr>
+              <a:t>entries</a:t>
+            </a:r>
+            <a:r>
+              <a:rPr lang="da-DK" baseline="0" dirty="0">
+                <a:sym typeface="Wingdings" panose="05000000000000000000" pitchFamily="2" charset="2"/>
+              </a:rPr>
+              <a:t> and </a:t>
+            </a:r>
+            <a:r>
+              <a:rPr lang="da-DK" baseline="0" dirty="0" err="1">
+                <a:sym typeface="Wingdings" panose="05000000000000000000" pitchFamily="2" charset="2"/>
+              </a:rPr>
+              <a:t>get</a:t>
+            </a:r>
+            <a:r>
+              <a:rPr lang="da-DK" baseline="0" dirty="0">
+                <a:sym typeface="Wingdings" panose="05000000000000000000" pitchFamily="2" charset="2"/>
+              </a:rPr>
+              <a:t> a default </a:t>
+            </a:r>
+            <a:r>
+              <a:rPr lang="da-DK" baseline="0" dirty="0" err="1">
+                <a:sym typeface="Wingdings" panose="05000000000000000000" pitchFamily="2" charset="2"/>
+              </a:rPr>
+              <a:t>value</a:t>
+            </a:r>
+            <a:endParaRPr lang="da-DK" baseline="0" dirty="0">
+              <a:sym typeface="Wingdings" panose="05000000000000000000" pitchFamily="2" charset="2"/>
+            </a:endParaRPr>
           </a:p>
           <a:p>
+            <a:endParaRPr lang="da-DK" baseline="0" dirty="0">
+              <a:sym typeface="Wingdings" panose="05000000000000000000" pitchFamily="2" charset="2"/>
+            </a:endParaRPr>
+          </a:p>
+          <a:p>
+            <a:r>
+              <a:rPr lang="da-DK" baseline="0" dirty="0">
+                <a:sym typeface="Wingdings" panose="05000000000000000000" pitchFamily="2" charset="2"/>
+              </a:rPr>
+              <a:t>Excel &gt; File &gt; Options &gt; Advanced </a:t>
+            </a:r>
             <a:endParaRPr lang="en-US" dirty="0"/>
           </a:p>
         </p:txBody>
@@ -2375,7 +2924,7 @@
           <a:p>
             <a:fld id="{CD563DD8-32AB-41BE-B1C6-8EAC45222ACE}" type="slidenum">
               <a:rPr lang="en-US" smtClean="0"/>
-              <a:t>7</a:t>
+              <a:t>6</a:t>
             </a:fld>
             <a:endParaRPr lang="en-US"/>
           </a:p>
@@ -2384,7 +2933,7 @@
     </p:spTree>
     <p:extLst>
       <p:ext uri="{BB962C8B-B14F-4D97-AF65-F5344CB8AC3E}">
-        <p14:creationId xmlns:p14="http://schemas.microsoft.com/office/powerpoint/2010/main" val="575137467"/>
+        <p14:creationId xmlns:p14="http://schemas.microsoft.com/office/powerpoint/2010/main" val="3062936340"/>
       </p:ext>
     </p:extLst>
   </p:cSld>
@@ -2439,116 +2988,24 @@
           <a:lstStyle/>
           <a:p>
             <a:r>
-              <a:rPr lang="da-DK" dirty="0"/>
-              <a:t>Notepad on Windows </a:t>
-            </a:r>
-            <a:r>
               <a:rPr lang="da-DK" dirty="0" err="1"/>
-              <a:t>can</a:t>
-            </a:r>
-            <a:r>
-              <a:rPr lang="da-DK" dirty="0"/>
-              <a:t> </a:t>
-            </a:r>
-            <a:r>
-              <a:rPr lang="da-DK" dirty="0" err="1"/>
-              <a:t>e.g</a:t>
-            </a:r>
-            <a:r>
-              <a:rPr lang="da-DK" dirty="0"/>
-              <a:t>. </a:t>
-            </a:r>
-            <a:r>
-              <a:rPr lang="da-DK" dirty="0" err="1"/>
-              <a:t>tell</a:t>
-            </a:r>
-            <a:r>
-              <a:rPr lang="da-DK" dirty="0"/>
-              <a:t> </a:t>
-            </a:r>
-            <a:r>
-              <a:rPr lang="da-DK" dirty="0" err="1"/>
-              <a:t>you</a:t>
-            </a:r>
-            <a:r>
-              <a:rPr lang="da-DK" dirty="0"/>
-              <a:t> a file </a:t>
-            </a:r>
-            <a:r>
-              <a:rPr lang="da-DK" dirty="0" err="1"/>
-              <a:t>encoding</a:t>
-            </a:r>
-            <a:r>
-              <a:rPr lang="da-DK" dirty="0"/>
-              <a:t> </a:t>
-            </a:r>
-            <a:r>
-              <a:rPr lang="da-DK" dirty="0" err="1"/>
-              <a:t>when</a:t>
-            </a:r>
-            <a:r>
-              <a:rPr lang="da-DK" dirty="0"/>
-              <a:t> </a:t>
-            </a:r>
-            <a:r>
-              <a:rPr lang="da-DK" dirty="0" err="1"/>
-              <a:t>you</a:t>
-            </a:r>
-            <a:r>
-              <a:rPr lang="da-DK" dirty="0"/>
-              <a:t> </a:t>
-            </a:r>
-            <a:r>
-              <a:rPr lang="da-DK" dirty="0" err="1"/>
-              <a:t>select</a:t>
-            </a:r>
-            <a:r>
-              <a:rPr lang="da-DK" dirty="0"/>
-              <a:t> ”Save as”</a:t>
-            </a:r>
-          </a:p>
-          <a:p>
-            <a:r>
-              <a:rPr lang="da-DK" dirty="0"/>
-              <a:t>Online </a:t>
-            </a:r>
-            <a:r>
-              <a:rPr lang="da-DK" dirty="0" err="1"/>
-              <a:t>tools</a:t>
-            </a:r>
-            <a:r>
-              <a:rPr lang="da-DK" dirty="0"/>
-              <a:t> </a:t>
-            </a:r>
-            <a:r>
-              <a:rPr lang="da-DK" dirty="0" err="1"/>
-              <a:t>can</a:t>
-            </a:r>
-            <a:r>
-              <a:rPr lang="da-DK" dirty="0"/>
-              <a:t> </a:t>
-            </a:r>
-            <a:r>
-              <a:rPr lang="da-DK" dirty="0" err="1"/>
-              <a:t>also</a:t>
-            </a:r>
-            <a:r>
-              <a:rPr lang="da-DK" dirty="0"/>
-              <a:t> do it</a:t>
-            </a:r>
-          </a:p>
-          <a:p>
-            <a:r>
-              <a:rPr lang="da-DK" dirty="0" err="1"/>
-              <a:t>Python</a:t>
-            </a:r>
-            <a:r>
-              <a:rPr lang="da-DK" dirty="0"/>
-              <a:t> </a:t>
-            </a:r>
-            <a:r>
-              <a:rPr lang="da-DK" dirty="0" err="1"/>
-              <a:t>packages</a:t>
+              <a:t>Since</a:t>
+            </a:r>
+            <a:r>
+              <a:rPr lang="da-DK" baseline="0" dirty="0"/>
+              <a:t> the columns in </a:t>
+            </a:r>
+            <a:r>
+              <a:rPr lang="da-DK" baseline="0" dirty="0" err="1"/>
+              <a:t>csv</a:t>
+            </a:r>
+            <a:r>
+              <a:rPr lang="da-DK" baseline="0" dirty="0"/>
+              <a:t> files have a given type by the </a:t>
+            </a:r>
+            <a:r>
+              <a:rPr lang="da-DK" baseline="0" dirty="0" err="1"/>
+              <a:t>application</a:t>
             </a:r>
             <a:r>
               <a:rPr lang="da-DK" baseline="0" dirty="0"/>
@@ -2556,7 +3013,39 @@
             </a:r>
             <a:r>
               <a:rPr lang="da-DK" baseline="0" dirty="0" err="1"/>
-              <a:t>also</a:t>
+              <a:t>using</a:t>
+            </a:r>
+            <a:r>
+              <a:rPr lang="da-DK" baseline="0" dirty="0"/>
+              <a:t> the </a:t>
+            </a:r>
+            <a:r>
+              <a:rPr lang="da-DK" baseline="0" dirty="0" err="1"/>
+              <a:t>csv</a:t>
+            </a:r>
+            <a:r>
+              <a:rPr lang="da-DK" baseline="0" dirty="0"/>
+              <a:t> file, it </a:t>
+            </a:r>
+            <a:r>
+              <a:rPr lang="da-DK" baseline="0" dirty="0" err="1"/>
+              <a:t>might</a:t>
+            </a:r>
+            <a:r>
+              <a:rPr lang="da-DK" baseline="0" dirty="0"/>
+              <a:t> not </a:t>
+            </a:r>
+            <a:r>
+              <a:rPr lang="da-DK" baseline="0" dirty="0" err="1"/>
+              <a:t>be</a:t>
+            </a:r>
+            <a:r>
+              <a:rPr lang="da-DK" baseline="0" dirty="0"/>
+              <a:t> a problem not to </a:t>
+            </a:r>
+            <a:r>
+              <a:rPr lang="da-DK" baseline="0" dirty="0" err="1"/>
+              <a:t>be</a:t>
             </a:r>
             <a:r>
               <a:rPr lang="da-DK" baseline="0" dirty="0"/>
@@ -2564,33 +3053,15 @@
             </a:r>
             <a:r>
               <a:rPr lang="da-DK" baseline="0" dirty="0" err="1"/>
-              <a:t>exist</a:t>
-            </a:r>
-            <a:endParaRPr lang="da-DK" dirty="0"/>
-          </a:p>
-          <a:p>
-            <a:endParaRPr lang="da-DK" dirty="0"/>
-          </a:p>
-          <a:p>
-            <a:r>
-              <a:rPr lang="da-DK" dirty="0"/>
-              <a:t>Longer </a:t>
-            </a:r>
-            <a:r>
-              <a:rPr lang="da-DK" dirty="0" err="1"/>
-              <a:t>string</a:t>
-            </a:r>
-            <a:r>
-              <a:rPr lang="da-DK" dirty="0"/>
-              <a:t> ”Æ </a:t>
-            </a:r>
-            <a:r>
-              <a:rPr lang="da-DK" dirty="0" err="1"/>
-              <a:t>Æ</a:t>
-            </a:r>
-            <a:r>
-              <a:rPr lang="da-DK" dirty="0"/>
-              <a:t> U Å Æ Ø I Æ Å, Æ</a:t>
+              <a:t>able</a:t>
+            </a:r>
+            <a:r>
+              <a:rPr lang="da-DK" baseline="0" dirty="0"/>
+              <a:t> to </a:t>
+            </a:r>
+            <a:r>
+              <a:rPr lang="da-DK" baseline="0" dirty="0" err="1"/>
+              <a:t>differentiate</a:t>
             </a:r>
             <a:r>
               <a:rPr lang="da-DK" baseline="0" dirty="0"/>
@@ -2598,103 +3069,69 @@
             </a:r>
             <a:r>
               <a:rPr lang="da-DK" baseline="0" dirty="0" err="1"/>
-              <a:t>Æ</a:t>
+              <a:t>between</a:t>
             </a:r>
             <a:r>
               <a:rPr lang="da-DK" baseline="0" dirty="0"/>
-              <a:t>!”</a:t>
-            </a:r>
+              <a:t> </a:t>
+            </a:r>
+            <a:r>
+              <a:rPr lang="da-DK" baseline="0" dirty="0" err="1"/>
+              <a:t>numbers</a:t>
+            </a:r>
+            <a:r>
+              <a:rPr lang="da-DK" baseline="0" dirty="0"/>
+              <a:t> and </a:t>
+            </a:r>
+            <a:r>
+              <a:rPr lang="da-DK" baseline="0" dirty="0" err="1"/>
+              <a:t>strings</a:t>
+            </a:r>
+            <a:r>
+              <a:rPr lang="da-DK" baseline="0" dirty="0"/>
+              <a:t> </a:t>
+            </a:r>
+            <a:r>
+              <a:rPr lang="da-DK" baseline="0" dirty="0" err="1"/>
+              <a:t>containing</a:t>
+            </a:r>
+            <a:r>
+              <a:rPr lang="da-DK" baseline="0" dirty="0"/>
+              <a:t> </a:t>
+            </a:r>
+            <a:r>
+              <a:rPr lang="da-DK" baseline="0" dirty="0" err="1"/>
+              <a:t>numbers</a:t>
+            </a:r>
+            <a:endParaRPr lang="da-DK" baseline="0" dirty="0"/>
           </a:p>
           <a:p>
             <a:endParaRPr lang="da-DK" baseline="0" dirty="0"/>
           </a:p>
           <a:p>
             <a:r>
+              <a:rPr lang="da-DK" baseline="0" dirty="0" err="1"/>
+              <a:t>csv.QUOTE</a:t>
+            </a:r>
+            <a:r>
               <a:rPr lang="da-DK" baseline="0" dirty="0"/>
-              <a:t>EMACS:</a:t>
-            </a:r>
+              <a:t>_... </a:t>
+            </a:r>
+            <a:r>
+              <a:rPr lang="da-DK" baseline="0" dirty="0" err="1"/>
+              <a:t>are</a:t>
+            </a:r>
+            <a:r>
+              <a:rPr lang="da-DK" baseline="0" dirty="0"/>
+              <a:t> just </a:t>
+            </a:r>
+            <a:r>
+              <a:rPr lang="da-DK" baseline="0" dirty="0" err="1"/>
+              <a:t>integers</a:t>
+            </a:r>
+            <a:endParaRPr lang="da-DK" baseline="0" dirty="0"/>
           </a:p>
           <a:p>
-            <a:r>
-              <a:rPr lang="da-DK" baseline="0" dirty="0" err="1"/>
-              <a:t>Ctrl</a:t>
-            </a:r>
-            <a:r>
-              <a:rPr lang="da-DK" baseline="0" dirty="0"/>
-              <a:t>-h v </a:t>
-            </a:r>
-            <a:r>
-              <a:rPr lang="en-US" dirty="0"/>
-              <a:t>buffer-file-coding-system </a:t>
-            </a:r>
-            <a:r>
-              <a:rPr lang="en-US" baseline="0" dirty="0"/>
-              <a:t> (describe current buffers encoding)</a:t>
-            </a:r>
-            <a:endParaRPr lang="en-US" dirty="0"/>
-          </a:p>
-          <a:p>
-            <a:pPr algn="l"/>
-            <a:r>
-              <a:rPr lang="en-US" dirty="0"/>
-              <a:t>M-x set-buffer-file-coding-system  (before saving)</a:t>
-            </a:r>
-            <a:r>
-              <a:rPr lang="en-US" baseline="0" dirty="0"/>
-              <a:t> </a:t>
-            </a:r>
-            <a:endParaRPr lang="en-US" dirty="0"/>
-          </a:p>
-          <a:p>
-            <a:pPr algn="l"/>
-            <a:r>
-              <a:rPr lang="da-DK" dirty="0"/>
-              <a:t>M-x </a:t>
-            </a:r>
-            <a:r>
-              <a:rPr lang="da-DK" dirty="0" err="1"/>
-              <a:t>revert</a:t>
-            </a:r>
-            <a:r>
-              <a:rPr lang="da-DK" dirty="0"/>
-              <a:t>-buffer-with-</a:t>
-            </a:r>
-            <a:r>
-              <a:rPr lang="da-DK" dirty="0" err="1"/>
-              <a:t>coding</a:t>
-            </a:r>
-            <a:r>
-              <a:rPr lang="da-DK" dirty="0"/>
-              <a:t>-system  (on </a:t>
-            </a:r>
-            <a:r>
-              <a:rPr lang="da-DK" dirty="0" err="1"/>
-              <a:t>already</a:t>
-            </a:r>
-            <a:r>
-              <a:rPr lang="da-DK" dirty="0"/>
-              <a:t> open buffer,</a:t>
-            </a:r>
-            <a:r>
-              <a:rPr lang="da-DK" baseline="0" dirty="0"/>
-              <a:t> but with </a:t>
-            </a:r>
-            <a:r>
-              <a:rPr lang="da-DK" baseline="0" dirty="0" err="1"/>
-              <a:t>wrong</a:t>
-            </a:r>
-            <a:r>
-              <a:rPr lang="da-DK" baseline="0" dirty="0"/>
-              <a:t> </a:t>
-            </a:r>
-            <a:r>
-              <a:rPr lang="da-DK" baseline="0" dirty="0" err="1"/>
-              <a:t>encoding</a:t>
-            </a:r>
-            <a:r>
-              <a:rPr lang="da-DK" baseline="0" dirty="0"/>
-              <a:t>)</a:t>
-            </a:r>
             <a:endParaRPr lang="en-US" dirty="0"/>
           </a:p>
         </p:txBody>
@@ -2716,7 +3153,7 @@
           <a:p>
             <a:fld id="{CD563DD8-32AB-41BE-B1C6-8EAC45222ACE}" type="slidenum">
               <a:rPr lang="en-US" smtClean="0"/>
-              <a:t>8</a:t>
+              <a:t>7</a:t>
             </a:fld>
             <a:endParaRPr lang="en-US"/>
           </a:p>
@@ -2725,7 +3162,7 @@
     </p:spTree>
     <p:extLst>
       <p:ext uri="{BB962C8B-B14F-4D97-AF65-F5344CB8AC3E}">
-        <p14:creationId xmlns:p14="http://schemas.microsoft.com/office/powerpoint/2010/main" val="1966989945"/>
+        <p14:creationId xmlns:p14="http://schemas.microsoft.com/office/powerpoint/2010/main" val="575137467"/>
       </p:ext>
     </p:extLst>
   </p:cSld>
@@ -2780,6 +3217,347 @@
           <a:lstStyle/>
           <a:p>
             <a:r>
+              <a:rPr lang="da-DK" dirty="0"/>
+              <a:t>Notepad on Windows </a:t>
+            </a:r>
+            <a:r>
+              <a:rPr lang="da-DK" dirty="0" err="1"/>
+              <a:t>can</a:t>
+            </a:r>
+            <a:r>
+              <a:rPr lang="da-DK" dirty="0"/>
+              <a:t> </a:t>
+            </a:r>
+            <a:r>
+              <a:rPr lang="da-DK" dirty="0" err="1"/>
+              <a:t>e.g</a:t>
+            </a:r>
+            <a:r>
+              <a:rPr lang="da-DK" dirty="0"/>
+              <a:t>. </a:t>
+            </a:r>
+            <a:r>
+              <a:rPr lang="da-DK" dirty="0" err="1"/>
+              <a:t>tell</a:t>
+            </a:r>
+            <a:r>
+              <a:rPr lang="da-DK" dirty="0"/>
+              <a:t> </a:t>
+            </a:r>
+            <a:r>
+              <a:rPr lang="da-DK" dirty="0" err="1"/>
+              <a:t>you</a:t>
+            </a:r>
+            <a:r>
+              <a:rPr lang="da-DK" dirty="0"/>
+              <a:t> a file </a:t>
+            </a:r>
+            <a:r>
+              <a:rPr lang="da-DK" dirty="0" err="1"/>
+              <a:t>encoding</a:t>
+            </a:r>
+            <a:r>
+              <a:rPr lang="da-DK" dirty="0"/>
+              <a:t> </a:t>
+            </a:r>
+            <a:r>
+              <a:rPr lang="da-DK" dirty="0" err="1"/>
+              <a:t>when</a:t>
+            </a:r>
+            <a:r>
+              <a:rPr lang="da-DK" dirty="0"/>
+              <a:t> </a:t>
+            </a:r>
+            <a:r>
+              <a:rPr lang="da-DK" dirty="0" err="1"/>
+              <a:t>you</a:t>
+            </a:r>
+            <a:r>
+              <a:rPr lang="da-DK" dirty="0"/>
+              <a:t> </a:t>
+            </a:r>
+            <a:r>
+              <a:rPr lang="da-DK" dirty="0" err="1"/>
+              <a:t>select</a:t>
+            </a:r>
+            <a:r>
+              <a:rPr lang="da-DK" dirty="0"/>
+              <a:t> ”Save as”</a:t>
+            </a:r>
+          </a:p>
+          <a:p>
+            <a:r>
+              <a:rPr lang="da-DK" dirty="0"/>
+              <a:t>Online </a:t>
+            </a:r>
+            <a:r>
+              <a:rPr lang="da-DK" dirty="0" err="1"/>
+              <a:t>tools</a:t>
+            </a:r>
+            <a:r>
+              <a:rPr lang="da-DK" dirty="0"/>
+              <a:t> </a:t>
+            </a:r>
+            <a:r>
+              <a:rPr lang="da-DK" dirty="0" err="1"/>
+              <a:t>can</a:t>
+            </a:r>
+            <a:r>
+              <a:rPr lang="da-DK" dirty="0"/>
+              <a:t> </a:t>
+            </a:r>
+            <a:r>
+              <a:rPr lang="da-DK" dirty="0" err="1"/>
+              <a:t>also</a:t>
+            </a:r>
+            <a:r>
+              <a:rPr lang="da-DK" dirty="0"/>
+              <a:t> do it</a:t>
+            </a:r>
+          </a:p>
+          <a:p>
+            <a:r>
+              <a:rPr lang="da-DK" dirty="0" err="1"/>
+              <a:t>Python</a:t>
+            </a:r>
+            <a:r>
+              <a:rPr lang="da-DK" dirty="0"/>
+              <a:t> </a:t>
+            </a:r>
+            <a:r>
+              <a:rPr lang="da-DK" dirty="0" err="1"/>
+              <a:t>packages</a:t>
+            </a:r>
+            <a:r>
+              <a:rPr lang="da-DK" baseline="0" dirty="0"/>
+              <a:t> </a:t>
+            </a:r>
+            <a:r>
+              <a:rPr lang="da-DK" baseline="0" dirty="0" err="1"/>
+              <a:t>also</a:t>
+            </a:r>
+            <a:r>
+              <a:rPr lang="da-DK" baseline="0" dirty="0"/>
+              <a:t> </a:t>
+            </a:r>
+            <a:r>
+              <a:rPr lang="da-DK" baseline="0" dirty="0" err="1"/>
+              <a:t>exist</a:t>
+            </a:r>
+            <a:endParaRPr lang="da-DK" dirty="0"/>
+          </a:p>
+          <a:p>
+            <a:endParaRPr lang="da-DK" dirty="0"/>
+          </a:p>
+          <a:p>
+            <a:r>
+              <a:rPr lang="da-DK" dirty="0"/>
+              <a:t>Longer </a:t>
+            </a:r>
+            <a:r>
+              <a:rPr lang="da-DK" dirty="0" err="1"/>
+              <a:t>string</a:t>
+            </a:r>
+            <a:r>
+              <a:rPr lang="da-DK" dirty="0"/>
+              <a:t> ”Æ </a:t>
+            </a:r>
+            <a:r>
+              <a:rPr lang="da-DK" dirty="0" err="1"/>
+              <a:t>Æ</a:t>
+            </a:r>
+            <a:r>
+              <a:rPr lang="da-DK" dirty="0"/>
+              <a:t> U Å Æ Ø I Æ Å, Æ</a:t>
+            </a:r>
+            <a:r>
+              <a:rPr lang="da-DK" baseline="0" dirty="0"/>
+              <a:t> </a:t>
+            </a:r>
+            <a:r>
+              <a:rPr lang="da-DK" baseline="0" dirty="0" err="1"/>
+              <a:t>Æ</a:t>
+            </a:r>
+            <a:r>
+              <a:rPr lang="da-DK" baseline="0" dirty="0"/>
+              <a:t>!”</a:t>
+            </a:r>
+          </a:p>
+          <a:p>
+            <a:endParaRPr lang="da-DK" baseline="0" dirty="0"/>
+          </a:p>
+          <a:p>
+            <a:r>
+              <a:rPr lang="da-DK" baseline="0" dirty="0"/>
+              <a:t>EMACS:</a:t>
+            </a:r>
+          </a:p>
+          <a:p>
+            <a:r>
+              <a:rPr lang="da-DK" baseline="0" dirty="0" err="1"/>
+              <a:t>Ctrl</a:t>
+            </a:r>
+            <a:r>
+              <a:rPr lang="da-DK" baseline="0" dirty="0"/>
+              <a:t>-h v </a:t>
+            </a:r>
+            <a:r>
+              <a:rPr lang="en-US" dirty="0"/>
+              <a:t>buffer-file-coding-system </a:t>
+            </a:r>
+            <a:r>
+              <a:rPr lang="en-US" baseline="0" dirty="0"/>
+              <a:t> (describe current buffers encoding)</a:t>
+            </a:r>
+            <a:endParaRPr lang="en-US" dirty="0"/>
+          </a:p>
+          <a:p>
+            <a:pPr algn="l"/>
+            <a:r>
+              <a:rPr lang="en-US" dirty="0"/>
+              <a:t>M-x set-buffer-file-coding-system  (before saving)</a:t>
+            </a:r>
+            <a:r>
+              <a:rPr lang="en-US" baseline="0" dirty="0"/>
+              <a:t> </a:t>
+            </a:r>
+            <a:endParaRPr lang="en-US" dirty="0"/>
+          </a:p>
+          <a:p>
+            <a:pPr algn="l"/>
+            <a:r>
+              <a:rPr lang="da-DK" dirty="0"/>
+              <a:t>M-x </a:t>
+            </a:r>
+            <a:r>
+              <a:rPr lang="da-DK" dirty="0" err="1"/>
+              <a:t>revert</a:t>
+            </a:r>
+            <a:r>
+              <a:rPr lang="da-DK" dirty="0"/>
+              <a:t>-buffer-with-</a:t>
+            </a:r>
+            <a:r>
+              <a:rPr lang="da-DK" dirty="0" err="1"/>
+              <a:t>coding</a:t>
+            </a:r>
+            <a:r>
+              <a:rPr lang="da-DK" dirty="0"/>
+              <a:t>-system  (on </a:t>
+            </a:r>
+            <a:r>
+              <a:rPr lang="da-DK" dirty="0" err="1"/>
+              <a:t>already</a:t>
+            </a:r>
+            <a:r>
+              <a:rPr lang="da-DK" dirty="0"/>
+              <a:t> open buffer,</a:t>
+            </a:r>
+            <a:r>
+              <a:rPr lang="da-DK" baseline="0" dirty="0"/>
+              <a:t> but with </a:t>
+            </a:r>
+            <a:r>
+              <a:rPr lang="da-DK" baseline="0" dirty="0" err="1"/>
+              <a:t>wrong</a:t>
+            </a:r>
+            <a:r>
+              <a:rPr lang="da-DK" baseline="0" dirty="0"/>
+              <a:t> </a:t>
+            </a:r>
+            <a:r>
+              <a:rPr lang="da-DK" baseline="0" dirty="0" err="1"/>
+              <a:t>encoding</a:t>
+            </a:r>
+            <a:r>
+              <a:rPr lang="da-DK" baseline="0" dirty="0"/>
+              <a:t>)</a:t>
+            </a:r>
+            <a:endParaRPr lang="en-US" dirty="0"/>
+          </a:p>
+        </p:txBody>
+      </p:sp>
+      <p:sp>
+        <p:nvSpPr>
+          <p:cNvPr id="4" name="Slide Number Placeholder 3"/>
+          <p:cNvSpPr>
+            <a:spLocks noGrp="1"/>
+          </p:cNvSpPr>
+          <p:nvPr>
+            <p:ph type="sldNum" sz="quarter" idx="10"/>
+          </p:nvPr>
+        </p:nvSpPr>
+        <p:spPr/>
+        <p:txBody>
+          <a:bodyPr/>
+          <a:lstStyle/>
+          <a:p>
+            <a:fld id="{CD563DD8-32AB-41BE-B1C6-8EAC45222ACE}" type="slidenum">
+              <a:rPr lang="en-US" smtClean="0"/>
+              <a:t>8</a:t>
+            </a:fld>
+            <a:endParaRPr lang="en-US"/>
+          </a:p>
+        </p:txBody>
+      </p:sp>
+    </p:spTree>
+    <p:extLst>
+      <p:ext uri="{BB962C8B-B14F-4D97-AF65-F5344CB8AC3E}">
+        <p14:creationId xmlns:p14="http://schemas.microsoft.com/office/powerpoint/2010/main" val="1966989945"/>
+      </p:ext>
+    </p:extLst>
+  </p:cSld>
+  <p:clrMapOvr>
+    <a:masterClrMapping/>
+  </p:clrMapOvr>
+</p:notes>
+</file>
+
+<file path=ppt/notesSlides/notesSlide7.xml><?xml version="1.0" encoding="utf-8"?>
+<p:notes xmlns:a="http://schemas.openxmlformats.org/drawingml/2006/main" xmlns:r="http://schemas.openxmlformats.org/officeDocument/2006/relationships" xmlns:p="http://schemas.openxmlformats.org/presentationml/2006/main">
+  <p:cSld>
+    <p:spTree>
+      <p:nvGrpSpPr>
+        <p:cNvPr id="1" name=""/>
+        <p:cNvGrpSpPr/>
+        <p:nvPr/>
+      </p:nvGrpSpPr>
+      <p:grpSpPr>
+        <a:xfrm>
+          <a:off x="0" y="0"/>
+          <a:ext cx="0" cy="0"/>
+          <a:chOff x="0" y="0"/>
+          <a:chExt cx="0" cy="0"/>
+        </a:xfrm>
+      </p:grpSpPr>
+      <p:sp>
+        <p:nvSpPr>
+          <p:cNvPr id="2" name="Slide Image Placeholder 1"/>
+          <p:cNvSpPr>
+            <a:spLocks noGrp="1" noRot="1" noChangeAspect="1"/>
+          </p:cNvSpPr>
+          <p:nvPr>
+            <p:ph type="sldImg"/>
+          </p:nvPr>
+        </p:nvSpPr>
+        <p:spPr/>
+      </p:sp>
+      <p:sp>
+        <p:nvSpPr>
+          <p:cNvPr id="3" name="Notes Placeholder 2"/>
+          <p:cNvSpPr>
+            <a:spLocks noGrp="1"/>
+          </p:cNvSpPr>
+          <p:nvPr>
+            <p:ph type="body" idx="1"/>
+          </p:nvPr>
+        </p:nvSpPr>
+        <p:spPr/>
+        <p:txBody>
+          <a:bodyPr/>
+          <a:lstStyle/>
+          <a:p>
+            <a:r>
               <a:rPr lang="en-US" dirty="0"/>
               <a:t>list('</a:t>
             </a:r>
@@ -2918,7 +3696,7 @@
 </p:notes>
 </file>
 
-<file path=ppt/notesSlides/notesSlide7.xml><?xml version="1.0" encoding="utf-8"?>
+<file path=ppt/notesSlides/notesSlide8.xml><?xml version="1.0" encoding="utf-8"?>
 <p:notes xmlns:a="http://schemas.openxmlformats.org/drawingml/2006/main" xmlns:r="http://schemas.openxmlformats.org/officeDocument/2006/relationships" xmlns:p="http://schemas.openxmlformats.org/presentationml/2006/main">
   <p:cSld>
     <p:spTree>
@@ -3002,147 +3780,6 @@
 </p:notes>
 </file>
 
-<file path=ppt/notesSlides/notesSlide8.xml><?xml version="1.0" encoding="utf-8"?>
-<p:notes xmlns:a="http://schemas.openxmlformats.org/drawingml/2006/main" xmlns:r="http://schemas.openxmlformats.org/officeDocument/2006/relationships" xmlns:p="http://schemas.openxmlformats.org/presentationml/2006/main">
-  <p:cSld>
-    <p:spTree>
-      <p:nvGrpSpPr>
-        <p:cNvPr id="1" name=""/>
-        <p:cNvGrpSpPr/>
-        <p:nvPr/>
-      </p:nvGrpSpPr>
-      <p:grpSpPr>
-        <a:xfrm>
-          <a:off x="0" y="0"/>
-          <a:ext cx="0" cy="0"/>
-          <a:chOff x="0" y="0"/>
-          <a:chExt cx="0" cy="0"/>
-        </a:xfrm>
-      </p:grpSpPr>
-      <p:sp>
-        <p:nvSpPr>
-          <p:cNvPr id="2" name="Slide Image Placeholder 1"/>
-          <p:cNvSpPr>
-            <a:spLocks noGrp="1" noRot="1" noChangeAspect="1"/>
-          </p:cNvSpPr>
-          <p:nvPr>
-            <p:ph type="sldImg"/>
-          </p:nvPr>
-        </p:nvSpPr>
-        <p:spPr/>
-      </p:sp>
-      <p:sp>
-        <p:nvSpPr>
-          <p:cNvPr id="3" name="Notes Placeholder 2"/>
-          <p:cNvSpPr>
-            <a:spLocks noGrp="1"/>
-          </p:cNvSpPr>
-          <p:nvPr>
-            <p:ph type="body" idx="1"/>
-          </p:nvPr>
-        </p:nvSpPr>
-        <p:spPr/>
-        <p:txBody>
-          <a:bodyPr/>
-          <a:lstStyle/>
-          <a:p>
-            <a:r>
-              <a:rPr lang="da-DK" dirty="0"/>
-              <a:t>import sys</a:t>
-            </a:r>
-          </a:p>
-          <a:p>
-            <a:r>
-              <a:rPr lang="da-DK" dirty="0"/>
-              <a:t>import </a:t>
-            </a:r>
-            <a:r>
-              <a:rPr lang="da-DK" dirty="0" err="1"/>
-              <a:t>json</a:t>
-            </a:r>
-            <a:endParaRPr lang="da-DK" dirty="0"/>
-          </a:p>
-          <a:p>
-            <a:r>
-              <a:rPr lang="en-US" dirty="0" err="1"/>
-              <a:t>json.dump</a:t>
-            </a:r>
-            <a:r>
-              <a:rPr lang="en-US" dirty="0"/>
-              <a:t>({'a':42, 42:'a'}, </a:t>
-            </a:r>
-            <a:r>
-              <a:rPr lang="en-US" dirty="0" err="1"/>
-              <a:t>sys.stdout</a:t>
-            </a:r>
-            <a:r>
-              <a:rPr lang="en-US" dirty="0"/>
-              <a:t>, indent=1, </a:t>
-            </a:r>
-            <a:r>
-              <a:rPr lang="en-US" dirty="0" err="1"/>
-              <a:t>sort_keys</a:t>
-            </a:r>
-            <a:r>
-              <a:rPr lang="en-US" dirty="0"/>
-              <a:t>=True)</a:t>
-            </a:r>
-          </a:p>
-          <a:p>
-            <a:endParaRPr lang="en-US" dirty="0"/>
-          </a:p>
-          <a:p>
-            <a:r>
-              <a:rPr lang="en-US" dirty="0"/>
-              <a:t>(In </a:t>
-            </a:r>
-            <a:r>
-              <a:rPr lang="en-US" dirty="0" err="1"/>
-              <a:t>Javascript</a:t>
-            </a:r>
-            <a:r>
-              <a:rPr lang="en-US" dirty="0"/>
-              <a:t> None is called “null”, and “true” and “false” are not capitalized, no line breaks in strings)</a:t>
-            </a:r>
-          </a:p>
-        </p:txBody>
-      </p:sp>
-      <p:sp>
-        <p:nvSpPr>
-          <p:cNvPr id="4" name="Slide Number Placeholder 3"/>
-          <p:cNvSpPr>
-            <a:spLocks noGrp="1"/>
-          </p:cNvSpPr>
-          <p:nvPr>
-            <p:ph type="sldNum" sz="quarter" idx="10"/>
-          </p:nvPr>
-        </p:nvSpPr>
-        <p:spPr/>
-        <p:txBody>
-          <a:bodyPr/>
-          <a:lstStyle/>
-          <a:p>
-            <a:fld id="{CD563DD8-32AB-41BE-B1C6-8EAC45222ACE}" type="slidenum">
-              <a:rPr lang="en-US" smtClean="0"/>
-              <a:t>12</a:t>
-            </a:fld>
-            <a:endParaRPr lang="en-US"/>
-          </a:p>
-        </p:txBody>
-      </p:sp>
-    </p:spTree>
-    <p:extLst>
-      <p:ext uri="{BB962C8B-B14F-4D97-AF65-F5344CB8AC3E}">
-        <p14:creationId xmlns:p14="http://schemas.microsoft.com/office/powerpoint/2010/main" val="3963207288"/>
-      </p:ext>
-    </p:extLst>
-  </p:cSld>
-  <p:clrMapOvr>
-    <a:masterClrMapping/>
-  </p:clrMapOvr>
-</p:notes>
-</file>
-
 <file path=ppt/notesSlides/notesSlide9.xml><?xml version="1.0" encoding="utf-8"?>
 <p:notes xmlns:a="http://schemas.openxmlformats.org/drawingml/2006/main" xmlns:r="http://schemas.openxmlformats.org/officeDocument/2006/relationships" xmlns:p="http://schemas.openxmlformats.org/presentationml/2006/main">
   <p:cSld>
@@ -3188,46 +3825,63 @@
           <a:lstStyle/>
           <a:p>
             <a:r>
+              <a:rPr lang="da-DK" dirty="0"/>
+              <a:t>import sys</a:t>
+            </a:r>
+          </a:p>
+          <a:p>
+            <a:r>
+              <a:rPr lang="da-DK" dirty="0"/>
+              <a:t>import </a:t>
+            </a:r>
+            <a:r>
               <a:rPr lang="da-DK" dirty="0" err="1"/>
-              <a:t>above</a:t>
-            </a:r>
-            <a:r>
-              <a:rPr lang="da-DK" baseline="0" dirty="0"/>
-              <a:t> ”.</a:t>
-            </a:r>
-            <a:r>
-              <a:rPr lang="da-DK" baseline="0" dirty="0" err="1"/>
-              <a:t>get</a:t>
-            </a:r>
-            <a:r>
-              <a:rPr lang="da-DK" baseline="0" dirty="0"/>
-              <a:t>()” is </a:t>
-            </a:r>
-            <a:r>
-              <a:rPr lang="da-DK" baseline="0" dirty="0" err="1"/>
-              <a:t>used</a:t>
-            </a:r>
-            <a:r>
-              <a:rPr lang="da-DK" baseline="0" dirty="0"/>
-              <a:t> </a:t>
-            </a:r>
-            <a:r>
-              <a:rPr lang="da-DK" baseline="0" dirty="0" err="1"/>
-              <a:t>instead</a:t>
-            </a:r>
-            <a:r>
-              <a:rPr lang="da-DK" baseline="0" dirty="0"/>
-              <a:t> of ”</a:t>
-            </a:r>
-            <a:r>
-              <a:rPr lang="da-DK" baseline="0" dirty="0" err="1"/>
-              <a:t>attrib</a:t>
-            </a:r>
-            <a:r>
-              <a:rPr lang="da-DK" baseline="0" dirty="0"/>
-              <a:t>[]”. </a:t>
-            </a:r>
+              <a:t>json</a:t>
+            </a:r>
+            <a:endParaRPr lang="da-DK" dirty="0"/>
+          </a:p>
+          <a:p>
+            <a:r>
+              <a:rPr lang="en-US" dirty="0" err="1"/>
+              <a:t>json.dump</a:t>
+            </a:r>
+            <a:r>
+              <a:rPr lang="en-US" dirty="0"/>
+              <a:t>({'a':42, 42:'a'}, </a:t>
+            </a:r>
+            <a:r>
+              <a:rPr lang="en-US" dirty="0" err="1"/>
+              <a:t>sys.stdout</a:t>
+            </a:r>
+            <a:r>
+              <a:rPr lang="en-US" dirty="0"/>
+              <a:t>, indent=1, </a:t>
+            </a:r>
+            <a:r>
+              <a:rPr lang="en-US" dirty="0" err="1"/>
+              <a:t>sort_keys</a:t>
+            </a:r>
+            <a:r>
+              <a:rPr lang="en-US" dirty="0"/>
+              <a:t>=True)</a:t>
+            </a:r>
+          </a:p>
+          <a:p>
             <a:endParaRPr lang="en-US" dirty="0"/>
+          </a:p>
+          <a:p>
+            <a:r>
+              <a:rPr lang="en-US" dirty="0"/>
+              <a:t>(In </a:t>
+            </a:r>
+            <a:r>
+              <a:rPr lang="en-US" dirty="0" err="1"/>
+              <a:t>Javascript</a:t>
+            </a:r>
+            <a:r>
+              <a:rPr lang="en-US" dirty="0"/>
+              <a:t> None is called “null”, and “true” and “false” are not capitalized, no line breaks in strings)</a:t>
+            </a:r>
           </a:p>
         </p:txBody>
       </p:sp>
@@ -3248,7 +3902,7 @@
           <a:p>
             <a:fld id="{CD563DD8-32AB-41BE-B1C6-8EAC45222ACE}" type="slidenum">
               <a:rPr lang="en-US" smtClean="0"/>
-              <a:t>15</a:t>
+              <a:t>12</a:t>
             </a:fld>
             <a:endParaRPr lang="en-US"/>
           </a:p>
@@ -3257,7 +3911,7 @@
     </p:spTree>
     <p:extLst>
       <p:ext uri="{BB962C8B-B14F-4D97-AF65-F5344CB8AC3E}">
-        <p14:creationId xmlns:p14="http://schemas.microsoft.com/office/powerpoint/2010/main" val="4023960141"/>
+        <p14:creationId xmlns:p14="http://schemas.microsoft.com/office/powerpoint/2010/main" val="3963207288"/>
       </p:ext>
     </p:extLst>
   </p:cSld>
@@ -3404,7 +4058,7 @@
           <a:p>
             <a:fld id="{0560A9CD-0304-4E0B-9E82-E7E0115DE05B}" type="datetimeFigureOut">
               <a:rPr lang="en-US" smtClean="0"/>
-              <a:t>10/28/2022</a:t>
+              <a:t>4/22/2023</a:t>
             </a:fld>
             <a:endParaRPr lang="en-US"/>
           </a:p>
@@ -3572,7 +4226,7 @@
           <a:p>
             <a:fld id="{0560A9CD-0304-4E0B-9E82-E7E0115DE05B}" type="datetimeFigureOut">
               <a:rPr lang="en-US" smtClean="0"/>
-              <a:t>10/28/2022</a:t>
+              <a:t>4/22/2023</a:t>
             </a:fld>
             <a:endParaRPr lang="en-US"/>
           </a:p>
@@ -3750,7 +4404,7 @@
           <a:p>
             <a:fld id="{0560A9CD-0304-4E0B-9E82-E7E0115DE05B}" type="datetimeFigureOut">
               <a:rPr lang="en-US" smtClean="0"/>
-              <a:t>10/28/2022</a:t>
+              <a:t>4/22/2023</a:t>
             </a:fld>
             <a:endParaRPr lang="en-US"/>
           </a:p>
@@ -3933,7 +4587,7 @@
           <a:p>
             <a:fld id="{0560A9CD-0304-4E0B-9E82-E7E0115DE05B}" type="datetimeFigureOut">
               <a:rPr lang="en-US" smtClean="0"/>
-              <a:t>10/28/2022</a:t>
+              <a:t>4/22/2023</a:t>
             </a:fld>
             <a:endParaRPr lang="en-US"/>
           </a:p>
@@ -4178,7 +4832,7 @@
           <a:p>
             <a:fld id="{0560A9CD-0304-4E0B-9E82-E7E0115DE05B}" type="datetimeFigureOut">
               <a:rPr lang="en-US" smtClean="0"/>
-              <a:t>10/28/2022</a:t>
+              <a:t>4/22/2023</a:t>
             </a:fld>
             <a:endParaRPr lang="en-US"/>
           </a:p>
@@ -4407,7 +5061,7 @@
           <a:p>
             <a:fld id="{0560A9CD-0304-4E0B-9E82-E7E0115DE05B}" type="datetimeFigureOut">
               <a:rPr lang="en-US" smtClean="0"/>
-              <a:t>10/28/2022</a:t>
+              <a:t>4/22/2023</a:t>
             </a:fld>
             <a:endParaRPr lang="en-US"/>
           </a:p>
@@ -4771,7 +5425,7 @@
           <a:p>
             <a:fld id="{0560A9CD-0304-4E0B-9E82-E7E0115DE05B}" type="datetimeFigureOut">
               <a:rPr lang="en-US" smtClean="0"/>
-              <a:t>10/28/2022</a:t>
+              <a:t>4/22/2023</a:t>
             </a:fld>
             <a:endParaRPr lang="en-US"/>
           </a:p>
@@ -4888,7 +5542,7 @@
           <a:p>
             <a:fld id="{0560A9CD-0304-4E0B-9E82-E7E0115DE05B}" type="datetimeFigureOut">
               <a:rPr lang="en-US" smtClean="0"/>
-              <a:t>10/28/2022</a:t>
+              <a:t>4/22/2023</a:t>
             </a:fld>
             <a:endParaRPr lang="en-US"/>
           </a:p>
@@ -4983,7 +5637,7 @@
           <a:p>
             <a:fld id="{0560A9CD-0304-4E0B-9E82-E7E0115DE05B}" type="datetimeFigureOut">
               <a:rPr lang="en-US" smtClean="0"/>
-              <a:t>10/28/2022</a:t>
+              <a:t>4/22/2023</a:t>
             </a:fld>
             <a:endParaRPr lang="en-US"/>
           </a:p>
@@ -5258,7 +5912,7 @@
           <a:p>
             <a:fld id="{0560A9CD-0304-4E0B-9E82-E7E0115DE05B}" type="datetimeFigureOut">
               <a:rPr lang="en-US" smtClean="0"/>
-              <a:t>10/28/2022</a:t>
+              <a:t>4/22/2023</a:t>
             </a:fld>
             <a:endParaRPr lang="en-US"/>
           </a:p>
@@ -5510,7 +6164,7 @@
           <a:p>
             <a:fld id="{0560A9CD-0304-4E0B-9E82-E7E0115DE05B}" type="datetimeFigureOut">
               <a:rPr lang="en-US" smtClean="0"/>
-              <a:t>10/28/2022</a:t>
+              <a:t>4/22/2023</a:t>
             </a:fld>
             <a:endParaRPr lang="en-US"/>
           </a:p>
@@ -5721,7 +6375,7 @@
           <a:p>
             <a:fld id="{0560A9CD-0304-4E0B-9E82-E7E0115DE05B}" type="datetimeFigureOut">
               <a:rPr lang="en-US" smtClean="0"/>
-              <a:t>10/28/2022</a:t>
+              <a:t>4/22/2023</a:t>
             </a:fld>
             <a:endParaRPr lang="en-US"/>
           </a:p>
@@ -6302,7 +6956,7 @@
           <p:nvPr>
             <p:extLst>
               <p:ext uri="{D42A27DB-BD31-4B8C-83A1-F6EECF244321}">
-                <p14:modId xmlns:p14="http://schemas.microsoft.com/office/powerpoint/2010/main" val="513033457"/>
+                <p14:modId xmlns:p14="http://schemas.microsoft.com/office/powerpoint/2010/main" val="3005992948"/>
               </p:ext>
             </p:extLst>
           </p:nvPr>
@@ -6436,7 +7090,7 @@
                           <a:latin typeface="Courier New" panose="02070309020205020404" pitchFamily="49" charset="0"/>
                           <a:cs typeface="Courier New" panose="02070309020205020404" pitchFamily="49" charset="0"/>
                         </a:rPr>
-                        <a:t>with open("shopping.csv", </a:t>
+                        <a:t>with open('shopping.csv', </a:t>
                       </a:r>
                       <a:r>
                         <a:rPr lang="en-US" sz="1800" b="1" dirty="0">
@@ -6446,7 +7100,7 @@
                           <a:latin typeface="Courier New" panose="02070309020205020404" pitchFamily="49" charset="0"/>
                           <a:cs typeface="Courier New" panose="02070309020205020404" pitchFamily="49" charset="0"/>
                         </a:rPr>
-                        <a:t>encoding="Windows-1252"</a:t>
+                        <a:t>encoding='Windows-1252'</a:t>
                       </a:r>
                       <a:r>
                         <a:rPr lang="en-US" sz="1800" b="1" dirty="0">
@@ -6485,7 +7139,7 @@
                           <a:latin typeface="Courier New" panose="02070309020205020404" pitchFamily="49" charset="0"/>
                           <a:cs typeface="Courier New" panose="02070309020205020404" pitchFamily="49" charset="0"/>
                         </a:rPr>
-                        <a:t>        print("Buy", amount, article)</a:t>
+                        <a:t>        print('Buy', amount, article)</a:t>
                       </a:r>
                     </a:p>
                   </a:txBody>
@@ -8890,7 +9544,7 @@
       <p:sp>
         <p:nvSpPr>
           <p:cNvPr id="4" name="Rectangle 3">
-            <a:hlinkClick r:id="rId2"/>
+            <a:hlinkClick r:id="rId3"/>
           </p:cNvPr>
           <p:cNvSpPr/>
           <p:nvPr/>
@@ -12558,7 +13212,7 @@
           <p:nvPr>
             <p:extLst>
               <p:ext uri="{D42A27DB-BD31-4B8C-83A1-F6EECF244321}">
-                <p14:modId xmlns:p14="http://schemas.microsoft.com/office/powerpoint/2010/main" val="3770981242"/>
+                <p14:modId xmlns:p14="http://schemas.microsoft.com/office/powerpoint/2010/main" val="575556532"/>
               </p:ext>
             </p:extLst>
           </p:nvPr>
@@ -13138,15 +13792,22 @@
                         <a:t>wb.save</a:t>
                       </a:r>
                       <a:r>
-                        <a:rPr lang="en-US" sz="1600" b="1" dirty="0">
+                        <a:rPr lang="en-US" sz="1600" b="1">
                           <a:solidFill>
                             <a:schemeClr val="tx1"/>
                           </a:solidFill>
                           <a:latin typeface="Courier New" panose="02070309020205020404" pitchFamily="49" charset="0"/>
                           <a:cs typeface="Courier New" panose="02070309020205020404" pitchFamily="49" charset="0"/>
                         </a:rPr>
-                        <a:t>("openpyxl-example.xlsx")</a:t>
-                      </a:r>
+                        <a:t>('openpyxl-example.xlsx')</a:t>
+                      </a:r>
+                      <a:endParaRPr lang="en-US" sz="1600" b="1" dirty="0">
+                        <a:solidFill>
+                          <a:schemeClr val="tx1"/>
+                        </a:solidFill>
+                        <a:latin typeface="Courier New" panose="02070309020205020404" pitchFamily="49" charset="0"/>
+                        <a:cs typeface="Courier New" panose="02070309020205020404" pitchFamily="49" charset="0"/>
+                      </a:endParaRPr>
                     </a:p>
                   </a:txBody>
                   <a:tcPr>
@@ -18215,13 +18876,13 @@
           <p:nvPr>
             <p:extLst>
               <p:ext uri="{D42A27DB-BD31-4B8C-83A1-F6EECF244321}">
-                <p14:modId xmlns:p14="http://schemas.microsoft.com/office/powerpoint/2010/main" val="450220984"/>
+                <p14:modId xmlns:p14="http://schemas.microsoft.com/office/powerpoint/2010/main" val="720202000"/>
               </p:ext>
             </p:extLst>
           </p:nvPr>
         </p:nvGraphicFramePr>
         <p:xfrm>
-          <a:off x="1276141" y="3566354"/>
+          <a:off x="1276141" y="3528254"/>
           <a:ext cx="9733280" cy="2926080"/>
         </p:xfrm>
         <a:graphic>
@@ -18560,7 +19221,19 @@
                           <a:latin typeface="Courier New" panose="02070309020205020404" pitchFamily="49" charset="0"/>
                           <a:cs typeface="Courier New" panose="02070309020205020404" pitchFamily="49" charset="0"/>
                         </a:rPr>
-                        <a:t>[^at]*t', text):</a:t>
+                        <a:t>[^at]*t', text):  </a:t>
+                      </a:r>
+                      <a:r>
+                        <a:rPr lang="en-US" sz="1800" b="1" baseline="0" dirty="0">
+                          <a:solidFill>
+                            <a:schemeClr val="bg1">
+                              <a:lumMod val="50000"/>
+                            </a:schemeClr>
+                          </a:solidFill>
+                          <a:latin typeface="Courier New" panose="02070309020205020404" pitchFamily="49" charset="0"/>
+                          <a:cs typeface="Courier New" panose="02070309020205020404" pitchFamily="49" charset="0"/>
+                        </a:rPr>
+                        <a:t># m is a match object</a:t>
                       </a:r>
                       <a:br>
                         <a:rPr lang="en-US" sz="1800" b="1" baseline="0" dirty="0">
@@ -18573,10 +19246,24 @@
                           <a:latin typeface="Courier New" panose="02070309020205020404" pitchFamily="49" charset="0"/>
                           <a:cs typeface="Courier New" panose="02070309020205020404" pitchFamily="49" charset="0"/>
                         </a:rPr>
-                        <a:t>    print('text[%s, %s] = %s' % (</a:t>
+                        <a:t>    print(</a:t>
                       </a:r>
                       <a:r>
                         <a:rPr lang="en-US" sz="1800" b="1" baseline="0" dirty="0" err="1">
+                          <a:latin typeface="Courier New" panose="02070309020205020404" pitchFamily="49" charset="0"/>
+                          <a:cs typeface="Courier New" panose="02070309020205020404" pitchFamily="49" charset="0"/>
+                        </a:rPr>
+                        <a:t>f'text</a:t>
+                      </a:r>
+                      <a:r>
+                        <a:rPr lang="en-US" sz="1800" b="1" baseline="0" dirty="0">
+                          <a:latin typeface="Courier New" panose="02070309020205020404" pitchFamily="49" charset="0"/>
+                          <a:cs typeface="Courier New" panose="02070309020205020404" pitchFamily="49" charset="0"/>
+                        </a:rPr>
+                        <a:t>[{</a:t>
+                      </a:r>
+                      <a:r>
+                        <a:rPr lang="en-US" sz="1800" b="1" baseline="0" dirty="0" err="1">
                           <a:solidFill>
                             <a:srgbClr val="C00000"/>
                           </a:solidFill>
@@ -18587,10 +19274,20 @@
                       </a:r>
                       <a:r>
                         <a:rPr lang="en-US" sz="1800" b="1" baseline="0" dirty="0">
-                          <a:latin typeface="Courier New" panose="02070309020205020404" pitchFamily="49" charset="0"/>
-                          <a:cs typeface="Courier New" panose="02070309020205020404" pitchFamily="49" charset="0"/>
-                        </a:rPr>
-                        <a:t>(), </a:t>
+                          <a:solidFill>
+                            <a:srgbClr val="C00000"/>
+                          </a:solidFill>
+                          <a:latin typeface="Courier New" panose="02070309020205020404" pitchFamily="49" charset="0"/>
+                          <a:cs typeface="Courier New" panose="02070309020205020404" pitchFamily="49" charset="0"/>
+                        </a:rPr>
+                        <a:t>()</a:t>
+                      </a:r>
+                      <a:r>
+                        <a:rPr lang="en-US" sz="1800" b="1" baseline="0" dirty="0">
+                          <a:latin typeface="Courier New" panose="02070309020205020404" pitchFamily="49" charset="0"/>
+                          <a:cs typeface="Courier New" panose="02070309020205020404" pitchFamily="49" charset="0"/>
+                        </a:rPr>
+                        <a:t>}, {</a:t>
                       </a:r>
                       <a:r>
                         <a:rPr lang="en-US" sz="1800" b="1" baseline="0" dirty="0" err="1">
@@ -18604,10 +19301,20 @@
                       </a:r>
                       <a:r>
                         <a:rPr lang="en-US" sz="1800" b="1" baseline="0" dirty="0">
-                          <a:latin typeface="Courier New" panose="02070309020205020404" pitchFamily="49" charset="0"/>
-                          <a:cs typeface="Courier New" panose="02070309020205020404" pitchFamily="49" charset="0"/>
-                        </a:rPr>
-                        <a:t>(), </a:t>
+                          <a:solidFill>
+                            <a:srgbClr val="C00000"/>
+                          </a:solidFill>
+                          <a:latin typeface="Courier New" panose="02070309020205020404" pitchFamily="49" charset="0"/>
+                          <a:cs typeface="Courier New" panose="02070309020205020404" pitchFamily="49" charset="0"/>
+                        </a:rPr>
+                        <a:t>()</a:t>
+                      </a:r>
+                      <a:r>
+                        <a:rPr lang="en-US" sz="1800" b="1" baseline="0" dirty="0">
+                          <a:latin typeface="Courier New" panose="02070309020205020404" pitchFamily="49" charset="0"/>
+                          <a:cs typeface="Courier New" panose="02070309020205020404" pitchFamily="49" charset="0"/>
+                        </a:rPr>
+                        <a:t>}] = {</a:t>
                       </a:r>
                       <a:r>
                         <a:rPr lang="en-US" sz="1800" b="1" baseline="0" dirty="0" err="1">
@@ -18621,10 +19328,20 @@
                       </a:r>
                       <a:r>
                         <a:rPr lang="en-US" sz="1800" b="1" baseline="0" dirty="0">
-                          <a:latin typeface="Courier New" panose="02070309020205020404" pitchFamily="49" charset="0"/>
-                          <a:cs typeface="Courier New" panose="02070309020205020404" pitchFamily="49" charset="0"/>
-                        </a:rPr>
-                        <a:t>()))</a:t>
+                          <a:solidFill>
+                            <a:srgbClr val="C00000"/>
+                          </a:solidFill>
+                          <a:latin typeface="Courier New" panose="02070309020205020404" pitchFamily="49" charset="0"/>
+                          <a:cs typeface="Courier New" panose="02070309020205020404" pitchFamily="49" charset="0"/>
+                        </a:rPr>
+                        <a:t>()</a:t>
+                      </a:r>
+                      <a:r>
+                        <a:rPr lang="en-US" sz="1800" b="1" baseline="0" dirty="0">
+                          <a:latin typeface="Courier New" panose="02070309020205020404" pitchFamily="49" charset="0"/>
+                          <a:cs typeface="Courier New" panose="02070309020205020404" pitchFamily="49" charset="0"/>
+                        </a:rPr>
+                        <a:t>}')</a:t>
                       </a:r>
                       <a:endParaRPr lang="pt-BR" sz="1800" b="1" baseline="0" dirty="0">
                         <a:latin typeface="Courier New" panose="02070309020205020404" pitchFamily="49" charset="0"/>
@@ -18850,7 +19567,7 @@
         <p:spPr>
           <a:xfrm>
             <a:off x="838200" y="1825625"/>
-            <a:ext cx="10515600" cy="2329686"/>
+            <a:ext cx="10515600" cy="1859700"/>
           </a:xfrm>
         </p:spPr>
         <p:txBody>
@@ -19067,14 +19784,14 @@
           <p:nvPr>
             <p:extLst>
               <p:ext uri="{D42A27DB-BD31-4B8C-83A1-F6EECF244321}">
-                <p14:modId xmlns:p14="http://schemas.microsoft.com/office/powerpoint/2010/main" val="4057540977"/>
+                <p14:modId xmlns:p14="http://schemas.microsoft.com/office/powerpoint/2010/main" val="3728970502"/>
               </p:ext>
             </p:extLst>
           </p:nvPr>
         </p:nvGraphicFramePr>
         <p:xfrm>
-          <a:off x="1911985" y="4047156"/>
-          <a:ext cx="8368030" cy="1828800"/>
+          <a:off x="281785" y="3866181"/>
+          <a:ext cx="11628430" cy="2377440"/>
         </p:xfrm>
         <a:graphic>
           <a:graphicData uri="http://schemas.openxmlformats.org/drawingml/2006/table">
@@ -19083,7 +19800,7 @@
                 <a:tableStyleId>{5C22544A-7EE6-4342-B048-85BDC9FD1C3A}</a:tableStyleId>
               </a:tblPr>
               <a:tblGrid>
-                <a:gridCol w="8368030">
+                <a:gridCol w="11628430">
                   <a:extLst>
                     <a:ext uri="{9D8B030D-6E8A-4147-A177-3AD203B41FA5}">
                       <a16:colId xmlns:a16="http://schemas.microsoft.com/office/drawing/2014/main" val="1873682825"/>
@@ -19245,7 +19962,7 @@
                           <a:latin typeface="Courier New" panose="02070309020205020404" pitchFamily="49" charset="0"/>
                           <a:cs typeface="Courier New" panose="02070309020205020404" pitchFamily="49" charset="0"/>
                         </a:rPr>
-                        <a:t># all words containing i</a:t>
+                        <a:t># replace all words containing i by 'X'</a:t>
                       </a:r>
                     </a:p>
                     <a:p>
@@ -19280,10 +19997,151 @@
                         </a:rPr>
                         <a:t> a X - a X of characters'</a:t>
                       </a:r>
-                      <a:endParaRPr lang="pt-BR" sz="1800" b="1" baseline="0" dirty="0">
-                        <a:latin typeface="Courier New" panose="02070309020205020404" pitchFamily="49" charset="0"/>
-                        <a:cs typeface="Courier New" panose="02070309020205020404" pitchFamily="49" charset="0"/>
-                      </a:endParaRPr>
+                    </a:p>
+                    <a:p>
+                      <a:pPr marL="266700" indent="-266700">
+                        <a:buClr>
+                          <a:srgbClr val="C00000"/>
+                        </a:buClr>
+                        <a:buSzPct val="100000"/>
+                        <a:buFont typeface="Courier New" panose="02070309020205020404" pitchFamily="49" charset="0"/>
+                        <a:buChar char="&gt;"/>
+                      </a:pPr>
+                      <a:r>
+                        <a:rPr lang="pl-PL" sz="1800" b="1" baseline="0" dirty="0">
+                          <a:latin typeface="Courier New" panose="02070309020205020404" pitchFamily="49" charset="0"/>
+                          <a:cs typeface="Courier New" panose="02070309020205020404" pitchFamily="49" charset="0"/>
+                        </a:rPr>
+                        <a:t>re.</a:t>
+                      </a:r>
+                      <a:r>
+                        <a:rPr lang="pl-PL" sz="1800" b="1" baseline="0" dirty="0">
+                          <a:solidFill>
+                            <a:srgbClr val="C00000"/>
+                          </a:solidFill>
+                          <a:latin typeface="Courier New" panose="02070309020205020404" pitchFamily="49" charset="0"/>
+                          <a:cs typeface="Courier New" panose="02070309020205020404" pitchFamily="49" charset="0"/>
+                        </a:rPr>
+                        <a:t>sub</a:t>
+                      </a:r>
+                      <a:r>
+                        <a:rPr lang="pl-PL" sz="1800" b="1" baseline="0" dirty="0">
+                          <a:latin typeface="Courier New" panose="02070309020205020404" pitchFamily="49" charset="0"/>
+                          <a:cs typeface="Courier New" panose="02070309020205020404" pitchFamily="49" charset="0"/>
+                        </a:rPr>
+                        <a:t>(r'\w*i\w*', </a:t>
+                      </a:r>
+                      <a:r>
+                        <a:rPr lang="pl-PL" sz="1800" b="1" baseline="0" dirty="0">
+                          <a:solidFill>
+                            <a:srgbClr val="C00000"/>
+                          </a:solidFill>
+                          <a:latin typeface="Courier New" panose="02070309020205020404" pitchFamily="49" charset="0"/>
+                          <a:cs typeface="Courier New" panose="02070309020205020404" pitchFamily="49" charset="0"/>
+                        </a:rPr>
+                        <a:t>lambda m: m.group()[::-1], </a:t>
+                      </a:r>
+                      <a:r>
+                        <a:rPr lang="pl-PL" sz="1800" b="1" baseline="0" dirty="0">
+                          <a:latin typeface="Courier New" panose="02070309020205020404" pitchFamily="49" charset="0"/>
+                          <a:cs typeface="Courier New" panose="02070309020205020404" pitchFamily="49" charset="0"/>
+                        </a:rPr>
+                        <a:t>text)</a:t>
+                      </a:r>
+                      <a:r>
+                        <a:rPr lang="en-US" sz="1800" b="1" baseline="0" dirty="0">
+                          <a:latin typeface="Courier New" panose="02070309020205020404" pitchFamily="49" charset="0"/>
+                          <a:cs typeface="Courier New" panose="02070309020205020404" pitchFamily="49" charset="0"/>
+                        </a:rPr>
+                        <a:t>  </a:t>
+                      </a:r>
+                      <a:r>
+                        <a:rPr lang="pt-BR" sz="1800" b="1" baseline="0" dirty="0">
+                          <a:solidFill>
+                            <a:schemeClr val="bg1">
+                              <a:lumMod val="50000"/>
+                            </a:schemeClr>
+                          </a:solidFill>
+                          <a:latin typeface="Courier New" panose="02070309020205020404" pitchFamily="49" charset="0"/>
+                          <a:cs typeface="Courier New" panose="02070309020205020404" pitchFamily="49" charset="0"/>
+                        </a:rPr>
+                        <a:t># reverse words containing i</a:t>
+                      </a:r>
+                    </a:p>
+                    <a:p>
+                      <a:pPr marL="266700" indent="-266700">
+                        <a:buClr>
+                          <a:schemeClr val="accent1">
+                            <a:lumMod val="50000"/>
+                          </a:schemeClr>
+                        </a:buClr>
+                        <a:buSzPct val="120000"/>
+                        <a:buFont typeface="Courier New" panose="02070309020205020404" pitchFamily="49" charset="0"/>
+                        <a:buChar char="|"/>
+                      </a:pPr>
+                      <a:r>
+                        <a:rPr lang="en-US" sz="1800" b="1" baseline="0" dirty="0">
+                          <a:latin typeface="Courier New" panose="02070309020205020404" pitchFamily="49" charset="0"/>
+                          <a:cs typeface="Courier New" panose="02070309020205020404" pitchFamily="49" charset="0"/>
+                        </a:rPr>
+                        <a:t>'</a:t>
+                      </a:r>
+                      <a:r>
+                        <a:rPr lang="en-US" sz="1800" b="1" baseline="0" dirty="0" err="1">
+                          <a:latin typeface="Courier New" panose="02070309020205020404" pitchFamily="49" charset="0"/>
+                          <a:cs typeface="Courier New" panose="02070309020205020404" pitchFamily="49" charset="0"/>
+                        </a:rPr>
+                        <a:t>siht</a:t>
+                      </a:r>
+                      <a:r>
+                        <a:rPr lang="en-US" sz="1800" b="1" baseline="0" dirty="0">
+                          <a:latin typeface="Courier New" panose="02070309020205020404" pitchFamily="49" charset="0"/>
+                          <a:cs typeface="Courier New" panose="02070309020205020404" pitchFamily="49" charset="0"/>
+                        </a:rPr>
+                        <a:t> </a:t>
+                      </a:r>
+                      <a:r>
+                        <a:rPr lang="en-US" sz="1800" b="1" baseline="0" dirty="0" err="1">
+                          <a:latin typeface="Courier New" panose="02070309020205020404" pitchFamily="49" charset="0"/>
+                          <a:cs typeface="Courier New" panose="02070309020205020404" pitchFamily="49" charset="0"/>
+                        </a:rPr>
+                        <a:t>si</a:t>
+                      </a:r>
+                      <a:r>
+                        <a:rPr lang="en-US" sz="1800" b="1" baseline="0" dirty="0">
+                          <a:latin typeface="Courier New" panose="02070309020205020404" pitchFamily="49" charset="0"/>
+                          <a:cs typeface="Courier New" panose="02070309020205020404" pitchFamily="49" charset="0"/>
+                        </a:rPr>
+                        <a:t> a </a:t>
+                      </a:r>
+                      <a:r>
+                        <a:rPr lang="en-US" sz="1800" b="1" baseline="0" dirty="0" err="1">
+                          <a:latin typeface="Courier New" panose="02070309020205020404" pitchFamily="49" charset="0"/>
+                          <a:cs typeface="Courier New" panose="02070309020205020404" pitchFamily="49" charset="0"/>
+                        </a:rPr>
+                        <a:t>gnirts</a:t>
+                      </a:r>
+                      <a:r>
+                        <a:rPr lang="en-US" sz="1800" b="1" baseline="0" dirty="0">
+                          <a:latin typeface="Courier New" panose="02070309020205020404" pitchFamily="49" charset="0"/>
+                          <a:cs typeface="Courier New" panose="02070309020205020404" pitchFamily="49" charset="0"/>
+                        </a:rPr>
+                        <a:t> - a </a:t>
+                      </a:r>
+                      <a:r>
+                        <a:rPr lang="en-US" sz="1800" b="1" baseline="0" dirty="0" err="1">
+                          <a:latin typeface="Courier New" panose="02070309020205020404" pitchFamily="49" charset="0"/>
+                          <a:cs typeface="Courier New" panose="02070309020205020404" pitchFamily="49" charset="0"/>
+                        </a:rPr>
+                        <a:t>tsil</a:t>
+                      </a:r>
+                      <a:r>
+                        <a:rPr lang="en-US" sz="1800" b="1" baseline="0" dirty="0">
+                          <a:latin typeface="Courier New" panose="02070309020205020404" pitchFamily="49" charset="0"/>
+                          <a:cs typeface="Courier New" panose="02070309020205020404" pitchFamily="49" charset="0"/>
+                        </a:rPr>
+                        <a:t> of characters'</a:t>
+                      </a:r>
                     </a:p>
                     <a:p>
                       <a:pPr marL="266700" indent="-266700">
@@ -19433,7 +20291,7 @@
       <p:sp>
         <p:nvSpPr>
           <p:cNvPr id="10" name="Rectangle 9">
-            <a:hlinkClick r:id="rId2"/>
+            <a:hlinkClick r:id="rId3"/>
           </p:cNvPr>
           <p:cNvSpPr/>
           <p:nvPr/>
@@ -19455,7 +20313,7 @@
           <a:p>
             <a:r>
               <a:rPr lang="en-US" dirty="0">
-                <a:hlinkClick r:id="rId2"/>
+                <a:hlinkClick r:id="rId3"/>
               </a:rPr>
               <a:t>docs.python.org/3/library/re.html</a:t>
             </a:r>
@@ -23865,7 +24723,7 @@
           <p:nvPr>
             <p:extLst>
               <p:ext uri="{D42A27DB-BD31-4B8C-83A1-F6EECF244321}">
-                <p14:modId xmlns:p14="http://schemas.microsoft.com/office/powerpoint/2010/main" val="3611931091"/>
+                <p14:modId xmlns:p14="http://schemas.microsoft.com/office/powerpoint/2010/main" val="3453598355"/>
               </p:ext>
             </p:extLst>
           </p:nvPr>
@@ -24115,7 +24973,24 @@
                           <a:latin typeface="Courier New" panose="02070309020205020404" pitchFamily="49" charset="0"/>
                           <a:cs typeface="Courier New" panose="02070309020205020404" pitchFamily="49" charset="0"/>
                         </a:rPr>
-                        <a:t> walk(commands, </a:t>
+                        <a:t> </a:t>
+                      </a:r>
+                      <a:r>
+                        <a:rPr lang="pt-BR" sz="1050" b="1" dirty="0">
+                          <a:solidFill>
+                            <a:srgbClr val="C00000"/>
+                          </a:solidFill>
+                          <a:latin typeface="Courier New" panose="02070309020205020404" pitchFamily="49" charset="0"/>
+                          <a:cs typeface="Courier New" panose="02070309020205020404" pitchFamily="49" charset="0"/>
+                        </a:rPr>
+                        <a:t>walk</a:t>
+                      </a:r>
+                      <a:r>
+                        <a:rPr lang="pt-BR" sz="1050" b="1" dirty="0">
+                          <a:latin typeface="Courier New" panose="02070309020205020404" pitchFamily="49" charset="0"/>
+                          <a:cs typeface="Courier New" panose="02070309020205020404" pitchFamily="49" charset="0"/>
+                        </a:rPr>
+                        <a:t>(commands, </a:t>
                       </a:r>
                       <a:br>
                         <a:rPr lang="pt-BR" sz="1050" b="1" dirty="0">
@@ -24533,7 +25408,24 @@
                           <a:latin typeface="Courier New" panose="02070309020205020404" pitchFamily="49" charset="0"/>
                           <a:cs typeface="Courier New" panose="02070309020205020404" pitchFamily="49" charset="0"/>
                         </a:rPr>
-                        <a:t> apply_rules(axiom, rules, repeat=1):</a:t>
+                        <a:t> </a:t>
+                      </a:r>
+                      <a:r>
+                        <a:rPr lang="pt-BR" sz="1050" b="1" dirty="0">
+                          <a:solidFill>
+                            <a:srgbClr val="C00000"/>
+                          </a:solidFill>
+                          <a:latin typeface="Courier New" panose="02070309020205020404" pitchFamily="49" charset="0"/>
+                          <a:cs typeface="Courier New" panose="02070309020205020404" pitchFamily="49" charset="0"/>
+                        </a:rPr>
+                        <a:t>apply_rules</a:t>
+                      </a:r>
+                      <a:r>
+                        <a:rPr lang="pt-BR" sz="1050" b="1" dirty="0">
+                          <a:latin typeface="Courier New" panose="02070309020205020404" pitchFamily="49" charset="0"/>
+                          <a:cs typeface="Courier New" panose="02070309020205020404" pitchFamily="49" charset="0"/>
+                        </a:rPr>
+                        <a:t>(axiom, rules, repeat=1):</a:t>
                       </a:r>
                     </a:p>
                     <a:p>
@@ -24836,7 +25728,41 @@
                           <a:latin typeface="Courier New" panose="02070309020205020404" pitchFamily="49" charset="0"/>
                           <a:cs typeface="Courier New" panose="02070309020205020404" pitchFamily="49" charset="0"/>
                         </a:rPr>
-                        <a:t>    paths = walk(apply_rules(axiom, rules, repeat), **walk_arg)</a:t>
+                        <a:t>    paths = </a:t>
+                      </a:r>
+                      <a:r>
+                        <a:rPr lang="pt-BR" sz="1050" b="1" dirty="0">
+                          <a:solidFill>
+                            <a:srgbClr val="C00000"/>
+                          </a:solidFill>
+                          <a:latin typeface="Courier New" panose="02070309020205020404" pitchFamily="49" charset="0"/>
+                          <a:cs typeface="Courier New" panose="02070309020205020404" pitchFamily="49" charset="0"/>
+                        </a:rPr>
+                        <a:t>walk</a:t>
+                      </a:r>
+                      <a:r>
+                        <a:rPr lang="pt-BR" sz="1050" b="1" dirty="0">
+                          <a:latin typeface="Courier New" panose="02070309020205020404" pitchFamily="49" charset="0"/>
+                          <a:cs typeface="Courier New" panose="02070309020205020404" pitchFamily="49" charset="0"/>
+                        </a:rPr>
+                        <a:t>(</a:t>
+                      </a:r>
+                      <a:r>
+                        <a:rPr lang="pt-BR" sz="1050" b="1" dirty="0">
+                          <a:solidFill>
+                            <a:srgbClr val="C00000"/>
+                          </a:solidFill>
+                          <a:latin typeface="Courier New" panose="02070309020205020404" pitchFamily="49" charset="0"/>
+                          <a:cs typeface="Courier New" panose="02070309020205020404" pitchFamily="49" charset="0"/>
+                        </a:rPr>
+                        <a:t>apply_rules</a:t>
+                      </a:r>
+                      <a:r>
+                        <a:rPr lang="pt-BR" sz="1050" b="1" dirty="0">
+                          <a:latin typeface="Courier New" panose="02070309020205020404" pitchFamily="49" charset="0"/>
+                          <a:cs typeface="Courier New" panose="02070309020205020404" pitchFamily="49" charset="0"/>
+                        </a:rPr>
+                        <a:t>(axiom, rules, repeat), **walk_arg)</a:t>
                       </a:r>
                     </a:p>
                     <a:p>
@@ -26303,7 +27229,7 @@
           <p:nvPr>
             <p:extLst>
               <p:ext uri="{D42A27DB-BD31-4B8C-83A1-F6EECF244321}">
-                <p14:modId xmlns:p14="http://schemas.microsoft.com/office/powerpoint/2010/main" val="3172416633"/>
+                <p14:modId xmlns:p14="http://schemas.microsoft.com/office/powerpoint/2010/main" val="1728964833"/>
               </p:ext>
             </p:extLst>
           </p:nvPr>
@@ -26506,7 +27432,7 @@
                           <a:latin typeface="Courier New" panose="02070309020205020404" pitchFamily="49" charset="0"/>
                           <a:cs typeface="Courier New" panose="02070309020205020404" pitchFamily="49" charset="0"/>
                         </a:rPr>
-                        <a:t>with open(FILE, 'w', newline="") as outfile:</a:t>
+                        <a:t>with open(FILE, 'w', newline='') as outfile:</a:t>
                       </a:r>
                     </a:p>
                     <a:p>
@@ -26581,7 +27507,7 @@
                           <a:latin typeface="Courier New" panose="02070309020205020404" pitchFamily="49" charset="0"/>
                           <a:cs typeface="Courier New" panose="02070309020205020404" pitchFamily="49" charset="0"/>
                         </a:rPr>
-                        <a:t>with open(FILE, 'r', newline="") as infile:</a:t>
+                        <a:t>with open(FILE, 'r', newline='') as infile:</a:t>
                       </a:r>
                     </a:p>
                     <a:p>
@@ -28004,7 +28930,7 @@
         </p:blipFill>
         <p:spPr>
           <a:xfrm>
-            <a:off x="8973779" y="295275"/>
+            <a:off x="8973779" y="163366"/>
             <a:ext cx="2857500" cy="3133725"/>
           </a:xfrm>
           <a:prstGeom prst="rect">
@@ -28778,8 +29704,8 @@
         </p:nvSpPr>
         <p:spPr>
           <a:xfrm>
-            <a:off x="8973779" y="3464884"/>
-            <a:ext cx="2785602" cy="646331"/>
+            <a:off x="8973779" y="3333797"/>
+            <a:ext cx="2785602" cy="830997"/>
           </a:xfrm>
           <a:prstGeom prst="rect">
             <a:avLst/>
@@ -28809,7 +29735,14 @@
             <a:pPr algn="ctr"/>
             <a:r>
               <a:rPr lang="en-US" sz="1200" dirty="0"/>
-              <a:t>apparently uses ‘;’ as the separator...</a:t>
+              <a:t>Sometimes use ‘;’ as default separator, </a:t>
+            </a:r>
+            <a:br>
+              <a:rPr lang="en-US" sz="1200" dirty="0"/>
+            </a:br>
+            <a:r>
+              <a:rPr lang="en-US" sz="1200" dirty="0"/>
+              <a:t>determined by Windows Regional settings</a:t>
             </a:r>
           </a:p>
         </p:txBody>
@@ -28889,7 +29822,7 @@
           <p:nvPr>
             <p:extLst>
               <p:ext uri="{D42A27DB-BD31-4B8C-83A1-F6EECF244321}">
-                <p14:modId xmlns:p14="http://schemas.microsoft.com/office/powerpoint/2010/main" val="3659489369"/>
+                <p14:modId xmlns:p14="http://schemas.microsoft.com/office/powerpoint/2010/main" val="2006822432"/>
               </p:ext>
             </p:extLst>
           </p:nvPr>
@@ -29059,7 +29992,7 @@
                           <a:latin typeface="Courier New" panose="02070309020205020404" pitchFamily="49" charset="0"/>
                           <a:cs typeface="Courier New" panose="02070309020205020404" pitchFamily="49" charset="0"/>
                         </a:rPr>
-                        <a:t>,    "QUOTE_MINIMAL"),</a:t>
+                        <a:t>,    'QUOTE_MINIMAL'),</a:t>
                       </a:r>
                     </a:p>
                     <a:p>
@@ -29085,7 +30018,7 @@
                           <a:latin typeface="Courier New" panose="02070309020205020404" pitchFamily="49" charset="0"/>
                           <a:cs typeface="Courier New" panose="02070309020205020404" pitchFamily="49" charset="0"/>
                         </a:rPr>
-                        <a:t>,        "QUOTE_ALL"),</a:t>
+                        <a:t>,        'QUOTE_ALL'),</a:t>
                       </a:r>
                     </a:p>
                     <a:p>
@@ -29111,7 +30044,7 @@
                           <a:latin typeface="Courier New" panose="02070309020205020404" pitchFamily="49" charset="0"/>
                           <a:cs typeface="Courier New" panose="02070309020205020404" pitchFamily="49" charset="0"/>
                         </a:rPr>
-                        <a:t>, "QUOTE_NONNUMERIC"),</a:t>
+                        <a:t>, 'QUOTE_NONNUMERIC'),</a:t>
                       </a:r>
                     </a:p>
                     <a:p>
@@ -29142,7 +30075,7 @@
                           <a:latin typeface="Courier New" panose="02070309020205020404" pitchFamily="49" charset="0"/>
                           <a:cs typeface="Courier New" panose="02070309020205020404" pitchFamily="49" charset="0"/>
                         </a:rPr>
-                        <a:t>,       "QUOTE_NONE")]</a:t>
+                        <a:t>,       'QUOTE_NONE')]</a:t>
                       </a:r>
                     </a:p>
                     <a:p>

--- a/ipsa/slides/text.pptx
+++ b/ipsa/slides/text.pptx
@@ -320,7 +320,7 @@
   <pc:docChgLst>
     <pc:chgData name="Gerth Stølting Brodal" userId="04ef4784-6591-4f86-a140-f5c3b108582a" providerId="ADAL" clId="{15029F8B-5CCF-492C-9B1F-3CA4A769668C}"/>
     <pc:docChg chg="undo custSel modSld">
-      <pc:chgData name="Gerth Stølting Brodal" userId="04ef4784-6591-4f86-a140-f5c3b108582a" providerId="ADAL" clId="{15029F8B-5CCF-492C-9B1F-3CA4A769668C}" dt="2023-04-22T07:23:37.133" v="857" actId="6549"/>
+      <pc:chgData name="Gerth Stølting Brodal" userId="04ef4784-6591-4f86-a140-f5c3b108582a" providerId="ADAL" clId="{15029F8B-5CCF-492C-9B1F-3CA4A769668C}" dt="2023-04-24T06:33:28.548" v="866" actId="6549"/>
       <pc:docMkLst>
         <pc:docMk/>
       </pc:docMkLst>
@@ -346,6 +346,13 @@
             <ac:graphicFrameMk id="6" creationId="{00000000-0000-0000-0000-000000000000}"/>
           </ac:graphicFrameMkLst>
         </pc:graphicFrameChg>
+      </pc:sldChg>
+      <pc:sldChg chg="modNotesTx">
+        <pc:chgData name="Gerth Stølting Brodal" userId="04ef4784-6591-4f86-a140-f5c3b108582a" providerId="ADAL" clId="{15029F8B-5CCF-492C-9B1F-3CA4A769668C}" dt="2023-04-24T06:30:01.815" v="865" actId="20577"/>
+        <pc:sldMkLst>
+          <pc:docMk/>
+          <pc:sldMk cId="3608733085" sldId="740"/>
+        </pc:sldMkLst>
       </pc:sldChg>
       <pc:sldChg chg="modSp mod">
         <pc:chgData name="Gerth Stølting Brodal" userId="04ef4784-6591-4f86-a140-f5c3b108582a" providerId="ADAL" clId="{15029F8B-5CCF-492C-9B1F-3CA4A769668C}" dt="2023-04-22T05:55:23.322" v="14"/>
@@ -378,7 +385,7 @@
         </pc:graphicFrameChg>
       </pc:sldChg>
       <pc:sldChg chg="modNotesTx">
-        <pc:chgData name="Gerth Stølting Brodal" userId="04ef4784-6591-4f86-a140-f5c3b108582a" providerId="ADAL" clId="{15029F8B-5CCF-492C-9B1F-3CA4A769668C}" dt="2023-04-22T06:00:35.029" v="206" actId="20577"/>
+        <pc:chgData name="Gerth Stølting Brodal" userId="04ef4784-6591-4f86-a140-f5c3b108582a" providerId="ADAL" clId="{15029F8B-5CCF-492C-9B1F-3CA4A769668C}" dt="2023-04-24T06:33:28.548" v="866" actId="6549"/>
         <pc:sldMkLst>
           <pc:docMk/>
           <pc:sldMk cId="4265023066" sldId="745"/>
@@ -645,7 +652,7 @@
           <a:p>
             <a:fld id="{FB1A172F-81D4-4DC4-9113-1DBD56EC3646}" type="datetimeFigureOut">
               <a:rPr lang="en-US" smtClean="0"/>
-              <a:t>4/22/2023</a:t>
+              <a:t>4/24/2023</a:t>
             </a:fld>
             <a:endParaRPr lang="en-US"/>
           </a:p>
@@ -977,9 +984,12 @@
           <a:p>
             <a:r>
               <a:rPr lang="en-US" baseline="0" dirty="0"/>
-              <a:t>Pillow is a fork of PIL that is updated regularly.</a:t>
-            </a:r>
-            <a:endParaRPr lang="en-US" dirty="0"/>
+              <a:t>Pillow is a fork of PIL that is updated regularly ("</a:t>
+            </a:r>
+            <a:r>
+              <a:rPr lang="en-US" dirty="0"/>
+              <a:t>Pillow is released quarterly on January 2nd, April 1st, July 1st and October 15th.")</a:t>
+            </a:r>
           </a:p>
         </p:txBody>
       </p:sp>
@@ -2658,11 +2668,11 @@
             </a:r>
             <a:r>
               <a:rPr lang="en-US" dirty="0"/>
-              <a:t> using “;” as separator are also called “.csv” files (</a:t>
-            </a:r>
-            <a:r>
-              <a:rPr lang="en-US" dirty="0" err="1"/>
-              <a:t>tconfusing</a:t>
+              <a:t> using “;” as separator are also called “.csv” </a:t>
+            </a:r>
+            <a:r>
+              <a:rPr lang="en-US"/>
+              <a:t>files (confusing</a:t>
             </a:r>
             <a:r>
               <a:rPr lang="en-US" dirty="0"/>
@@ -4058,7 +4068,7 @@
           <a:p>
             <a:fld id="{0560A9CD-0304-4E0B-9E82-E7E0115DE05B}" type="datetimeFigureOut">
               <a:rPr lang="en-US" smtClean="0"/>
-              <a:t>4/22/2023</a:t>
+              <a:t>4/24/2023</a:t>
             </a:fld>
             <a:endParaRPr lang="en-US"/>
           </a:p>
@@ -4226,7 +4236,7 @@
           <a:p>
             <a:fld id="{0560A9CD-0304-4E0B-9E82-E7E0115DE05B}" type="datetimeFigureOut">
               <a:rPr lang="en-US" smtClean="0"/>
-              <a:t>4/22/2023</a:t>
+              <a:t>4/24/2023</a:t>
             </a:fld>
             <a:endParaRPr lang="en-US"/>
           </a:p>
@@ -4404,7 +4414,7 @@
           <a:p>
             <a:fld id="{0560A9CD-0304-4E0B-9E82-E7E0115DE05B}" type="datetimeFigureOut">
               <a:rPr lang="en-US" smtClean="0"/>
-              <a:t>4/22/2023</a:t>
+              <a:t>4/24/2023</a:t>
             </a:fld>
             <a:endParaRPr lang="en-US"/>
           </a:p>
@@ -4587,7 +4597,7 @@
           <a:p>
             <a:fld id="{0560A9CD-0304-4E0B-9E82-E7E0115DE05B}" type="datetimeFigureOut">
               <a:rPr lang="en-US" smtClean="0"/>
-              <a:t>4/22/2023</a:t>
+              <a:t>4/24/2023</a:t>
             </a:fld>
             <a:endParaRPr lang="en-US"/>
           </a:p>
@@ -4832,7 +4842,7 @@
           <a:p>
             <a:fld id="{0560A9CD-0304-4E0B-9E82-E7E0115DE05B}" type="datetimeFigureOut">
               <a:rPr lang="en-US" smtClean="0"/>
-              <a:t>4/22/2023</a:t>
+              <a:t>4/24/2023</a:t>
             </a:fld>
             <a:endParaRPr lang="en-US"/>
           </a:p>
@@ -5061,7 +5071,7 @@
           <a:p>
             <a:fld id="{0560A9CD-0304-4E0B-9E82-E7E0115DE05B}" type="datetimeFigureOut">
               <a:rPr lang="en-US" smtClean="0"/>
-              <a:t>4/22/2023</a:t>
+              <a:t>4/24/2023</a:t>
             </a:fld>
             <a:endParaRPr lang="en-US"/>
           </a:p>
@@ -5425,7 +5435,7 @@
           <a:p>
             <a:fld id="{0560A9CD-0304-4E0B-9E82-E7E0115DE05B}" type="datetimeFigureOut">
               <a:rPr lang="en-US" smtClean="0"/>
-              <a:t>4/22/2023</a:t>
+              <a:t>4/24/2023</a:t>
             </a:fld>
             <a:endParaRPr lang="en-US"/>
           </a:p>
@@ -5542,7 +5552,7 @@
           <a:p>
             <a:fld id="{0560A9CD-0304-4E0B-9E82-E7E0115DE05B}" type="datetimeFigureOut">
               <a:rPr lang="en-US" smtClean="0"/>
-              <a:t>4/22/2023</a:t>
+              <a:t>4/24/2023</a:t>
             </a:fld>
             <a:endParaRPr lang="en-US"/>
           </a:p>
@@ -5637,7 +5647,7 @@
           <a:p>
             <a:fld id="{0560A9CD-0304-4E0B-9E82-E7E0115DE05B}" type="datetimeFigureOut">
               <a:rPr lang="en-US" smtClean="0"/>
-              <a:t>4/22/2023</a:t>
+              <a:t>4/24/2023</a:t>
             </a:fld>
             <a:endParaRPr lang="en-US"/>
           </a:p>
@@ -5912,7 +5922,7 @@
           <a:p>
             <a:fld id="{0560A9CD-0304-4E0B-9E82-E7E0115DE05B}" type="datetimeFigureOut">
               <a:rPr lang="en-US" smtClean="0"/>
-              <a:t>4/22/2023</a:t>
+              <a:t>4/24/2023</a:t>
             </a:fld>
             <a:endParaRPr lang="en-US"/>
           </a:p>
@@ -6164,7 +6174,7 @@
           <a:p>
             <a:fld id="{0560A9CD-0304-4E0B-9E82-E7E0115DE05B}" type="datetimeFigureOut">
               <a:rPr lang="en-US" smtClean="0"/>
-              <a:t>4/22/2023</a:t>
+              <a:t>4/24/2023</a:t>
             </a:fld>
             <a:endParaRPr lang="en-US"/>
           </a:p>
@@ -6375,7 +6385,7 @@
           <a:p>
             <a:fld id="{0560A9CD-0304-4E0B-9E82-E7E0115DE05B}" type="datetimeFigureOut">
               <a:rPr lang="en-US" smtClean="0"/>
-              <a:t>4/22/2023</a:t>
+              <a:t>4/24/2023</a:t>
             </a:fld>
             <a:endParaRPr lang="en-US"/>
           </a:p>

--- a/ipsa/slides/text.pptx
+++ b/ipsa/slides/text.pptx
@@ -320,7 +320,7 @@
   <pc:docChgLst>
     <pc:chgData name="Gerth Stølting Brodal" userId="04ef4784-6591-4f86-a140-f5c3b108582a" providerId="ADAL" clId="{15029F8B-5CCF-492C-9B1F-3CA4A769668C}"/>
     <pc:docChg chg="undo custSel modSld">
-      <pc:chgData name="Gerth Stølting Brodal" userId="04ef4784-6591-4f86-a140-f5c3b108582a" providerId="ADAL" clId="{15029F8B-5CCF-492C-9B1F-3CA4A769668C}" dt="2023-04-24T06:33:28.548" v="866" actId="6549"/>
+      <pc:chgData name="Gerth Stølting Brodal" userId="04ef4784-6591-4f86-a140-f5c3b108582a" providerId="ADAL" clId="{15029F8B-5CCF-492C-9B1F-3CA4A769668C}" dt="2023-04-24T10:16:25.310" v="869" actId="1076"/>
       <pc:docMkLst>
         <pc:docMk/>
       </pc:docMkLst>
@@ -429,17 +429,25 @@
         </pc:graphicFrameChg>
       </pc:sldChg>
       <pc:sldChg chg="modSp mod">
-        <pc:chgData name="Gerth Stølting Brodal" userId="04ef4784-6591-4f86-a140-f5c3b108582a" providerId="ADAL" clId="{15029F8B-5CCF-492C-9B1F-3CA4A769668C}" dt="2023-04-22T06:27:53.224" v="445" actId="20577"/>
+        <pc:chgData name="Gerth Stølting Brodal" userId="04ef4784-6591-4f86-a140-f5c3b108582a" providerId="ADAL" clId="{15029F8B-5CCF-492C-9B1F-3CA4A769668C}" dt="2023-04-24T10:16:25.310" v="869" actId="1076"/>
         <pc:sldMkLst>
           <pc:docMk/>
           <pc:sldMk cId="1845448441" sldId="757"/>
         </pc:sldMkLst>
         <pc:graphicFrameChg chg="modGraphic">
-          <ac:chgData name="Gerth Stølting Brodal" userId="04ef4784-6591-4f86-a140-f5c3b108582a" providerId="ADAL" clId="{15029F8B-5CCF-492C-9B1F-3CA4A769668C}" dt="2023-04-22T06:27:53.224" v="445" actId="20577"/>
+          <ac:chgData name="Gerth Stølting Brodal" userId="04ef4784-6591-4f86-a140-f5c3b108582a" providerId="ADAL" clId="{15029F8B-5CCF-492C-9B1F-3CA4A769668C}" dt="2023-04-24T10:16:18.300" v="867" actId="20577"/>
           <ac:graphicFrameMkLst>
             <pc:docMk/>
             <pc:sldMk cId="1845448441" sldId="757"/>
             <ac:graphicFrameMk id="4" creationId="{00000000-0000-0000-0000-000000000000}"/>
+          </ac:graphicFrameMkLst>
+        </pc:graphicFrameChg>
+        <pc:graphicFrameChg chg="mod modGraphic">
+          <ac:chgData name="Gerth Stølting Brodal" userId="04ef4784-6591-4f86-a140-f5c3b108582a" providerId="ADAL" clId="{15029F8B-5CCF-492C-9B1F-3CA4A769668C}" dt="2023-04-24T10:16:25.310" v="869" actId="1076"/>
+          <ac:graphicFrameMkLst>
+            <pc:docMk/>
+            <pc:sldMk cId="1845448441" sldId="757"/>
+            <ac:graphicFrameMk id="5" creationId="{00000000-0000-0000-0000-000000000000}"/>
           </ac:graphicFrameMkLst>
         </pc:graphicFrameChg>
       </pc:sldChg>
@@ -6966,7 +6974,7 @@
           <p:nvPr>
             <p:extLst>
               <p:ext uri="{D42A27DB-BD31-4B8C-83A1-F6EECF244321}">
-                <p14:modId xmlns:p14="http://schemas.microsoft.com/office/powerpoint/2010/main" val="3005992948"/>
+                <p14:modId xmlns:p14="http://schemas.microsoft.com/office/powerpoint/2010/main" val="3760764443"/>
               </p:ext>
             </p:extLst>
           </p:nvPr>
@@ -7391,7 +7399,7 @@
                           <a:latin typeface="Courier New" panose="02070309020205020404" pitchFamily="49" charset="0"/>
                           <a:cs typeface="Courier New" panose="02070309020205020404" pitchFamily="49" charset="0"/>
                         </a:rPr>
-                        <a:t>Buy 10 gulerøder</a:t>
+                        <a:t>Buy 10 gulerødder</a:t>
                       </a:r>
                     </a:p>
                   </a:txBody>
@@ -7467,13 +7475,13 @@
           <p:nvPr>
             <p:extLst>
               <p:ext uri="{D42A27DB-BD31-4B8C-83A1-F6EECF244321}">
-                <p14:modId xmlns:p14="http://schemas.microsoft.com/office/powerpoint/2010/main" val="2896810598"/>
+                <p14:modId xmlns:p14="http://schemas.microsoft.com/office/powerpoint/2010/main" val="3582524272"/>
               </p:ext>
             </p:extLst>
           </p:nvPr>
         </p:nvGraphicFramePr>
         <p:xfrm>
-          <a:off x="9764957" y="2935504"/>
+          <a:off x="9668705" y="2935504"/>
           <a:ext cx="1957705" cy="1554480"/>
         </p:xfrm>
         <a:graphic>
@@ -7600,7 +7608,7 @@
                           <a:latin typeface="Courier New" panose="02070309020205020404" pitchFamily="49" charset="0"/>
                           <a:cs typeface="Courier New" panose="02070309020205020404" pitchFamily="49" charset="0"/>
                         </a:rPr>
-                        <a:t>gulerøder,10</a:t>
+                        <a:t>gulerødder,10</a:t>
                       </a:r>
                     </a:p>
                   </a:txBody>

--- a/ipsa/slides/text.pptx
+++ b/ipsa/slides/text.pptx
@@ -143,7 +143,7 @@
 <file path=ppt/revisionInfo.xml><?xml version="1.0" encoding="utf-8"?>
 <p1510:revInfo xmlns:a="http://schemas.openxmlformats.org/drawingml/2006/main" xmlns:r="http://schemas.openxmlformats.org/officeDocument/2006/relationships" xmlns:p1510="http://schemas.microsoft.com/office/powerpoint/2015/10/main">
   <p1510:revLst>
-    <p1510:client id="{15029F8B-5CCF-492C-9B1F-3CA4A769668C}" v="6" dt="2023-04-22T07:10:10.823"/>
+    <p1510:client id="{15029F8B-5CCF-492C-9B1F-3CA4A769668C}" v="9" dt="2023-04-26T10:49:03.163"/>
   </p1510:revLst>
 </p1510:revInfo>
 </file>
@@ -319,8 +319,8 @@
   </pc:docChgLst>
   <pc:docChgLst>
     <pc:chgData name="Gerth Stølting Brodal" userId="04ef4784-6591-4f86-a140-f5c3b108582a" providerId="ADAL" clId="{15029F8B-5CCF-492C-9B1F-3CA4A769668C}"/>
-    <pc:docChg chg="undo custSel modSld">
-      <pc:chgData name="Gerth Stølting Brodal" userId="04ef4784-6591-4f86-a140-f5c3b108582a" providerId="ADAL" clId="{15029F8B-5CCF-492C-9B1F-3CA4A769668C}" dt="2023-04-24T10:16:25.310" v="869" actId="1076"/>
+    <pc:docChg chg="undo redo custSel modSld">
+      <pc:chgData name="Gerth Stølting Brodal" userId="04ef4784-6591-4f86-a140-f5c3b108582a" providerId="ADAL" clId="{15029F8B-5CCF-492C-9B1F-3CA4A769668C}" dt="2023-04-26T10:49:19.971" v="1181" actId="207"/>
       <pc:docMkLst>
         <pc:docMk/>
       </pc:docMkLst>
@@ -384,6 +384,21 @@
           </ac:graphicFrameMkLst>
         </pc:graphicFrameChg>
       </pc:sldChg>
+      <pc:sldChg chg="modSp mod">
+        <pc:chgData name="Gerth Stølting Brodal" userId="04ef4784-6591-4f86-a140-f5c3b108582a" providerId="ADAL" clId="{15029F8B-5CCF-492C-9B1F-3CA4A769668C}" dt="2023-04-26T09:43:54.613" v="873" actId="20577"/>
+        <pc:sldMkLst>
+          <pc:docMk/>
+          <pc:sldMk cId="101745355" sldId="744"/>
+        </pc:sldMkLst>
+        <pc:graphicFrameChg chg="modGraphic">
+          <ac:chgData name="Gerth Stølting Brodal" userId="04ef4784-6591-4f86-a140-f5c3b108582a" providerId="ADAL" clId="{15029F8B-5CCF-492C-9B1F-3CA4A769668C}" dt="2023-04-26T09:43:54.613" v="873" actId="20577"/>
+          <ac:graphicFrameMkLst>
+            <pc:docMk/>
+            <pc:sldMk cId="101745355" sldId="744"/>
+            <ac:graphicFrameMk id="5" creationId="{00000000-0000-0000-0000-000000000000}"/>
+          </ac:graphicFrameMkLst>
+        </pc:graphicFrameChg>
+      </pc:sldChg>
       <pc:sldChg chg="modNotesTx">
         <pc:chgData name="Gerth Stølting Brodal" userId="04ef4784-6591-4f86-a140-f5c3b108582a" providerId="ADAL" clId="{15029F8B-5CCF-492C-9B1F-3CA4A769668C}" dt="2023-04-24T06:33:28.548" v="866" actId="6549"/>
         <pc:sldMkLst>
@@ -396,6 +411,28 @@
         <pc:sldMkLst>
           <pc:docMk/>
           <pc:sldMk cId="2568885646" sldId="746"/>
+        </pc:sldMkLst>
+      </pc:sldChg>
+      <pc:sldChg chg="modSp mod modNotesTx">
+        <pc:chgData name="Gerth Stølting Brodal" userId="04ef4784-6591-4f86-a140-f5c3b108582a" providerId="ADAL" clId="{15029F8B-5CCF-492C-9B1F-3CA4A769668C}" dt="2023-04-26T10:04:09.040" v="998" actId="20577"/>
+        <pc:sldMkLst>
+          <pc:docMk/>
+          <pc:sldMk cId="442516600" sldId="748"/>
+        </pc:sldMkLst>
+        <pc:graphicFrameChg chg="mod modGraphic">
+          <ac:chgData name="Gerth Stølting Brodal" userId="04ef4784-6591-4f86-a140-f5c3b108582a" providerId="ADAL" clId="{15029F8B-5CCF-492C-9B1F-3CA4A769668C}" dt="2023-04-26T10:03:47.105" v="928" actId="1036"/>
+          <ac:graphicFrameMkLst>
+            <pc:docMk/>
+            <pc:sldMk cId="442516600" sldId="748"/>
+            <ac:graphicFrameMk id="5" creationId="{00000000-0000-0000-0000-000000000000}"/>
+          </ac:graphicFrameMkLst>
+        </pc:graphicFrameChg>
+      </pc:sldChg>
+      <pc:sldChg chg="modNotesTx">
+        <pc:chgData name="Gerth Stølting Brodal" userId="04ef4784-6591-4f86-a140-f5c3b108582a" providerId="ADAL" clId="{15029F8B-5CCF-492C-9B1F-3CA4A769668C}" dt="2023-04-26T10:29:49.979" v="1139" actId="20577"/>
+        <pc:sldMkLst>
+          <pc:docMk/>
+          <pc:sldMk cId="1162371961" sldId="750"/>
         </pc:sldMkLst>
       </pc:sldChg>
       <pc:sldChg chg="modSp mod">
@@ -496,6 +533,21 @@
             <ac:picMk id="7" creationId="{00000000-0000-0000-0000-000000000000}"/>
           </ac:picMkLst>
         </pc:picChg>
+      </pc:sldChg>
+      <pc:sldChg chg="modSp mod">
+        <pc:chgData name="Gerth Stølting Brodal" userId="04ef4784-6591-4f86-a140-f5c3b108582a" providerId="ADAL" clId="{15029F8B-5CCF-492C-9B1F-3CA4A769668C}" dt="2023-04-26T10:49:19.971" v="1181" actId="207"/>
+        <pc:sldMkLst>
+          <pc:docMk/>
+          <pc:sldMk cId="4027195530" sldId="762"/>
+        </pc:sldMkLst>
+        <pc:graphicFrameChg chg="mod modGraphic">
+          <ac:chgData name="Gerth Stølting Brodal" userId="04ef4784-6591-4f86-a140-f5c3b108582a" providerId="ADAL" clId="{15029F8B-5CCF-492C-9B1F-3CA4A769668C}" dt="2023-04-26T10:49:19.971" v="1181" actId="207"/>
+          <ac:graphicFrameMkLst>
+            <pc:docMk/>
+            <pc:sldMk cId="4027195530" sldId="762"/>
+            <ac:graphicFrameMk id="4" creationId="{00000000-0000-0000-0000-000000000000}"/>
+          </ac:graphicFrameMkLst>
+        </pc:graphicFrameChg>
       </pc:sldChg>
     </pc:docChg>
   </pc:docChgLst>
@@ -660,7 +712,7 @@
           <a:p>
             <a:fld id="{FB1A172F-81D4-4DC4-9113-1DBD56EC3646}" type="datetimeFigureOut">
               <a:rPr lang="en-US" smtClean="0"/>
-              <a:t>4/24/2023</a:t>
+              <a:t>4/26/2023</a:t>
             </a:fld>
             <a:endParaRPr lang="en-US"/>
           </a:p>
@@ -1217,6 +1269,86 @@
               <a:rPr lang="da-DK" baseline="0" dirty="0"/>
               <a:t>[]”. </a:t>
             </a:r>
+          </a:p>
+          <a:p>
+            <a:r>
+              <a:rPr lang="da-DK" baseline="0" dirty="0"/>
+              <a:t>.</a:t>
+            </a:r>
+            <a:r>
+              <a:rPr lang="da-DK" baseline="0" dirty="0" err="1"/>
+              <a:t>attrib</a:t>
+            </a:r>
+            <a:r>
+              <a:rPr lang="da-DK" baseline="0" dirty="0"/>
+              <a:t> is a </a:t>
+            </a:r>
+            <a:r>
+              <a:rPr lang="da-DK" baseline="0" dirty="0" err="1"/>
+              <a:t>dictionary</a:t>
+            </a:r>
+            <a:r>
+              <a:rPr lang="da-DK" baseline="0" dirty="0"/>
+              <a:t> (type </a:t>
+            </a:r>
+            <a:r>
+              <a:rPr lang="da-DK" baseline="0" dirty="0" err="1"/>
+              <a:t>dict</a:t>
+            </a:r>
+            <a:r>
+              <a:rPr lang="da-DK" baseline="0" dirty="0"/>
+              <a:t>)</a:t>
+            </a:r>
+          </a:p>
+          <a:p>
+            <a:r>
+              <a:rPr lang="da-DK" baseline="0" dirty="0"/>
+              <a:t>.</a:t>
+            </a:r>
+            <a:r>
+              <a:rPr lang="da-DK" baseline="0" dirty="0" err="1"/>
+              <a:t>get</a:t>
+            </a:r>
+            <a:r>
+              <a:rPr lang="da-DK" baseline="0" dirty="0"/>
+              <a:t> returns default </a:t>
+            </a:r>
+            <a:r>
+              <a:rPr lang="da-DK" baseline="0" dirty="0" err="1"/>
+              <a:t>value</a:t>
+            </a:r>
+            <a:r>
+              <a:rPr lang="da-DK" baseline="0" dirty="0"/>
+              <a:t> (None) </a:t>
+            </a:r>
+            <a:r>
+              <a:rPr lang="da-DK" baseline="0" dirty="0" err="1"/>
+              <a:t>if</a:t>
+            </a:r>
+            <a:r>
+              <a:rPr lang="da-DK" baseline="0" dirty="0"/>
+              <a:t> </a:t>
+            </a:r>
+            <a:r>
+              <a:rPr lang="da-DK" baseline="0" dirty="0" err="1"/>
+              <a:t>attribute</a:t>
+            </a:r>
+            <a:r>
+              <a:rPr lang="da-DK" baseline="0" dirty="0"/>
+              <a:t> </a:t>
+            </a:r>
+            <a:r>
+              <a:rPr lang="da-DK" baseline="0" dirty="0" err="1"/>
+              <a:t>does</a:t>
+            </a:r>
+            <a:r>
+              <a:rPr lang="da-DK" baseline="0" dirty="0"/>
+              <a:t> not </a:t>
+            </a:r>
+            <a:r>
+              <a:rPr lang="da-DK" baseline="0" dirty="0" err="1"/>
+              <a:t>exist</a:t>
+            </a:r>
             <a:endParaRPr lang="en-US" dirty="0"/>
           </a:p>
         </p:txBody>
@@ -1703,67 +1835,8 @@
           <a:lstStyle/>
           <a:p>
             <a:r>
-              <a:rPr lang="da-DK" dirty="0" err="1"/>
-              <a:t>raw</a:t>
-            </a:r>
-            <a:r>
-              <a:rPr lang="da-DK" dirty="0"/>
-              <a:t> </a:t>
-            </a:r>
-            <a:r>
-              <a:rPr lang="da-DK" dirty="0" err="1"/>
-              <a:t>string</a:t>
-            </a:r>
-            <a:r>
-              <a:rPr lang="da-DK" baseline="0" dirty="0"/>
-              <a:t> </a:t>
-            </a:r>
-            <a:r>
-              <a:rPr lang="da-DK" baseline="0" dirty="0" err="1"/>
-              <a:t>literals</a:t>
-            </a:r>
-            <a:r>
-              <a:rPr lang="da-DK" baseline="0" dirty="0"/>
-              <a:t> do not </a:t>
-            </a:r>
-            <a:r>
-              <a:rPr lang="da-DK" baseline="0" dirty="0" err="1"/>
-              <a:t>need</a:t>
-            </a:r>
-            <a:r>
-              <a:rPr lang="da-DK" baseline="0" dirty="0"/>
-              <a:t> to </a:t>
-            </a:r>
-            <a:r>
-              <a:rPr lang="da-DK" baseline="0" dirty="0" err="1"/>
-              <a:t>escape</a:t>
-            </a:r>
-            <a:r>
-              <a:rPr lang="da-DK" baseline="0" dirty="0"/>
-              <a:t> \ to </a:t>
-            </a:r>
-            <a:r>
-              <a:rPr lang="da-DK" baseline="0" dirty="0" err="1"/>
-              <a:t>get</a:t>
-            </a:r>
-            <a:r>
-              <a:rPr lang="da-DK" baseline="0" dirty="0"/>
-              <a:t> a \</a:t>
-            </a:r>
-          </a:p>
-          <a:p>
-            <a:endParaRPr lang="da-DK" baseline="0" dirty="0"/>
-          </a:p>
-          <a:p>
-            <a:r>
               <a:rPr lang="en-US" dirty="0"/>
-              <a:t>&gt; '\s\n', r'\s\n'</a:t>
-            </a:r>
-          </a:p>
-          <a:p>
-            <a:r>
-              <a:rPr lang="en-US" dirty="0"/>
-              <a:t>('\\s\n', '\\s\\n’)</a:t>
+              <a:t>Example: find substring that is part of word (i.e. letters before and after)</a:t>
             </a:r>
           </a:p>
           <a:p>
@@ -1771,29 +1844,14 @@
           </a:p>
           <a:p>
             <a:r>
-              <a:rPr lang="en-US" b="1" dirty="0" err="1"/>
-              <a:t>re.search</a:t>
-            </a:r>
-            <a:r>
-              <a:rPr lang="en-US" b="1" dirty="0"/>
-              <a:t>(substring, text) can be faster than </a:t>
-            </a:r>
-            <a:r>
-              <a:rPr lang="en-US" b="1" dirty="0" err="1"/>
-              <a:t>text.find</a:t>
-            </a:r>
-            <a:r>
-              <a:rPr lang="en-US" b="1" dirty="0"/>
-              <a:t>(substring) on very </a:t>
-            </a:r>
-            <a:r>
-              <a:rPr lang="en-US" b="1"/>
-              <a:t>long strings since </a:t>
-            </a:r>
-            <a:r>
-              <a:rPr lang="en-US" b="1" dirty="0"/>
-              <a:t>.find has worst-case time O( |string| * |substring|), whereas re is automata based.</a:t>
-            </a:r>
+              <a:rPr lang="en-US" dirty="0"/>
+              <a:t>Regular expressions e.g. also supported </a:t>
+            </a:r>
+            <a:r>
+              <a:rPr lang="en-US"/>
+              <a:t>by overleaf</a:t>
+            </a:r>
+            <a:endParaRPr lang="da-DK" dirty="0"/>
           </a:p>
         </p:txBody>
       </p:sp>
@@ -1804,7 +1862,7 @@
             <a:spLocks noGrp="1"/>
           </p:cNvSpPr>
           <p:nvPr>
-            <p:ph type="sldNum" sz="quarter" idx="10"/>
+            <p:ph type="sldNum" sz="quarter" idx="5"/>
           </p:nvPr>
         </p:nvSpPr>
         <p:spPr/>
@@ -1814,7 +1872,7 @@
           <a:p>
             <a:fld id="{CD563DD8-32AB-41BE-B1C6-8EAC45222ACE}" type="slidenum">
               <a:rPr lang="en-US" smtClean="0"/>
-              <a:t>20</a:t>
+              <a:t>19</a:t>
             </a:fld>
             <a:endParaRPr lang="en-US"/>
           </a:p>
@@ -1823,7 +1881,7 @@
     </p:spTree>
     <p:extLst>
       <p:ext uri="{BB962C8B-B14F-4D97-AF65-F5344CB8AC3E}">
-        <p14:creationId xmlns:p14="http://schemas.microsoft.com/office/powerpoint/2010/main" val="3089971782"/>
+        <p14:creationId xmlns:p14="http://schemas.microsoft.com/office/powerpoint/2010/main" val="1636571729"/>
       </p:ext>
     </p:extLst>
   </p:cSld>
@@ -1878,55 +1936,67 @@
           <a:lstStyle/>
           <a:p>
             <a:r>
-              <a:rPr lang="en-US" dirty="0"/>
-              <a:t>Regular expression substitution is useful when </a:t>
-            </a:r>
-            <a:r>
-              <a:rPr lang="en-US" dirty="0" err="1"/>
-              <a:t>str.replace</a:t>
-            </a:r>
-            <a:r>
-              <a:rPr lang="en-US" dirty="0"/>
-              <a:t> is to restricted</a:t>
+              <a:rPr lang="da-DK" dirty="0" err="1"/>
+              <a:t>raw</a:t>
+            </a:r>
+            <a:r>
+              <a:rPr lang="da-DK" dirty="0"/>
+              <a:t> </a:t>
+            </a:r>
+            <a:r>
+              <a:rPr lang="da-DK" dirty="0" err="1"/>
+              <a:t>string</a:t>
+            </a:r>
+            <a:r>
+              <a:rPr lang="da-DK" baseline="0" dirty="0"/>
+              <a:t> </a:t>
+            </a:r>
+            <a:r>
+              <a:rPr lang="da-DK" baseline="0" dirty="0" err="1"/>
+              <a:t>literals</a:t>
+            </a:r>
+            <a:r>
+              <a:rPr lang="da-DK" baseline="0" dirty="0"/>
+              <a:t> do not </a:t>
+            </a:r>
+            <a:r>
+              <a:rPr lang="da-DK" baseline="0" dirty="0" err="1"/>
+              <a:t>need</a:t>
+            </a:r>
+            <a:r>
+              <a:rPr lang="da-DK" baseline="0" dirty="0"/>
+              <a:t> to </a:t>
+            </a:r>
+            <a:r>
+              <a:rPr lang="da-DK" baseline="0" dirty="0" err="1"/>
+              <a:t>escape</a:t>
+            </a:r>
+            <a:r>
+              <a:rPr lang="da-DK" baseline="0" dirty="0"/>
+              <a:t> \ to </a:t>
+            </a:r>
+            <a:r>
+              <a:rPr lang="da-DK" baseline="0" dirty="0" err="1"/>
+              <a:t>get</a:t>
+            </a:r>
+            <a:r>
+              <a:rPr lang="da-DK" baseline="0" dirty="0"/>
+              <a:t> a \</a:t>
             </a:r>
           </a:p>
           <a:p>
-            <a:pPr marL="0" marR="0" lvl="0" indent="0" algn="l" defTabSz="914400" rtl="0" eaLnBrk="1" fontAlgn="auto" latinLnBrk="0" hangingPunct="1">
-              <a:lnSpc>
-                <a:spcPct val="100000"/>
-              </a:lnSpc>
-              <a:spcBef>
-                <a:spcPts val="0"/>
-              </a:spcBef>
-              <a:spcAft>
-                <a:spcPts val="0"/>
-              </a:spcAft>
-              <a:buClrTx/>
-              <a:buSzTx/>
-              <a:buFontTx/>
-              <a:buNone/>
-              <a:tabLst/>
-              <a:defRPr/>
-            </a:pPr>
+            <a:endParaRPr lang="da-DK" baseline="0" dirty="0"/>
+          </a:p>
+          <a:p>
             <a:r>
               <a:rPr lang="en-US" dirty="0"/>
-              <a:t>'</a:t>
-            </a:r>
-            <a:r>
-              <a:rPr lang="en-US" dirty="0" err="1"/>
-              <a:t>abcd</a:t>
-            </a:r>
+              <a:t>&gt; '\s\n', r'\s\n'</a:t>
+            </a:r>
+          </a:p>
+          <a:p>
             <a:r>
               <a:rPr lang="en-US" dirty="0"/>
-              <a:t>'.replace('</a:t>
-            </a:r>
-            <a:r>
-              <a:rPr lang="en-US" dirty="0" err="1"/>
-              <a:t>bc</a:t>
-            </a:r>
-            <a:r>
-              <a:rPr lang="en-US" dirty="0"/>
-              <a:t>', 'BC')</a:t>
+              <a:t>('\\s\n', '\\s\\n’)</a:t>
             </a:r>
           </a:p>
           <a:p>
@@ -1934,22 +2004,29 @@
           </a:p>
           <a:p>
             <a:r>
-              <a:rPr lang="en-US" dirty="0" err="1"/>
-              <a:t>re.sub</a:t>
-            </a:r>
-            <a:r>
-              <a:rPr lang="en-US" dirty="0"/>
-              <a:t> can take a </a:t>
-            </a:r>
-            <a:r>
-              <a:rPr lang="en-US" i="1" dirty="0"/>
-              <a:t>callable</a:t>
-            </a:r>
-            <a:r>
-              <a:rPr lang="en-US" dirty="0"/>
-              <a:t> as the replace argument</a:t>
-            </a:r>
-            <a:endParaRPr lang="da-DK" dirty="0"/>
+              <a:rPr lang="en-US" b="1" dirty="0" err="1"/>
+              <a:t>re.search</a:t>
+            </a:r>
+            <a:r>
+              <a:rPr lang="en-US" b="1" dirty="0"/>
+              <a:t>(substring, text) can be faster than </a:t>
+            </a:r>
+            <a:r>
+              <a:rPr lang="en-US" b="1" dirty="0" err="1"/>
+              <a:t>text.find</a:t>
+            </a:r>
+            <a:r>
+              <a:rPr lang="en-US" b="1" dirty="0"/>
+              <a:t>(substring) on very </a:t>
+            </a:r>
+            <a:r>
+              <a:rPr lang="en-US" b="1"/>
+              <a:t>long strings since </a:t>
+            </a:r>
+            <a:r>
+              <a:rPr lang="en-US" b="1" dirty="0"/>
+              <a:t>.find has worst-case time O( |string| * |substring|), whereas re is automata based.</a:t>
+            </a:r>
           </a:p>
         </p:txBody>
       </p:sp>
@@ -1960,7 +2037,7 @@
             <a:spLocks noGrp="1"/>
           </p:cNvSpPr>
           <p:nvPr>
-            <p:ph type="sldNum" sz="quarter" idx="5"/>
+            <p:ph type="sldNum" sz="quarter" idx="10"/>
           </p:nvPr>
         </p:nvSpPr>
         <p:spPr/>
@@ -1970,7 +2047,7 @@
           <a:p>
             <a:fld id="{CD563DD8-32AB-41BE-B1C6-8EAC45222ACE}" type="slidenum">
               <a:rPr lang="en-US" smtClean="0"/>
-              <a:t>21</a:t>
+              <a:t>20</a:t>
             </a:fld>
             <a:endParaRPr lang="en-US"/>
           </a:p>
@@ -1979,7 +2056,7 @@
     </p:spTree>
     <p:extLst>
       <p:ext uri="{BB962C8B-B14F-4D97-AF65-F5344CB8AC3E}">
-        <p14:creationId xmlns:p14="http://schemas.microsoft.com/office/powerpoint/2010/main" val="3479860233"/>
+        <p14:creationId xmlns:p14="http://schemas.microsoft.com/office/powerpoint/2010/main" val="3089971782"/>
       </p:ext>
     </p:extLst>
   </p:cSld>
@@ -2034,6 +2111,162 @@
           <a:lstStyle/>
           <a:p>
             <a:r>
+              <a:rPr lang="en-US" dirty="0"/>
+              <a:t>Regular expression substitution is useful when </a:t>
+            </a:r>
+            <a:r>
+              <a:rPr lang="en-US" dirty="0" err="1"/>
+              <a:t>str.replace</a:t>
+            </a:r>
+            <a:r>
+              <a:rPr lang="en-US" dirty="0"/>
+              <a:t> is to restricted</a:t>
+            </a:r>
+          </a:p>
+          <a:p>
+            <a:pPr marL="0" marR="0" lvl="0" indent="0" algn="l" defTabSz="914400" rtl="0" eaLnBrk="1" fontAlgn="auto" latinLnBrk="0" hangingPunct="1">
+              <a:lnSpc>
+                <a:spcPct val="100000"/>
+              </a:lnSpc>
+              <a:spcBef>
+                <a:spcPts val="0"/>
+              </a:spcBef>
+              <a:spcAft>
+                <a:spcPts val="0"/>
+              </a:spcAft>
+              <a:buClrTx/>
+              <a:buSzTx/>
+              <a:buFontTx/>
+              <a:buNone/>
+              <a:tabLst/>
+              <a:defRPr/>
+            </a:pPr>
+            <a:r>
+              <a:rPr lang="en-US" dirty="0"/>
+              <a:t>'</a:t>
+            </a:r>
+            <a:r>
+              <a:rPr lang="en-US" dirty="0" err="1"/>
+              <a:t>abcd</a:t>
+            </a:r>
+            <a:r>
+              <a:rPr lang="en-US" dirty="0"/>
+              <a:t>'.replace('</a:t>
+            </a:r>
+            <a:r>
+              <a:rPr lang="en-US" dirty="0" err="1"/>
+              <a:t>bc</a:t>
+            </a:r>
+            <a:r>
+              <a:rPr lang="en-US" dirty="0"/>
+              <a:t>', 'BC')</a:t>
+            </a:r>
+          </a:p>
+          <a:p>
+            <a:endParaRPr lang="en-US" dirty="0"/>
+          </a:p>
+          <a:p>
+            <a:r>
+              <a:rPr lang="en-US" dirty="0" err="1"/>
+              <a:t>re.sub</a:t>
+            </a:r>
+            <a:r>
+              <a:rPr lang="en-US" dirty="0"/>
+              <a:t> can take a </a:t>
+            </a:r>
+            <a:r>
+              <a:rPr lang="en-US" i="1" dirty="0"/>
+              <a:t>callable</a:t>
+            </a:r>
+            <a:r>
+              <a:rPr lang="en-US" dirty="0"/>
+              <a:t> as the replace argument</a:t>
+            </a:r>
+            <a:endParaRPr lang="da-DK" dirty="0"/>
+          </a:p>
+        </p:txBody>
+      </p:sp>
+      <p:sp>
+        <p:nvSpPr>
+          <p:cNvPr id="4" name="Slide Number Placeholder 3"/>
+          <p:cNvSpPr>
+            <a:spLocks noGrp="1"/>
+          </p:cNvSpPr>
+          <p:nvPr>
+            <p:ph type="sldNum" sz="quarter" idx="5"/>
+          </p:nvPr>
+        </p:nvSpPr>
+        <p:spPr/>
+        <p:txBody>
+          <a:bodyPr/>
+          <a:lstStyle/>
+          <a:p>
+            <a:fld id="{CD563DD8-32AB-41BE-B1C6-8EAC45222ACE}" type="slidenum">
+              <a:rPr lang="en-US" smtClean="0"/>
+              <a:t>21</a:t>
+            </a:fld>
+            <a:endParaRPr lang="en-US"/>
+          </a:p>
+        </p:txBody>
+      </p:sp>
+    </p:spTree>
+    <p:extLst>
+      <p:ext uri="{BB962C8B-B14F-4D97-AF65-F5344CB8AC3E}">
+        <p14:creationId xmlns:p14="http://schemas.microsoft.com/office/powerpoint/2010/main" val="3479860233"/>
+      </p:ext>
+    </p:extLst>
+  </p:cSld>
+  <p:clrMapOvr>
+    <a:masterClrMapping/>
+  </p:clrMapOvr>
+</p:notes>
+</file>
+
+<file path=ppt/notesSlides/notesSlide17.xml><?xml version="1.0" encoding="utf-8"?>
+<p:notes xmlns:a="http://schemas.openxmlformats.org/drawingml/2006/main" xmlns:r="http://schemas.openxmlformats.org/officeDocument/2006/relationships" xmlns:p="http://schemas.openxmlformats.org/presentationml/2006/main">
+  <p:cSld>
+    <p:spTree>
+      <p:nvGrpSpPr>
+        <p:cNvPr id="1" name=""/>
+        <p:cNvGrpSpPr/>
+        <p:nvPr/>
+      </p:nvGrpSpPr>
+      <p:grpSpPr>
+        <a:xfrm>
+          <a:off x="0" y="0"/>
+          <a:ext cx="0" cy="0"/>
+          <a:chOff x="0" y="0"/>
+          <a:chExt cx="0" cy="0"/>
+        </a:xfrm>
+      </p:grpSpPr>
+      <p:sp>
+        <p:nvSpPr>
+          <p:cNvPr id="2" name="Slide Image Placeholder 1"/>
+          <p:cNvSpPr>
+            <a:spLocks noGrp="1" noRot="1" noChangeAspect="1"/>
+          </p:cNvSpPr>
+          <p:nvPr>
+            <p:ph type="sldImg"/>
+          </p:nvPr>
+        </p:nvSpPr>
+        <p:spPr/>
+      </p:sp>
+      <p:sp>
+        <p:nvSpPr>
+          <p:cNvPr id="3" name="Notes Placeholder 2"/>
+          <p:cNvSpPr>
+            <a:spLocks noGrp="1"/>
+          </p:cNvSpPr>
+          <p:nvPr>
+            <p:ph type="body" idx="1"/>
+          </p:nvPr>
+        </p:nvSpPr>
+        <p:spPr/>
+        <p:txBody>
+          <a:bodyPr/>
+          <a:lstStyle/>
+          <a:p>
+            <a:r>
               <a:rPr lang="da-DK" dirty="0" err="1"/>
               <a:t>Many</a:t>
             </a:r>
@@ -2213,7 +2446,7 @@
 </p:notes>
 </file>
 
-<file path=ppt/notesSlides/notesSlide17.xml><?xml version="1.0" encoding="utf-8"?>
+<file path=ppt/notesSlides/notesSlide18.xml><?xml version="1.0" encoding="utf-8"?>
 <p:notes xmlns:a="http://schemas.openxmlformats.org/drawingml/2006/main" xmlns:r="http://schemas.openxmlformats.org/officeDocument/2006/relationships" xmlns:p="http://schemas.openxmlformats.org/presentationml/2006/main">
   <p:cSld>
     <p:spTree>
@@ -2297,7 +2530,7 @@
 </p:notes>
 </file>
 
-<file path=ppt/notesSlides/notesSlide18.xml><?xml version="1.0" encoding="utf-8"?>
+<file path=ppt/notesSlides/notesSlide19.xml><?xml version="1.0" encoding="utf-8"?>
 <p:notes xmlns:a="http://schemas.openxmlformats.org/drawingml/2006/main" xmlns:r="http://schemas.openxmlformats.org/officeDocument/2006/relationships" xmlns:p="http://schemas.openxmlformats.org/presentationml/2006/main">
   <p:cSld>
     <p:spTree>
@@ -2381,98 +2614,6 @@
 </p:notes>
 </file>
 
-<file path=ppt/notesSlides/notesSlide19.xml><?xml version="1.0" encoding="utf-8"?>
-<p:notes xmlns:a="http://schemas.openxmlformats.org/drawingml/2006/main" xmlns:r="http://schemas.openxmlformats.org/officeDocument/2006/relationships" xmlns:p="http://schemas.openxmlformats.org/presentationml/2006/main">
-  <p:cSld>
-    <p:spTree>
-      <p:nvGrpSpPr>
-        <p:cNvPr id="1" name=""/>
-        <p:cNvGrpSpPr/>
-        <p:nvPr/>
-      </p:nvGrpSpPr>
-      <p:grpSpPr>
-        <a:xfrm>
-          <a:off x="0" y="0"/>
-          <a:ext cx="0" cy="0"/>
-          <a:chOff x="0" y="0"/>
-          <a:chExt cx="0" cy="0"/>
-        </a:xfrm>
-      </p:grpSpPr>
-      <p:sp>
-        <p:nvSpPr>
-          <p:cNvPr id="2" name="Slide Image Placeholder 1"/>
-          <p:cNvSpPr>
-            <a:spLocks noGrp="1" noRot="1" noChangeAspect="1"/>
-          </p:cNvSpPr>
-          <p:nvPr>
-            <p:ph type="sldImg"/>
-          </p:nvPr>
-        </p:nvSpPr>
-        <p:spPr/>
-      </p:sp>
-      <p:sp>
-        <p:nvSpPr>
-          <p:cNvPr id="3" name="Notes Placeholder 2"/>
-          <p:cNvSpPr>
-            <a:spLocks noGrp="1"/>
-          </p:cNvSpPr>
-          <p:nvPr>
-            <p:ph type="body" idx="1"/>
-          </p:nvPr>
-        </p:nvSpPr>
-        <p:spPr/>
-        <p:txBody>
-          <a:bodyPr/>
-          <a:lstStyle/>
-          <a:p>
-            <a:r>
-              <a:rPr lang="en-US" dirty="0"/>
-              <a:t>For</a:t>
-            </a:r>
-            <a:r>
-              <a:rPr lang="en-US" baseline="0" dirty="0"/>
-              <a:t> “Tree” each “[“ starts a new path with a new color...</a:t>
-            </a:r>
-            <a:endParaRPr lang="en-US" dirty="0"/>
-          </a:p>
-        </p:txBody>
-      </p:sp>
-      <p:sp>
-        <p:nvSpPr>
-          <p:cNvPr id="4" name="Slide Number Placeholder 3"/>
-          <p:cNvSpPr>
-            <a:spLocks noGrp="1"/>
-          </p:cNvSpPr>
-          <p:nvPr>
-            <p:ph type="sldNum" sz="quarter" idx="10"/>
-          </p:nvPr>
-        </p:nvSpPr>
-        <p:spPr/>
-        <p:txBody>
-          <a:bodyPr/>
-          <a:lstStyle/>
-          <a:p>
-            <a:fld id="{CD563DD8-32AB-41BE-B1C6-8EAC45222ACE}" type="slidenum">
-              <a:rPr lang="en-US" smtClean="0"/>
-              <a:t>25</a:t>
-            </a:fld>
-            <a:endParaRPr lang="en-US"/>
-          </a:p>
-        </p:txBody>
-      </p:sp>
-    </p:spTree>
-    <p:extLst>
-      <p:ext uri="{BB962C8B-B14F-4D97-AF65-F5344CB8AC3E}">
-        <p14:creationId xmlns:p14="http://schemas.microsoft.com/office/powerpoint/2010/main" val="2522240692"/>
-      </p:ext>
-    </p:extLst>
-  </p:cSld>
-  <p:clrMapOvr>
-    <a:masterClrMapping/>
-  </p:clrMapOvr>
-</p:notes>
-</file>
-
 <file path=ppt/notesSlides/notesSlide2.xml><?xml version="1.0" encoding="utf-8"?>
 <p:notes xmlns:a="http://schemas.openxmlformats.org/drawingml/2006/main" xmlns:r="http://schemas.openxmlformats.org/officeDocument/2006/relationships" xmlns:p="http://schemas.openxmlformats.org/presentationml/2006/main">
   <p:cSld>
@@ -2599,6 +2740,98 @@
     <p:extLst>
       <p:ext uri="{BB962C8B-B14F-4D97-AF65-F5344CB8AC3E}">
         <p14:creationId xmlns:p14="http://schemas.microsoft.com/office/powerpoint/2010/main" val="3670425801"/>
+      </p:ext>
+    </p:extLst>
+  </p:cSld>
+  <p:clrMapOvr>
+    <a:masterClrMapping/>
+  </p:clrMapOvr>
+</p:notes>
+</file>
+
+<file path=ppt/notesSlides/notesSlide20.xml><?xml version="1.0" encoding="utf-8"?>
+<p:notes xmlns:a="http://schemas.openxmlformats.org/drawingml/2006/main" xmlns:r="http://schemas.openxmlformats.org/officeDocument/2006/relationships" xmlns:p="http://schemas.openxmlformats.org/presentationml/2006/main">
+  <p:cSld>
+    <p:spTree>
+      <p:nvGrpSpPr>
+        <p:cNvPr id="1" name=""/>
+        <p:cNvGrpSpPr/>
+        <p:nvPr/>
+      </p:nvGrpSpPr>
+      <p:grpSpPr>
+        <a:xfrm>
+          <a:off x="0" y="0"/>
+          <a:ext cx="0" cy="0"/>
+          <a:chOff x="0" y="0"/>
+          <a:chExt cx="0" cy="0"/>
+        </a:xfrm>
+      </p:grpSpPr>
+      <p:sp>
+        <p:nvSpPr>
+          <p:cNvPr id="2" name="Slide Image Placeholder 1"/>
+          <p:cNvSpPr>
+            <a:spLocks noGrp="1" noRot="1" noChangeAspect="1"/>
+          </p:cNvSpPr>
+          <p:nvPr>
+            <p:ph type="sldImg"/>
+          </p:nvPr>
+        </p:nvSpPr>
+        <p:spPr/>
+      </p:sp>
+      <p:sp>
+        <p:nvSpPr>
+          <p:cNvPr id="3" name="Notes Placeholder 2"/>
+          <p:cNvSpPr>
+            <a:spLocks noGrp="1"/>
+          </p:cNvSpPr>
+          <p:nvPr>
+            <p:ph type="body" idx="1"/>
+          </p:nvPr>
+        </p:nvSpPr>
+        <p:spPr/>
+        <p:txBody>
+          <a:bodyPr/>
+          <a:lstStyle/>
+          <a:p>
+            <a:r>
+              <a:rPr lang="en-US" dirty="0"/>
+              <a:t>For</a:t>
+            </a:r>
+            <a:r>
+              <a:rPr lang="en-US" baseline="0" dirty="0"/>
+              <a:t> “Tree” each “[“ starts a new path with a new color...</a:t>
+            </a:r>
+            <a:endParaRPr lang="en-US" dirty="0"/>
+          </a:p>
+        </p:txBody>
+      </p:sp>
+      <p:sp>
+        <p:nvSpPr>
+          <p:cNvPr id="4" name="Slide Number Placeholder 3"/>
+          <p:cNvSpPr>
+            <a:spLocks noGrp="1"/>
+          </p:cNvSpPr>
+          <p:nvPr>
+            <p:ph type="sldNum" sz="quarter" idx="10"/>
+          </p:nvPr>
+        </p:nvSpPr>
+        <p:spPr/>
+        <p:txBody>
+          <a:bodyPr/>
+          <a:lstStyle/>
+          <a:p>
+            <a:fld id="{CD563DD8-32AB-41BE-B1C6-8EAC45222ACE}" type="slidenum">
+              <a:rPr lang="en-US" smtClean="0"/>
+              <a:t>25</a:t>
+            </a:fld>
+            <a:endParaRPr lang="en-US"/>
+          </a:p>
+        </p:txBody>
+      </p:sp>
+    </p:spTree>
+    <p:extLst>
+      <p:ext uri="{BB962C8B-B14F-4D97-AF65-F5344CB8AC3E}">
+        <p14:creationId xmlns:p14="http://schemas.microsoft.com/office/powerpoint/2010/main" val="2522240692"/>
       </p:ext>
     </p:extLst>
   </p:cSld>
@@ -4076,7 +4309,7 @@
           <a:p>
             <a:fld id="{0560A9CD-0304-4E0B-9E82-E7E0115DE05B}" type="datetimeFigureOut">
               <a:rPr lang="en-US" smtClean="0"/>
-              <a:t>4/24/2023</a:t>
+              <a:t>4/26/2023</a:t>
             </a:fld>
             <a:endParaRPr lang="en-US"/>
           </a:p>
@@ -4244,7 +4477,7 @@
           <a:p>
             <a:fld id="{0560A9CD-0304-4E0B-9E82-E7E0115DE05B}" type="datetimeFigureOut">
               <a:rPr lang="en-US" smtClean="0"/>
-              <a:t>4/24/2023</a:t>
+              <a:t>4/26/2023</a:t>
             </a:fld>
             <a:endParaRPr lang="en-US"/>
           </a:p>
@@ -4422,7 +4655,7 @@
           <a:p>
             <a:fld id="{0560A9CD-0304-4E0B-9E82-E7E0115DE05B}" type="datetimeFigureOut">
               <a:rPr lang="en-US" smtClean="0"/>
-              <a:t>4/24/2023</a:t>
+              <a:t>4/26/2023</a:t>
             </a:fld>
             <a:endParaRPr lang="en-US"/>
           </a:p>
@@ -4605,7 +4838,7 @@
           <a:p>
             <a:fld id="{0560A9CD-0304-4E0B-9E82-E7E0115DE05B}" type="datetimeFigureOut">
               <a:rPr lang="en-US" smtClean="0"/>
-              <a:t>4/24/2023</a:t>
+              <a:t>4/26/2023</a:t>
             </a:fld>
             <a:endParaRPr lang="en-US"/>
           </a:p>
@@ -4850,7 +5083,7 @@
           <a:p>
             <a:fld id="{0560A9CD-0304-4E0B-9E82-E7E0115DE05B}" type="datetimeFigureOut">
               <a:rPr lang="en-US" smtClean="0"/>
-              <a:t>4/24/2023</a:t>
+              <a:t>4/26/2023</a:t>
             </a:fld>
             <a:endParaRPr lang="en-US"/>
           </a:p>
@@ -5079,7 +5312,7 @@
           <a:p>
             <a:fld id="{0560A9CD-0304-4E0B-9E82-E7E0115DE05B}" type="datetimeFigureOut">
               <a:rPr lang="en-US" smtClean="0"/>
-              <a:t>4/24/2023</a:t>
+              <a:t>4/26/2023</a:t>
             </a:fld>
             <a:endParaRPr lang="en-US"/>
           </a:p>
@@ -5443,7 +5676,7 @@
           <a:p>
             <a:fld id="{0560A9CD-0304-4E0B-9E82-E7E0115DE05B}" type="datetimeFigureOut">
               <a:rPr lang="en-US" smtClean="0"/>
-              <a:t>4/24/2023</a:t>
+              <a:t>4/26/2023</a:t>
             </a:fld>
             <a:endParaRPr lang="en-US"/>
           </a:p>
@@ -5560,7 +5793,7 @@
           <a:p>
             <a:fld id="{0560A9CD-0304-4E0B-9E82-E7E0115DE05B}" type="datetimeFigureOut">
               <a:rPr lang="en-US" smtClean="0"/>
-              <a:t>4/24/2023</a:t>
+              <a:t>4/26/2023</a:t>
             </a:fld>
             <a:endParaRPr lang="en-US"/>
           </a:p>
@@ -5655,7 +5888,7 @@
           <a:p>
             <a:fld id="{0560A9CD-0304-4E0B-9E82-E7E0115DE05B}" type="datetimeFigureOut">
               <a:rPr lang="en-US" smtClean="0"/>
-              <a:t>4/24/2023</a:t>
+              <a:t>4/26/2023</a:t>
             </a:fld>
             <a:endParaRPr lang="en-US"/>
           </a:p>
@@ -5930,7 +6163,7 @@
           <a:p>
             <a:fld id="{0560A9CD-0304-4E0B-9E82-E7E0115DE05B}" type="datetimeFigureOut">
               <a:rPr lang="en-US" smtClean="0"/>
-              <a:t>4/24/2023</a:t>
+              <a:t>4/26/2023</a:t>
             </a:fld>
             <a:endParaRPr lang="en-US"/>
           </a:p>
@@ -6182,7 +6415,7 @@
           <a:p>
             <a:fld id="{0560A9CD-0304-4E0B-9E82-E7E0115DE05B}" type="datetimeFigureOut">
               <a:rPr lang="en-US" smtClean="0"/>
-              <a:t>4/24/2023</a:t>
+              <a:t>4/26/2023</a:t>
             </a:fld>
             <a:endParaRPr lang="en-US"/>
           </a:p>
@@ -6393,7 +6626,7 @@
           <a:p>
             <a:fld id="{0560A9CD-0304-4E0B-9E82-E7E0115DE05B}" type="datetimeFigureOut">
               <a:rPr lang="en-US" smtClean="0"/>
-              <a:t>4/24/2023</a:t>
+              <a:t>4/26/2023</a:t>
             </a:fld>
             <a:endParaRPr lang="en-US"/>
           </a:p>
@@ -8306,7 +8539,7 @@
           <p:nvPr>
             <p:extLst>
               <p:ext uri="{D42A27DB-BD31-4B8C-83A1-F6EECF244321}">
-                <p14:modId xmlns:p14="http://schemas.microsoft.com/office/powerpoint/2010/main" val="3117860513"/>
+                <p14:modId xmlns:p14="http://schemas.microsoft.com/office/powerpoint/2010/main" val="2716852157"/>
               </p:ext>
             </p:extLst>
           </p:nvPr>
@@ -8444,7 +8677,7 @@
                           <a:latin typeface="Courier New" panose="02070309020205020404" pitchFamily="49" charset="0"/>
                           <a:cs typeface="Courier New" panose="02070309020205020404" pitchFamily="49" charset="0"/>
                         </a:rPr>
-                        <a:t>data = ((None, True), (42.7, (42,)), [3,2,4], (5,6,7),</a:t>
+                        <a:t>data = ((None, True), (42.7, (42,)), [3, 2, 4], (5, 6, 7),</a:t>
                       </a:r>
                     </a:p>
                     <a:p>
@@ -12556,7 +12789,7 @@
           <p:nvPr>
             <p:extLst>
               <p:ext uri="{D42A27DB-BD31-4B8C-83A1-F6EECF244321}">
-                <p14:modId xmlns:p14="http://schemas.microsoft.com/office/powerpoint/2010/main" val="3138498030"/>
+                <p14:modId xmlns:p14="http://schemas.microsoft.com/office/powerpoint/2010/main" val="691826620"/>
               </p:ext>
             </p:extLst>
           </p:nvPr>
@@ -12797,7 +13030,7 @@
                           <a:latin typeface="Courier New" panose="02070309020205020404" pitchFamily="49" charset="0"/>
                           <a:cs typeface="Courier New" panose="02070309020205020404" pitchFamily="49" charset="0"/>
                         </a:rPr>
-                        <a:t>('name'), "-", city</a:t>
+                        <a:t>('name'), '-', city</a:t>
                       </a:r>
                       <a:r>
                         <a:rPr lang="pt-BR" sz="1600" b="1" dirty="0">
@@ -16486,21 +16719,21 @@
             <a:r>
               <a:rPr lang="da-DK" dirty="0">
                 <a:cs typeface="Courier New" panose="02070309020205020404" pitchFamily="49" charset="0"/>
-                <a:hlinkClick r:id="rId2"/>
+                <a:hlinkClick r:id="rId3"/>
               </a:rPr>
               <a:t>docs.python.org/3/</a:t>
             </a:r>
             <a:r>
               <a:rPr lang="da-DK" dirty="0" err="1">
                 <a:cs typeface="Courier New" panose="02070309020205020404" pitchFamily="49" charset="0"/>
-                <a:hlinkClick r:id="rId2"/>
+                <a:hlinkClick r:id="rId3"/>
               </a:rPr>
               <a:t>library</a:t>
             </a:r>
             <a:r>
               <a:rPr lang="da-DK" dirty="0">
                 <a:cs typeface="Courier New" panose="02070309020205020404" pitchFamily="49" charset="0"/>
-                <a:hlinkClick r:id="rId2"/>
+                <a:hlinkClick r:id="rId3"/>
               </a:rPr>
               <a:t>/re.html</a:t>
             </a:r>
@@ -20482,7 +20715,7 @@
           <p:nvPr>
             <p:extLst>
               <p:ext uri="{D42A27DB-BD31-4B8C-83A1-F6EECF244321}">
-                <p14:modId xmlns:p14="http://schemas.microsoft.com/office/powerpoint/2010/main" val="1868693997"/>
+                <p14:modId xmlns:p14="http://schemas.microsoft.com/office/powerpoint/2010/main" val="686918962"/>
               </p:ext>
             </p:extLst>
           </p:nvPr>
@@ -20677,17 +20910,20 @@
                           <a:latin typeface="Courier New" panose="02070309020205020404" pitchFamily="49" charset="0"/>
                           <a:cs typeface="Courier New" panose="02070309020205020404" pitchFamily="49" charset="0"/>
                         </a:rPr>
-                        <a:t>re.sub('a', 'an', txt)</a:t>
-                      </a:r>
-                      <a:endParaRPr lang="pt-BR" sz="1800" b="1" baseline="0" dirty="0">
-                        <a:solidFill>
-                          <a:schemeClr val="bg1">
-                            <a:lumMod val="50000"/>
-                          </a:schemeClr>
-                        </a:solidFill>
-                        <a:latin typeface="Courier New" panose="02070309020205020404" pitchFamily="49" charset="0"/>
-                        <a:cs typeface="Courier New" panose="02070309020205020404" pitchFamily="49" charset="0"/>
-                      </a:endParaRPr>
+                        <a:t>re.sub('a', 'an', txt)                 </a:t>
+                      </a:r>
+                      <a:r>
+                        <a:rPr lang="pt-BR" sz="1800" b="1" baseline="0" dirty="0">
+                          <a:solidFill>
+                            <a:schemeClr val="bg1">
+                              <a:lumMod val="50000"/>
+                            </a:schemeClr>
+                          </a:solidFill>
+                          <a:latin typeface="Courier New" panose="02070309020205020404" pitchFamily="49" charset="0"/>
+                          <a:cs typeface="Courier New" panose="02070309020205020404" pitchFamily="49" charset="0"/>
+                        </a:rPr>
+                        <a:t># same as txt.replace('a', 'an')</a:t>
+                      </a:r>
                     </a:p>
                     <a:p>
                       <a:pPr marL="266700" indent="-266700">

--- a/ipsa/slides/text.pptx
+++ b/ipsa/slides/text.pptx
@@ -138,14 +138,6 @@
     </p:ext>
   </p:extLst>
 </p:presentation>
-</file>
-
-<file path=ppt/revisionInfo.xml><?xml version="1.0" encoding="utf-8"?>
-<p1510:revInfo xmlns:a="http://schemas.openxmlformats.org/drawingml/2006/main" xmlns:r="http://schemas.openxmlformats.org/officeDocument/2006/relationships" xmlns:p1510="http://schemas.microsoft.com/office/powerpoint/2015/10/main">
-  <p1510:revLst>
-    <p1510:client id="{15029F8B-5CCF-492C-9B1F-3CA4A769668C}" v="9" dt="2023-04-26T10:49:03.163"/>
-  </p1510:revLst>
-</p1510:revInfo>
 </file>
 
 <file path=ppt/changesInfos/changesInfo1.xml><?xml version="1.0" encoding="utf-8"?>
@@ -612,6 +604,94 @@
     </pc:docChg>
   </pc:docChgLst>
   <pc:docChgLst>
+    <pc:chgData name="Gerth Stølting Brodal" userId="04ef4784-6591-4f86-a140-f5c3b108582a" providerId="ADAL" clId="{8A0FA485-4519-450B-BBEB-748E1895E334}"/>
+    <pc:docChg chg="custSel modSld">
+      <pc:chgData name="Gerth Stølting Brodal" userId="04ef4784-6591-4f86-a140-f5c3b108582a" providerId="ADAL" clId="{8A0FA485-4519-450B-BBEB-748E1895E334}" dt="2024-04-22T07:41:35.849" v="401" actId="20577"/>
+      <pc:docMkLst>
+        <pc:docMk/>
+      </pc:docMkLst>
+      <pc:sldChg chg="modNotesTx">
+        <pc:chgData name="Gerth Stølting Brodal" userId="04ef4784-6591-4f86-a140-f5c3b108582a" providerId="ADAL" clId="{8A0FA485-4519-450B-BBEB-748E1895E334}" dt="2024-04-22T06:52:51.156" v="158" actId="20577"/>
+        <pc:sldMkLst>
+          <pc:docMk/>
+          <pc:sldMk cId="239214263" sldId="739"/>
+        </pc:sldMkLst>
+      </pc:sldChg>
+      <pc:sldChg chg="modSp mod">
+        <pc:chgData name="Gerth Stølting Brodal" userId="04ef4784-6591-4f86-a140-f5c3b108582a" providerId="ADAL" clId="{8A0FA485-4519-450B-BBEB-748E1895E334}" dt="2024-04-22T06:57:23.668" v="166" actId="20577"/>
+        <pc:sldMkLst>
+          <pc:docMk/>
+          <pc:sldMk cId="3608733085" sldId="740"/>
+        </pc:sldMkLst>
+        <pc:graphicFrameChg chg="modGraphic">
+          <ac:chgData name="Gerth Stølting Brodal" userId="04ef4784-6591-4f86-a140-f5c3b108582a" providerId="ADAL" clId="{8A0FA485-4519-450B-BBEB-748E1895E334}" dt="2024-04-22T06:57:23.668" v="166" actId="20577"/>
+          <ac:graphicFrameMkLst>
+            <pc:docMk/>
+            <pc:sldMk cId="3608733085" sldId="740"/>
+            <ac:graphicFrameMk id="7" creationId="{00000000-0000-0000-0000-000000000000}"/>
+          </ac:graphicFrameMkLst>
+        </pc:graphicFrameChg>
+      </pc:sldChg>
+      <pc:sldChg chg="modNotesTx">
+        <pc:chgData name="Gerth Stølting Brodal" userId="04ef4784-6591-4f86-a140-f5c3b108582a" providerId="ADAL" clId="{8A0FA485-4519-450B-BBEB-748E1895E334}" dt="2024-04-22T07:02:53.543" v="278" actId="20577"/>
+        <pc:sldMkLst>
+          <pc:docMk/>
+          <pc:sldMk cId="304124644" sldId="741"/>
+        </pc:sldMkLst>
+      </pc:sldChg>
+      <pc:sldChg chg="modNotesTx">
+        <pc:chgData name="Gerth Stølting Brodal" userId="04ef4784-6591-4f86-a140-f5c3b108582a" providerId="ADAL" clId="{8A0FA485-4519-450B-BBEB-748E1895E334}" dt="2024-04-22T07:33:31.296" v="393" actId="20577"/>
+        <pc:sldMkLst>
+          <pc:docMk/>
+          <pc:sldMk cId="3625384155" sldId="742"/>
+        </pc:sldMkLst>
+      </pc:sldChg>
+      <pc:sldChg chg="modNotesTx">
+        <pc:chgData name="Gerth Stølting Brodal" userId="04ef4784-6591-4f86-a140-f5c3b108582a" providerId="ADAL" clId="{8A0FA485-4519-450B-BBEB-748E1895E334}" dt="2024-04-22T07:31:05.578" v="331" actId="20577"/>
+        <pc:sldMkLst>
+          <pc:docMk/>
+          <pc:sldMk cId="3276024500" sldId="747"/>
+        </pc:sldMkLst>
+      </pc:sldChg>
+      <pc:sldChg chg="modSp mod">
+        <pc:chgData name="Gerth Stølting Brodal" userId="04ef4784-6591-4f86-a140-f5c3b108582a" providerId="ADAL" clId="{8A0FA485-4519-450B-BBEB-748E1895E334}" dt="2024-04-22T07:35:06.138" v="399" actId="20577"/>
+        <pc:sldMkLst>
+          <pc:docMk/>
+          <pc:sldMk cId="2127691251" sldId="749"/>
+        </pc:sldMkLst>
+        <pc:graphicFrameChg chg="modGraphic">
+          <ac:chgData name="Gerth Stølting Brodal" userId="04ef4784-6591-4f86-a140-f5c3b108582a" providerId="ADAL" clId="{8A0FA485-4519-450B-BBEB-748E1895E334}" dt="2024-04-22T07:35:06.138" v="399" actId="20577"/>
+          <ac:graphicFrameMkLst>
+            <pc:docMk/>
+            <pc:sldMk cId="2127691251" sldId="749"/>
+            <ac:graphicFrameMk id="5" creationId="{00000000-0000-0000-0000-000000000000}"/>
+          </ac:graphicFrameMkLst>
+        </pc:graphicFrameChg>
+      </pc:sldChg>
+      <pc:sldChg chg="modNotesTx">
+        <pc:chgData name="Gerth Stølting Brodal" userId="04ef4784-6591-4f86-a140-f5c3b108582a" providerId="ADAL" clId="{8A0FA485-4519-450B-BBEB-748E1895E334}" dt="2024-04-22T07:41:35.849" v="401" actId="20577"/>
+        <pc:sldMkLst>
+          <pc:docMk/>
+          <pc:sldMk cId="2552353221" sldId="751"/>
+        </pc:sldMkLst>
+      </pc:sldChg>
+      <pc:sldChg chg="modNotesTx">
+        <pc:chgData name="Gerth Stølting Brodal" userId="04ef4784-6591-4f86-a140-f5c3b108582a" providerId="ADAL" clId="{8A0FA485-4519-450B-BBEB-748E1895E334}" dt="2024-04-22T07:21:11.188" v="311" actId="20577"/>
+        <pc:sldMkLst>
+          <pc:docMk/>
+          <pc:sldMk cId="687059020" sldId="755"/>
+        </pc:sldMkLst>
+      </pc:sldChg>
+      <pc:sldChg chg="modNotesTx">
+        <pc:chgData name="Gerth Stølting Brodal" userId="04ef4784-6591-4f86-a140-f5c3b108582a" providerId="ADAL" clId="{8A0FA485-4519-450B-BBEB-748E1895E334}" dt="2024-04-21T21:12:15.948" v="42" actId="20577"/>
+        <pc:sldMkLst>
+          <pc:docMk/>
+          <pc:sldMk cId="1862523078" sldId="761"/>
+        </pc:sldMkLst>
+      </pc:sldChg>
+    </pc:docChg>
+  </pc:docChgLst>
+  <pc:docChgLst>
     <pc:chgData name="Gerth Stølting Brodal" userId="04ef4784-6591-4f86-a140-f5c3b108582a" providerId="ADAL" clId="{29D62F12-5400-448F-8DC2-433E20D51C6B}"/>
     <pc:docChg chg="custSel modSld">
       <pc:chgData name="Gerth Stølting Brodal" userId="04ef4784-6591-4f86-a140-f5c3b108582a" providerId="ADAL" clId="{29D62F12-5400-448F-8DC2-433E20D51C6B}" dt="2022-10-09T16:58:41.605" v="214" actId="20577"/>
@@ -712,7 +792,7 @@
           <a:p>
             <a:fld id="{FB1A172F-81D4-4DC4-9113-1DBD56EC3646}" type="datetimeFigureOut">
               <a:rPr lang="en-US" smtClean="0"/>
-              <a:t>4/26/2023</a:t>
+              <a:t>4/22/2024</a:t>
             </a:fld>
             <a:endParaRPr lang="en-US"/>
           </a:p>
@@ -1024,31 +1104,38 @@
           <a:lstStyle/>
           <a:p>
             <a:r>
-              <a:rPr lang="en-US" dirty="0"/>
-              <a:t>Pillow is a new branch</a:t>
-            </a:r>
-            <a:r>
-              <a:rPr lang="en-US" baseline="0" dirty="0"/>
-              <a:t> of the old “PIL” module</a:t>
+              <a:rPr lang="da-DK" dirty="0"/>
+              <a:t>Python has support for </a:t>
+            </a:r>
+            <a:r>
+              <a:rPr lang="da-DK" dirty="0" err="1"/>
+              <a:t>many</a:t>
+            </a:r>
+            <a:r>
+              <a:rPr lang="da-DK" dirty="0"/>
+              <a:t> </a:t>
+            </a:r>
+            <a:r>
+              <a:rPr lang="da-DK" dirty="0" err="1"/>
+              <a:t>different</a:t>
+            </a:r>
+            <a:r>
+              <a:rPr lang="da-DK" dirty="0"/>
+              <a:t> file types</a:t>
             </a:r>
           </a:p>
           <a:p>
-            <a:endParaRPr lang="en-US" baseline="0" dirty="0"/>
-          </a:p>
-          <a:p>
-            <a:r>
-              <a:rPr lang="en-US" baseline="0" dirty="0"/>
-              <a:t>The original Python Image Library was called PIL, but stopped being developed in 2009. https://www.pythonware.com/products/pil/</a:t>
-            </a:r>
-          </a:p>
-          <a:p>
-            <a:r>
-              <a:rPr lang="en-US" baseline="0" dirty="0"/>
-              <a:t>Pillow is a fork of PIL that is updated regularly ("</a:t>
-            </a:r>
-            <a:r>
-              <a:rPr lang="en-US" dirty="0"/>
-              <a:t>Pillow is released quarterly on January 2nd, April 1st, July 1st and October 15th.")</a:t>
+            <a:r>
+              <a:rPr lang="da-DK" dirty="0"/>
+              <a:t>.</a:t>
+            </a:r>
+            <a:r>
+              <a:rPr lang="da-DK" dirty="0" err="1"/>
+              <a:t>csv</a:t>
+            </a:r>
+            <a:r>
+              <a:rPr lang="da-DK" dirty="0"/>
+              <a:t> is a .xml file format</a:t>
             </a:r>
           </a:p>
         </p:txBody>
@@ -1060,7 +1147,7 @@
             <a:spLocks noGrp="1"/>
           </p:cNvSpPr>
           <p:nvPr>
-            <p:ph type="sldNum" sz="quarter" idx="10"/>
+            <p:ph type="sldNum" sz="quarter" idx="5"/>
           </p:nvPr>
         </p:nvSpPr>
         <p:spPr/>
@@ -1070,7 +1157,7 @@
           <a:p>
             <a:fld id="{CD563DD8-32AB-41BE-B1C6-8EAC45222ACE}" type="slidenum">
               <a:rPr lang="en-US" smtClean="0"/>
-              <a:t>3</a:t>
+              <a:t>2</a:t>
             </a:fld>
             <a:endParaRPr lang="en-US"/>
           </a:p>
@@ -1079,7 +1166,7 @@
     </p:spTree>
     <p:extLst>
       <p:ext uri="{BB962C8B-B14F-4D97-AF65-F5344CB8AC3E}">
-        <p14:creationId xmlns:p14="http://schemas.microsoft.com/office/powerpoint/2010/main" val="1713235961"/>
+        <p14:creationId xmlns:p14="http://schemas.microsoft.com/office/powerpoint/2010/main" val="3916486653"/>
       </p:ext>
     </p:extLst>
   </p:cSld>
@@ -1134,18 +1221,63 @@
           <a:lstStyle/>
           <a:p>
             <a:r>
+              <a:rPr lang="da-DK" dirty="0"/>
+              <a:t>import sys</a:t>
+            </a:r>
+          </a:p>
+          <a:p>
+            <a:r>
+              <a:rPr lang="da-DK" dirty="0"/>
+              <a:t>import </a:t>
+            </a:r>
+            <a:r>
+              <a:rPr lang="da-DK" dirty="0" err="1"/>
+              <a:t>json</a:t>
+            </a:r>
+            <a:endParaRPr lang="da-DK" dirty="0"/>
+          </a:p>
+          <a:p>
+            <a:r>
+              <a:rPr lang="en-US" dirty="0" err="1"/>
+              <a:t>json.dump</a:t>
+            </a:r>
+            <a:r>
               <a:rPr lang="en-US" dirty="0"/>
-              <a:t>Example: street maps exported from https://www.openstreetmap.org are XML files (have extension ".</a:t>
+              <a:t>({'a':42, 42:'a'}, </a:t>
             </a:r>
             <a:r>
               <a:rPr lang="en-US" dirty="0" err="1"/>
-              <a:t>osm</a:t>
+              <a:t>sys.stdout</a:t>
             </a:r>
             <a:r>
               <a:rPr lang="en-US" dirty="0"/>
-              <a:t>")</a:t>
-            </a:r>
-            <a:endParaRPr lang="da-DK" dirty="0"/>
+              <a:t>, indent=1, </a:t>
+            </a:r>
+            <a:r>
+              <a:rPr lang="en-US" dirty="0" err="1"/>
+              <a:t>sort_keys</a:t>
+            </a:r>
+            <a:r>
+              <a:rPr lang="en-US" dirty="0"/>
+              <a:t>=True)</a:t>
+            </a:r>
+          </a:p>
+          <a:p>
+            <a:endParaRPr lang="en-US" dirty="0"/>
+          </a:p>
+          <a:p>
+            <a:r>
+              <a:rPr lang="en-US" dirty="0"/>
+              <a:t>(In </a:t>
+            </a:r>
+            <a:r>
+              <a:rPr lang="en-US" dirty="0" err="1"/>
+              <a:t>Javascript</a:t>
+            </a:r>
+            <a:r>
+              <a:rPr lang="en-US" dirty="0"/>
+              <a:t> None is called “null”, and “true” and “false” are not capitalized, no line breaks in strings)</a:t>
+            </a:r>
           </a:p>
         </p:txBody>
       </p:sp>
@@ -1156,7 +1288,7 @@
             <a:spLocks noGrp="1"/>
           </p:cNvSpPr>
           <p:nvPr>
-            <p:ph type="sldNum" sz="quarter" idx="5"/>
+            <p:ph type="sldNum" sz="quarter" idx="10"/>
           </p:nvPr>
         </p:nvSpPr>
         <p:spPr/>
@@ -1166,7 +1298,7 @@
           <a:p>
             <a:fld id="{CD563DD8-32AB-41BE-B1C6-8EAC45222ACE}" type="slidenum">
               <a:rPr lang="en-US" smtClean="0"/>
-              <a:t>13</a:t>
+              <a:t>12</a:t>
             </a:fld>
             <a:endParaRPr lang="en-US"/>
           </a:p>
@@ -1175,7 +1307,7 @@
     </p:spTree>
     <p:extLst>
       <p:ext uri="{BB962C8B-B14F-4D97-AF65-F5344CB8AC3E}">
-        <p14:creationId xmlns:p14="http://schemas.microsoft.com/office/powerpoint/2010/main" val="405442126"/>
+        <p14:creationId xmlns:p14="http://schemas.microsoft.com/office/powerpoint/2010/main" val="3963207288"/>
       </p:ext>
     </p:extLst>
   </p:cSld>
@@ -1230,126 +1362,18 @@
           <a:lstStyle/>
           <a:p>
             <a:r>
-              <a:rPr lang="da-DK" dirty="0" err="1"/>
-              <a:t>above</a:t>
-            </a:r>
-            <a:r>
-              <a:rPr lang="da-DK" baseline="0" dirty="0"/>
-              <a:t> ”.</a:t>
-            </a:r>
-            <a:r>
-              <a:rPr lang="da-DK" baseline="0" dirty="0" err="1"/>
-              <a:t>get</a:t>
-            </a:r>
-            <a:r>
-              <a:rPr lang="da-DK" baseline="0" dirty="0"/>
-              <a:t>()” is </a:t>
-            </a:r>
-            <a:r>
-              <a:rPr lang="da-DK" baseline="0" dirty="0" err="1"/>
-              <a:t>used</a:t>
-            </a:r>
-            <a:r>
-              <a:rPr lang="da-DK" baseline="0" dirty="0"/>
-              <a:t> </a:t>
-            </a:r>
-            <a:r>
-              <a:rPr lang="da-DK" baseline="0" dirty="0" err="1"/>
-              <a:t>instead</a:t>
-            </a:r>
-            <a:r>
-              <a:rPr lang="da-DK" baseline="0" dirty="0"/>
-              <a:t> of ”</a:t>
-            </a:r>
-            <a:r>
-              <a:rPr lang="da-DK" baseline="0" dirty="0" err="1"/>
-              <a:t>attrib</a:t>
-            </a:r>
-            <a:r>
-              <a:rPr lang="da-DK" baseline="0" dirty="0"/>
-              <a:t>[]”. </a:t>
-            </a:r>
-          </a:p>
-          <a:p>
-            <a:r>
-              <a:rPr lang="da-DK" baseline="0" dirty="0"/>
-              <a:t>.</a:t>
-            </a:r>
-            <a:r>
-              <a:rPr lang="da-DK" baseline="0" dirty="0" err="1"/>
-              <a:t>attrib</a:t>
-            </a:r>
-            <a:r>
-              <a:rPr lang="da-DK" baseline="0" dirty="0"/>
-              <a:t> is a </a:t>
-            </a:r>
-            <a:r>
-              <a:rPr lang="da-DK" baseline="0" dirty="0" err="1"/>
-              <a:t>dictionary</a:t>
-            </a:r>
-            <a:r>
-              <a:rPr lang="da-DK" baseline="0" dirty="0"/>
-              <a:t> (type </a:t>
-            </a:r>
-            <a:r>
-              <a:rPr lang="da-DK" baseline="0" dirty="0" err="1"/>
-              <a:t>dict</a:t>
-            </a:r>
-            <a:r>
-              <a:rPr lang="da-DK" baseline="0" dirty="0"/>
-              <a:t>)</a:t>
-            </a:r>
-          </a:p>
-          <a:p>
-            <a:r>
-              <a:rPr lang="da-DK" baseline="0" dirty="0"/>
-              <a:t>.</a:t>
-            </a:r>
-            <a:r>
-              <a:rPr lang="da-DK" baseline="0" dirty="0" err="1"/>
-              <a:t>get</a:t>
-            </a:r>
-            <a:r>
-              <a:rPr lang="da-DK" baseline="0" dirty="0"/>
-              <a:t> returns default </a:t>
-            </a:r>
-            <a:r>
-              <a:rPr lang="da-DK" baseline="0" dirty="0" err="1"/>
-              <a:t>value</a:t>
-            </a:r>
-            <a:r>
-              <a:rPr lang="da-DK" baseline="0" dirty="0"/>
-              <a:t> (None) </a:t>
-            </a:r>
-            <a:r>
-              <a:rPr lang="da-DK" baseline="0" dirty="0" err="1"/>
-              <a:t>if</a:t>
-            </a:r>
-            <a:r>
-              <a:rPr lang="da-DK" baseline="0" dirty="0"/>
-              <a:t> </a:t>
-            </a:r>
-            <a:r>
-              <a:rPr lang="da-DK" baseline="0" dirty="0" err="1"/>
-              <a:t>attribute</a:t>
-            </a:r>
-            <a:r>
-              <a:rPr lang="da-DK" baseline="0" dirty="0"/>
-              <a:t> </a:t>
-            </a:r>
-            <a:r>
-              <a:rPr lang="da-DK" baseline="0" dirty="0" err="1"/>
-              <a:t>does</a:t>
-            </a:r>
-            <a:r>
-              <a:rPr lang="da-DK" baseline="0" dirty="0"/>
-              <a:t> not </a:t>
-            </a:r>
-            <a:r>
-              <a:rPr lang="da-DK" baseline="0" dirty="0" err="1"/>
-              <a:t>exist</a:t>
-            </a:r>
-            <a:endParaRPr lang="en-US" dirty="0"/>
+              <a:rPr lang="en-US" dirty="0"/>
+              <a:t>Example: street maps exported from https://www.openstreetmap.org are XML files (have extension ".</a:t>
+            </a:r>
+            <a:r>
+              <a:rPr lang="en-US" dirty="0" err="1"/>
+              <a:t>osm</a:t>
+            </a:r>
+            <a:r>
+              <a:rPr lang="en-US" dirty="0"/>
+              <a:t>")</a:t>
+            </a:r>
+            <a:endParaRPr lang="da-DK" dirty="0"/>
           </a:p>
         </p:txBody>
       </p:sp>
@@ -1360,7 +1384,7 @@
             <a:spLocks noGrp="1"/>
           </p:cNvSpPr>
           <p:nvPr>
-            <p:ph type="sldNum" sz="quarter" idx="10"/>
+            <p:ph type="sldNum" sz="quarter" idx="5"/>
           </p:nvPr>
         </p:nvSpPr>
         <p:spPr/>
@@ -1370,7 +1394,7 @@
           <a:p>
             <a:fld id="{CD563DD8-32AB-41BE-B1C6-8EAC45222ACE}" type="slidenum">
               <a:rPr lang="en-US" smtClean="0"/>
-              <a:t>15</a:t>
+              <a:t>13</a:t>
             </a:fld>
             <a:endParaRPr lang="en-US"/>
           </a:p>
@@ -1379,7 +1403,7 @@
     </p:spTree>
     <p:extLst>
       <p:ext uri="{BB962C8B-B14F-4D97-AF65-F5344CB8AC3E}">
-        <p14:creationId xmlns:p14="http://schemas.microsoft.com/office/powerpoint/2010/main" val="4023960141"/>
+        <p14:creationId xmlns:p14="http://schemas.microsoft.com/office/powerpoint/2010/main" val="405442126"/>
       </p:ext>
     </p:extLst>
   </p:cSld>
@@ -1435,58 +1459,24 @@
           <a:p>
             <a:r>
               <a:rPr lang="da-DK" dirty="0"/>
-              <a:t>An .</a:t>
+              <a:t>.</a:t>
             </a:r>
             <a:r>
               <a:rPr lang="da-DK" dirty="0" err="1"/>
-              <a:t>xlsx</a:t>
+              <a:t>iter</a:t>
             </a:r>
             <a:r>
               <a:rPr lang="da-DK" dirty="0"/>
-              <a:t> file is </a:t>
+              <a:t> </a:t>
             </a:r>
             <a:r>
               <a:rPr lang="da-DK" dirty="0" err="1"/>
-              <a:t>really</a:t>
+              <a:t>takes</a:t>
             </a:r>
             <a:r>
               <a:rPr lang="da-DK" dirty="0"/>
-              <a:t> a zip file </a:t>
-            </a:r>
-            <a:r>
-              <a:rPr lang="da-DK" dirty="0" err="1"/>
-              <a:t>containing</a:t>
-            </a:r>
-            <a:r>
-              <a:rPr lang="da-DK" dirty="0"/>
-              <a:t> a folder with a </a:t>
-            </a:r>
-            <a:r>
-              <a:rPr lang="da-DK" dirty="0" err="1"/>
-              <a:t>lot</a:t>
-            </a:r>
-            <a:r>
-              <a:rPr lang="da-DK" dirty="0"/>
-              <a:t> of xml files</a:t>
-            </a:r>
-          </a:p>
-          <a:p>
-            <a:endParaRPr lang="da-DK" dirty="0"/>
-          </a:p>
-          <a:p>
-            <a:r>
-              <a:rPr lang="en-US" dirty="0"/>
-              <a:t>Example: </a:t>
-            </a:r>
-            <a:r>
-              <a:rPr lang="en-US" dirty="0" err="1"/>
-              <a:t>openpyxl</a:t>
-            </a:r>
-            <a:r>
-              <a:rPr lang="en-US" dirty="0"/>
-              <a:t>-example/xl/worksheets/sheet1.xml</a:t>
-            </a:r>
-            <a:endParaRPr lang="da-DK" dirty="0"/>
+              <a:t> tag type</a:t>
+            </a:r>
           </a:p>
         </p:txBody>
       </p:sp>
@@ -1507,7 +1497,7 @@
           <a:p>
             <a:fld id="{CD563DD8-32AB-41BE-B1C6-8EAC45222ACE}" type="slidenum">
               <a:rPr lang="en-US" smtClean="0"/>
-              <a:t>16</a:t>
+              <a:t>14</a:t>
             </a:fld>
             <a:endParaRPr lang="en-US"/>
           </a:p>
@@ -1516,7 +1506,7 @@
     </p:spTree>
     <p:extLst>
       <p:ext uri="{BB962C8B-B14F-4D97-AF65-F5344CB8AC3E}">
-        <p14:creationId xmlns:p14="http://schemas.microsoft.com/office/powerpoint/2010/main" val="3941420006"/>
+        <p14:creationId xmlns:p14="http://schemas.microsoft.com/office/powerpoint/2010/main" val="2005459409"/>
       </p:ext>
     </p:extLst>
   </p:cSld>
@@ -1571,186 +1561,126 @@
           <a:lstStyle/>
           <a:p>
             <a:r>
-              <a:rPr lang="da-DK" dirty="0"/>
-              <a:t>Python 3.10.8 </a:t>
-            </a:r>
-            <a:r>
               <a:rPr lang="da-DK" dirty="0" err="1"/>
-              <a:t>vs</a:t>
-            </a:r>
-            <a:r>
-              <a:rPr lang="da-DK" dirty="0"/>
-              <a:t> 3.9.7 timings: 3.9 had </a:t>
-            </a:r>
-            <a:r>
-              <a:rPr lang="da-DK" dirty="0" err="1"/>
-              <a:t>quadratic</a:t>
-            </a:r>
-            <a:r>
-              <a:rPr lang="da-DK" dirty="0"/>
-              <a:t> time on ”bad </a:t>
-            </a:r>
-            <a:r>
-              <a:rPr lang="da-DK" dirty="0" err="1"/>
-              <a:t>example</a:t>
-            </a:r>
-            <a:r>
-              <a:rPr lang="da-DK" dirty="0"/>
-              <a:t>”</a:t>
+              <a:t>above</a:t>
+            </a:r>
+            <a:r>
+              <a:rPr lang="da-DK" baseline="0" dirty="0"/>
+              <a:t> ”.</a:t>
+            </a:r>
+            <a:r>
+              <a:rPr lang="da-DK" baseline="0" dirty="0" err="1"/>
+              <a:t>get</a:t>
+            </a:r>
+            <a:r>
+              <a:rPr lang="da-DK" baseline="0" dirty="0"/>
+              <a:t>()” is </a:t>
+            </a:r>
+            <a:r>
+              <a:rPr lang="da-DK" baseline="0" dirty="0" err="1"/>
+              <a:t>used</a:t>
+            </a:r>
+            <a:r>
+              <a:rPr lang="da-DK" baseline="0" dirty="0"/>
+              <a:t> </a:t>
+            </a:r>
+            <a:r>
+              <a:rPr lang="da-DK" baseline="0" dirty="0" err="1"/>
+              <a:t>instead</a:t>
+            </a:r>
+            <a:r>
+              <a:rPr lang="da-DK" baseline="0" dirty="0"/>
+              <a:t> of ”</a:t>
+            </a:r>
+            <a:r>
+              <a:rPr lang="da-DK" baseline="0" dirty="0" err="1"/>
+              <a:t>attrib</a:t>
+            </a:r>
+            <a:r>
+              <a:rPr lang="da-DK" baseline="0" dirty="0"/>
+              <a:t>[]”. </a:t>
             </a:r>
           </a:p>
           <a:p>
             <a:r>
-              <a:rPr lang="da-DK" dirty="0"/>
-              <a:t>Python 3.9 </a:t>
-            </a:r>
-            <a:r>
-              <a:rPr lang="da-DK" dirty="0" err="1"/>
-              <a:t>was</a:t>
-            </a:r>
-            <a:r>
-              <a:rPr lang="da-DK" dirty="0"/>
-              <a:t> </a:t>
-            </a:r>
-            <a:r>
-              <a:rPr lang="da-DK" dirty="0" err="1"/>
-              <a:t>released</a:t>
-            </a:r>
-            <a:r>
-              <a:rPr lang="da-DK" dirty="0"/>
-              <a:t> in 2020, but </a:t>
-            </a:r>
-            <a:r>
-              <a:rPr lang="da-DK" dirty="0" err="1"/>
-              <a:t>already</a:t>
-            </a:r>
-            <a:r>
-              <a:rPr lang="da-DK" dirty="0"/>
-              <a:t> back in 1977 (Knuth-Morris-Pratt) it </a:t>
-            </a:r>
-            <a:r>
-              <a:rPr lang="da-DK" dirty="0" err="1"/>
-              <a:t>was</a:t>
-            </a:r>
-            <a:r>
-              <a:rPr lang="da-DK" dirty="0"/>
-              <a:t> </a:t>
-            </a:r>
-            <a:r>
-              <a:rPr lang="da-DK" dirty="0" err="1"/>
-              <a:t>known</a:t>
-            </a:r>
-            <a:r>
-              <a:rPr lang="da-DK" dirty="0"/>
-              <a:t> </a:t>
-            </a:r>
-            <a:r>
-              <a:rPr lang="da-DK" dirty="0" err="1"/>
-              <a:t>how</a:t>
-            </a:r>
-            <a:r>
-              <a:rPr lang="da-DK" dirty="0"/>
-              <a:t> to support find in </a:t>
-            </a:r>
-            <a:r>
-              <a:rPr lang="da-DK" dirty="0" err="1"/>
-              <a:t>worst</a:t>
-            </a:r>
-            <a:r>
-              <a:rPr lang="da-DK" dirty="0"/>
-              <a:t>-case </a:t>
-            </a:r>
-            <a:r>
-              <a:rPr lang="da-DK" dirty="0" err="1"/>
-              <a:t>linear</a:t>
-            </a:r>
-            <a:r>
-              <a:rPr lang="da-DK" dirty="0"/>
-              <a:t> time – but the Python developers had </a:t>
-            </a:r>
-            <a:r>
-              <a:rPr lang="da-DK" dirty="0" err="1"/>
-              <a:t>prioritized</a:t>
-            </a:r>
-            <a:r>
-              <a:rPr lang="da-DK" dirty="0"/>
-              <a:t> </a:t>
-            </a:r>
-            <a:r>
-              <a:rPr lang="da-DK" dirty="0" err="1"/>
-              <a:t>typical</a:t>
-            </a:r>
-            <a:r>
-              <a:rPr lang="da-DK" dirty="0"/>
-              <a:t> performance over </a:t>
-            </a:r>
-            <a:r>
-              <a:rPr lang="da-DK" dirty="0" err="1"/>
-              <a:t>worst</a:t>
-            </a:r>
-            <a:r>
-              <a:rPr lang="da-DK" dirty="0"/>
-              <a:t>-case performance. </a:t>
+              <a:rPr lang="da-DK" baseline="0" dirty="0"/>
+              <a:t>.</a:t>
+            </a:r>
+            <a:r>
+              <a:rPr lang="da-DK" baseline="0" dirty="0" err="1"/>
+              <a:t>attrib</a:t>
+            </a:r>
+            <a:r>
+              <a:rPr lang="da-DK" baseline="0" dirty="0"/>
+              <a:t> is a </a:t>
+            </a:r>
+            <a:r>
+              <a:rPr lang="da-DK" baseline="0" dirty="0" err="1"/>
+              <a:t>dictionary</a:t>
+            </a:r>
+            <a:r>
+              <a:rPr lang="da-DK" baseline="0" dirty="0"/>
+              <a:t> (type </a:t>
+            </a:r>
+            <a:r>
+              <a:rPr lang="da-DK" baseline="0" dirty="0" err="1"/>
+              <a:t>dict</a:t>
+            </a:r>
+            <a:r>
+              <a:rPr lang="da-DK" baseline="0" dirty="0"/>
+              <a:t>)</a:t>
             </a:r>
           </a:p>
           <a:p>
             <a:r>
-              <a:rPr lang="da-DK" dirty="0"/>
-              <a:t>Timings </a:t>
-            </a:r>
-            <a:r>
-              <a:rPr lang="da-DK" dirty="0" err="1"/>
-              <a:t>below</a:t>
-            </a:r>
-            <a:r>
-              <a:rPr lang="da-DK" dirty="0"/>
-              <a:t> 10</a:t>
-            </a:r>
-            <a:r>
-              <a:rPr lang="da-DK" baseline="30000" dirty="0"/>
-              <a:t>-1</a:t>
-            </a:r>
-            <a:r>
-              <a:rPr lang="da-DK" dirty="0"/>
+              <a:rPr lang="da-DK" baseline="0" dirty="0"/>
+              <a:t>.</a:t>
+            </a:r>
+            <a:r>
+              <a:rPr lang="da-DK" baseline="0" dirty="0" err="1"/>
+              <a:t>get</a:t>
+            </a:r>
+            <a:r>
+              <a:rPr lang="da-DK" baseline="0" dirty="0"/>
+              <a:t> returns default </a:t>
+            </a:r>
+            <a:r>
+              <a:rPr lang="da-DK" baseline="0" dirty="0" err="1"/>
+              <a:t>value</a:t>
+            </a:r>
+            <a:r>
+              <a:rPr lang="da-DK" baseline="0" dirty="0"/>
+              <a:t> (None) </a:t>
+            </a:r>
+            <a:r>
+              <a:rPr lang="da-DK" baseline="0" dirty="0" err="1"/>
+              <a:t>if</a:t>
+            </a:r>
+            <a:r>
+              <a:rPr lang="da-DK" baseline="0" dirty="0"/>
               <a:t> </a:t>
             </a:r>
             <a:r>
-              <a:rPr lang="da-DK" dirty="0" err="1"/>
-              <a:t>seconds</a:t>
-            </a:r>
-            <a:r>
-              <a:rPr lang="da-DK" dirty="0"/>
+              <a:rPr lang="da-DK" baseline="0" dirty="0" err="1"/>
+              <a:t>attribute</a:t>
+            </a:r>
+            <a:r>
+              <a:rPr lang="da-DK" baseline="0" dirty="0"/>
               <a:t> </a:t>
             </a:r>
             <a:r>
-              <a:rPr lang="da-DK" dirty="0" err="1"/>
-              <a:t>noisy</a:t>
-            </a:r>
-            <a:endParaRPr lang="da-DK" dirty="0"/>
-          </a:p>
-          <a:p>
-            <a:endParaRPr lang="da-DK" dirty="0"/>
-          </a:p>
-          <a:p>
-            <a:r>
-              <a:rPr lang="da-DK" dirty="0"/>
-              <a:t>https://docs.python.org/3/whatsnew/3.10.html</a:t>
-            </a:r>
-          </a:p>
-          <a:p>
-            <a:r>
-              <a:rPr lang="en-US" i="1" dirty="0"/>
-              <a:t>Substring search functions such as str1 in str2 and str2.find(str1) now sometimes use </a:t>
-            </a:r>
-            <a:r>
-              <a:rPr lang="en-US" i="1" dirty="0" err="1"/>
-              <a:t>Crochemore</a:t>
-            </a:r>
-            <a:r>
-              <a:rPr lang="en-US" i="1" dirty="0"/>
-              <a:t> &amp; Perrin’s “Two-Way” string searching algorithm to avoid quadratic behavior on long strings. </a:t>
-            </a:r>
-            <a:endParaRPr lang="da-DK" i="1" dirty="0"/>
+              <a:rPr lang="da-DK" baseline="0" dirty="0" err="1"/>
+              <a:t>does</a:t>
+            </a:r>
+            <a:r>
+              <a:rPr lang="da-DK" baseline="0" dirty="0"/>
+              <a:t> not </a:t>
+            </a:r>
+            <a:r>
+              <a:rPr lang="da-DK" baseline="0" dirty="0" err="1"/>
+              <a:t>exist</a:t>
+            </a:r>
+            <a:endParaRPr lang="en-US" dirty="0"/>
           </a:p>
         </p:txBody>
       </p:sp>
@@ -1761,7 +1691,7 @@
             <a:spLocks noGrp="1"/>
           </p:cNvSpPr>
           <p:nvPr>
-            <p:ph type="sldNum" sz="quarter" idx="5"/>
+            <p:ph type="sldNum" sz="quarter" idx="10"/>
           </p:nvPr>
         </p:nvSpPr>
         <p:spPr/>
@@ -1771,7 +1701,7 @@
           <a:p>
             <a:fld id="{CD563DD8-32AB-41BE-B1C6-8EAC45222ACE}" type="slidenum">
               <a:rPr lang="en-US" smtClean="0"/>
-              <a:t>18</a:t>
+              <a:t>15</a:t>
             </a:fld>
             <a:endParaRPr lang="en-US"/>
           </a:p>
@@ -1780,7 +1710,7 @@
     </p:spTree>
     <p:extLst>
       <p:ext uri="{BB962C8B-B14F-4D97-AF65-F5344CB8AC3E}">
-        <p14:creationId xmlns:p14="http://schemas.microsoft.com/office/powerpoint/2010/main" val="648976491"/>
+        <p14:creationId xmlns:p14="http://schemas.microsoft.com/office/powerpoint/2010/main" val="4023960141"/>
       </p:ext>
     </p:extLst>
   </p:cSld>
@@ -1835,21 +1765,84 @@
           <a:lstStyle/>
           <a:p>
             <a:r>
-              <a:rPr lang="en-US" dirty="0"/>
-              <a:t>Example: find substring that is part of word (i.e. letters before and after)</a:t>
+              <a:rPr lang="da-DK" dirty="0"/>
+              <a:t>An .</a:t>
+            </a:r>
+            <a:r>
+              <a:rPr lang="da-DK" dirty="0" err="1"/>
+              <a:t>xlsx</a:t>
+            </a:r>
+            <a:r>
+              <a:rPr lang="da-DK" dirty="0"/>
+              <a:t> file is </a:t>
+            </a:r>
+            <a:r>
+              <a:rPr lang="da-DK" dirty="0" err="1"/>
+              <a:t>really</a:t>
+            </a:r>
+            <a:r>
+              <a:rPr lang="da-DK" dirty="0"/>
+              <a:t> a zip file </a:t>
+            </a:r>
+            <a:r>
+              <a:rPr lang="da-DK" dirty="0" err="1"/>
+              <a:t>containing</a:t>
+            </a:r>
+            <a:r>
+              <a:rPr lang="da-DK" dirty="0"/>
+              <a:t> a folder with a </a:t>
+            </a:r>
+            <a:r>
+              <a:rPr lang="da-DK" dirty="0" err="1"/>
+              <a:t>lot</a:t>
+            </a:r>
+            <a:r>
+              <a:rPr lang="da-DK" dirty="0"/>
+              <a:t> of xml files</a:t>
             </a:r>
           </a:p>
           <a:p>
-            <a:endParaRPr lang="en-US" dirty="0"/>
+            <a:r>
+              <a:rPr lang="da-DK" dirty="0"/>
+              <a:t>EXCEL files </a:t>
+            </a:r>
+            <a:r>
+              <a:rPr lang="da-DK" dirty="0" err="1"/>
+              <a:t>allow</a:t>
+            </a:r>
+            <a:r>
+              <a:rPr lang="da-DK" dirty="0"/>
+              <a:t> formatting </a:t>
+            </a:r>
+            <a:r>
+              <a:rPr lang="da-DK" dirty="0" err="1"/>
+              <a:t>opposed</a:t>
+            </a:r>
+            <a:r>
+              <a:rPr lang="da-DK" dirty="0"/>
+              <a:t> to a simple .</a:t>
+            </a:r>
+            <a:r>
+              <a:rPr lang="da-DK" dirty="0" err="1"/>
+              <a:t>csv</a:t>
+            </a:r>
+            <a:r>
+              <a:rPr lang="da-DK" dirty="0"/>
+              <a:t> file</a:t>
+            </a:r>
           </a:p>
           <a:p>
             <a:r>
               <a:rPr lang="en-US" dirty="0"/>
-              <a:t>Regular expressions e.g. also supported </a:t>
-            </a:r>
-            <a:r>
-              <a:rPr lang="en-US"/>
-              <a:t>by overleaf</a:t>
+              <a:t>Example: </a:t>
+            </a:r>
+            <a:r>
+              <a:rPr lang="en-US" dirty="0" err="1"/>
+              <a:t>openpyxl</a:t>
+            </a:r>
+            <a:r>
+              <a:rPr lang="en-US" dirty="0"/>
+              <a:t>-example/xl/worksheets/sheet1.xml</a:t>
             </a:r>
             <a:endParaRPr lang="da-DK" dirty="0"/>
           </a:p>
@@ -1872,7 +1865,7 @@
           <a:p>
             <a:fld id="{CD563DD8-32AB-41BE-B1C6-8EAC45222ACE}" type="slidenum">
               <a:rPr lang="en-US" smtClean="0"/>
-              <a:t>19</a:t>
+              <a:t>16</a:t>
             </a:fld>
             <a:endParaRPr lang="en-US"/>
           </a:p>
@@ -1881,7 +1874,7 @@
     </p:spTree>
     <p:extLst>
       <p:ext uri="{BB962C8B-B14F-4D97-AF65-F5344CB8AC3E}">
-        <p14:creationId xmlns:p14="http://schemas.microsoft.com/office/powerpoint/2010/main" val="1636571729"/>
+        <p14:creationId xmlns:p14="http://schemas.microsoft.com/office/powerpoint/2010/main" val="3941420006"/>
       </p:ext>
     </p:extLst>
   </p:cSld>
@@ -1936,8 +1929,42 @@
           <a:lstStyle/>
           <a:p>
             <a:r>
+              <a:rPr lang="da-DK" dirty="0"/>
+              <a:t>Python 3.10.8 </a:t>
+            </a:r>
+            <a:r>
               <a:rPr lang="da-DK" dirty="0" err="1"/>
-              <a:t>raw</a:t>
+              <a:t>vs</a:t>
+            </a:r>
+            <a:r>
+              <a:rPr lang="da-DK" dirty="0"/>
+              <a:t> 3.9.7 timings: 3.9 had </a:t>
+            </a:r>
+            <a:r>
+              <a:rPr lang="da-DK" dirty="0" err="1"/>
+              <a:t>quadratic</a:t>
+            </a:r>
+            <a:r>
+              <a:rPr lang="da-DK" dirty="0"/>
+              <a:t> time on ”bad </a:t>
+            </a:r>
+            <a:r>
+              <a:rPr lang="da-DK" dirty="0" err="1"/>
+              <a:t>example</a:t>
+            </a:r>
+            <a:r>
+              <a:rPr lang="da-DK" dirty="0"/>
+              <a:t>”</a:t>
+            </a:r>
+          </a:p>
+          <a:p>
+            <a:r>
+              <a:rPr lang="da-DK" dirty="0"/>
+              <a:t>Python 3.9 </a:t>
+            </a:r>
+            <a:r>
+              <a:rPr lang="da-DK" dirty="0" err="1"/>
+              <a:t>was</a:t>
             </a:r>
             <a:r>
               <a:rPr lang="da-DK" dirty="0"/>
@@ -1945,88 +1972,143 @@
             </a:r>
             <a:r>
               <a:rPr lang="da-DK" dirty="0" err="1"/>
-              <a:t>string</a:t>
-            </a:r>
-            <a:r>
-              <a:rPr lang="da-DK" baseline="0" dirty="0"/>
+              <a:t>released</a:t>
+            </a:r>
+            <a:r>
+              <a:rPr lang="da-DK" dirty="0"/>
+              <a:t> in 2020, but </a:t>
+            </a:r>
+            <a:r>
+              <a:rPr lang="da-DK" dirty="0" err="1"/>
+              <a:t>already</a:t>
+            </a:r>
+            <a:r>
+              <a:rPr lang="da-DK" dirty="0"/>
+              <a:t> back in 1977 (Knuth-Morris-Pratt) it </a:t>
+            </a:r>
+            <a:r>
+              <a:rPr lang="da-DK" dirty="0" err="1"/>
+              <a:t>was</a:t>
+            </a:r>
+            <a:r>
+              <a:rPr lang="da-DK" dirty="0"/>
               <a:t> </a:t>
             </a:r>
             <a:r>
-              <a:rPr lang="da-DK" baseline="0" dirty="0" err="1"/>
-              <a:t>literals</a:t>
-            </a:r>
-            <a:r>
-              <a:rPr lang="da-DK" baseline="0" dirty="0"/>
-              <a:t> do not </a:t>
-            </a:r>
-            <a:r>
-              <a:rPr lang="da-DK" baseline="0" dirty="0" err="1"/>
-              <a:t>need</a:t>
-            </a:r>
-            <a:r>
-              <a:rPr lang="da-DK" baseline="0" dirty="0"/>
-              <a:t> to </a:t>
-            </a:r>
-            <a:r>
-              <a:rPr lang="da-DK" baseline="0" dirty="0" err="1"/>
-              <a:t>escape</a:t>
-            </a:r>
-            <a:r>
-              <a:rPr lang="da-DK" baseline="0" dirty="0"/>
-              <a:t> \ to </a:t>
-            </a:r>
-            <a:r>
-              <a:rPr lang="da-DK" baseline="0" dirty="0" err="1"/>
-              <a:t>get</a:t>
-            </a:r>
-            <a:r>
-              <a:rPr lang="da-DK" baseline="0" dirty="0"/>
-              <a:t> a \</a:t>
+              <a:rPr lang="da-DK" dirty="0" err="1"/>
+              <a:t>known</a:t>
+            </a:r>
+            <a:r>
+              <a:rPr lang="da-DK" dirty="0"/>
+              <a:t> </a:t>
+            </a:r>
+            <a:r>
+              <a:rPr lang="da-DK" dirty="0" err="1"/>
+              <a:t>how</a:t>
+            </a:r>
+            <a:r>
+              <a:rPr lang="da-DK" dirty="0"/>
+              <a:t> to support find in </a:t>
+            </a:r>
+            <a:r>
+              <a:rPr lang="da-DK" dirty="0" err="1"/>
+              <a:t>worst</a:t>
+            </a:r>
+            <a:r>
+              <a:rPr lang="da-DK" dirty="0"/>
+              <a:t>-case </a:t>
+            </a:r>
+            <a:r>
+              <a:rPr lang="da-DK" dirty="0" err="1"/>
+              <a:t>linear</a:t>
+            </a:r>
+            <a:r>
+              <a:rPr lang="da-DK" dirty="0"/>
+              <a:t> time – but the Python developers had </a:t>
+            </a:r>
+            <a:r>
+              <a:rPr lang="da-DK" dirty="0" err="1"/>
+              <a:t>prioritized</a:t>
+            </a:r>
+            <a:r>
+              <a:rPr lang="da-DK" dirty="0"/>
+              <a:t> </a:t>
+            </a:r>
+            <a:r>
+              <a:rPr lang="da-DK" dirty="0" err="1"/>
+              <a:t>typical</a:t>
+            </a:r>
+            <a:r>
+              <a:rPr lang="da-DK" dirty="0"/>
+              <a:t> performance over </a:t>
+            </a:r>
+            <a:r>
+              <a:rPr lang="da-DK" dirty="0" err="1"/>
+              <a:t>worst</a:t>
+            </a:r>
+            <a:r>
+              <a:rPr lang="da-DK" dirty="0"/>
+              <a:t>-case performance. </a:t>
             </a:r>
           </a:p>
           <a:p>
-            <a:endParaRPr lang="da-DK" baseline="0" dirty="0"/>
+            <a:r>
+              <a:rPr lang="da-DK" dirty="0"/>
+              <a:t>Timings </a:t>
+            </a:r>
+            <a:r>
+              <a:rPr lang="da-DK" dirty="0" err="1"/>
+              <a:t>below</a:t>
+            </a:r>
+            <a:r>
+              <a:rPr lang="da-DK" dirty="0"/>
+              <a:t> 10</a:t>
+            </a:r>
+            <a:r>
+              <a:rPr lang="da-DK" baseline="30000" dirty="0"/>
+              <a:t>-1</a:t>
+            </a:r>
+            <a:r>
+              <a:rPr lang="da-DK" dirty="0"/>
+              <a:t> </a:t>
+            </a:r>
+            <a:r>
+              <a:rPr lang="da-DK" dirty="0" err="1"/>
+              <a:t>seconds</a:t>
+            </a:r>
+            <a:r>
+              <a:rPr lang="da-DK" dirty="0"/>
+              <a:t> </a:t>
+            </a:r>
+            <a:r>
+              <a:rPr lang="da-DK" dirty="0" err="1"/>
+              <a:t>noisy</a:t>
+            </a:r>
+            <a:endParaRPr lang="da-DK" dirty="0"/>
           </a:p>
           <a:p>
-            <a:r>
-              <a:rPr lang="en-US" dirty="0"/>
-              <a:t>&gt; '\s\n', r'\s\n'</a:t>
-            </a:r>
+            <a:endParaRPr lang="da-DK" dirty="0"/>
           </a:p>
           <a:p>
             <a:r>
-              <a:rPr lang="en-US" dirty="0"/>
-              <a:t>('\\s\n', '\\s\\n’)</a:t>
+              <a:rPr lang="da-DK" dirty="0"/>
+              <a:t>https://docs.python.org/3/whatsnew/3.10.html</a:t>
             </a:r>
           </a:p>
           <a:p>
-            <a:endParaRPr lang="en-US" dirty="0"/>
-          </a:p>
-          <a:p>
-            <a:r>
-              <a:rPr lang="en-US" b="1" dirty="0" err="1"/>
-              <a:t>re.search</a:t>
-            </a:r>
-            <a:r>
-              <a:rPr lang="en-US" b="1" dirty="0"/>
-              <a:t>(substring, text) can be faster than </a:t>
-            </a:r>
-            <a:r>
-              <a:rPr lang="en-US" b="1" dirty="0" err="1"/>
-              <a:t>text.find</a:t>
-            </a:r>
-            <a:r>
-              <a:rPr lang="en-US" b="1" dirty="0"/>
-              <a:t>(substring) on very </a:t>
-            </a:r>
-            <a:r>
-              <a:rPr lang="en-US" b="1"/>
-              <a:t>long strings since </a:t>
-            </a:r>
-            <a:r>
-              <a:rPr lang="en-US" b="1" dirty="0"/>
-              <a:t>.find has worst-case time O( |string| * |substring|), whereas re is automata based.</a:t>
-            </a:r>
+            <a:r>
+              <a:rPr lang="en-US" i="1" dirty="0"/>
+              <a:t>Substring search functions such as str1 in str2 and str2.find(str1) now sometimes use </a:t>
+            </a:r>
+            <a:r>
+              <a:rPr lang="en-US" i="1" dirty="0" err="1"/>
+              <a:t>Crochemore</a:t>
+            </a:r>
+            <a:r>
+              <a:rPr lang="en-US" i="1" dirty="0"/>
+              <a:t> &amp; Perrin’s “Two-Way” string searching algorithm to avoid quadratic behavior on long strings. </a:t>
+            </a:r>
+            <a:endParaRPr lang="da-DK" i="1" dirty="0"/>
           </a:p>
         </p:txBody>
       </p:sp>
@@ -2037,7 +2119,7 @@
             <a:spLocks noGrp="1"/>
           </p:cNvSpPr>
           <p:nvPr>
-            <p:ph type="sldNum" sz="quarter" idx="10"/>
+            <p:ph type="sldNum" sz="quarter" idx="5"/>
           </p:nvPr>
         </p:nvSpPr>
         <p:spPr/>
@@ -2047,7 +2129,7 @@
           <a:p>
             <a:fld id="{CD563DD8-32AB-41BE-B1C6-8EAC45222ACE}" type="slidenum">
               <a:rPr lang="en-US" smtClean="0"/>
-              <a:t>20</a:t>
+              <a:t>18</a:t>
             </a:fld>
             <a:endParaRPr lang="en-US"/>
           </a:p>
@@ -2056,7 +2138,7 @@
     </p:spTree>
     <p:extLst>
       <p:ext uri="{BB962C8B-B14F-4D97-AF65-F5344CB8AC3E}">
-        <p14:creationId xmlns:p14="http://schemas.microsoft.com/office/powerpoint/2010/main" val="3089971782"/>
+        <p14:creationId xmlns:p14="http://schemas.microsoft.com/office/powerpoint/2010/main" val="648976491"/>
       </p:ext>
     </p:extLst>
   </p:cSld>
@@ -2112,54 +2194,7 @@
           <a:p>
             <a:r>
               <a:rPr lang="en-US" dirty="0"/>
-              <a:t>Regular expression substitution is useful when </a:t>
-            </a:r>
-            <a:r>
-              <a:rPr lang="en-US" dirty="0" err="1"/>
-              <a:t>str.replace</a:t>
-            </a:r>
-            <a:r>
-              <a:rPr lang="en-US" dirty="0"/>
-              <a:t> is to restricted</a:t>
-            </a:r>
-          </a:p>
-          <a:p>
-            <a:pPr marL="0" marR="0" lvl="0" indent="0" algn="l" defTabSz="914400" rtl="0" eaLnBrk="1" fontAlgn="auto" latinLnBrk="0" hangingPunct="1">
-              <a:lnSpc>
-                <a:spcPct val="100000"/>
-              </a:lnSpc>
-              <a:spcBef>
-                <a:spcPts val="0"/>
-              </a:spcBef>
-              <a:spcAft>
-                <a:spcPts val="0"/>
-              </a:spcAft>
-              <a:buClrTx/>
-              <a:buSzTx/>
-              <a:buFontTx/>
-              <a:buNone/>
-              <a:tabLst/>
-              <a:defRPr/>
-            </a:pPr>
-            <a:r>
-              <a:rPr lang="en-US" dirty="0"/>
-              <a:t>'</a:t>
-            </a:r>
-            <a:r>
-              <a:rPr lang="en-US" dirty="0" err="1"/>
-              <a:t>abcd</a:t>
-            </a:r>
-            <a:r>
-              <a:rPr lang="en-US" dirty="0"/>
-              <a:t>'.replace('</a:t>
-            </a:r>
-            <a:r>
-              <a:rPr lang="en-US" dirty="0" err="1"/>
-              <a:t>bc</a:t>
-            </a:r>
-            <a:r>
-              <a:rPr lang="en-US" dirty="0"/>
-              <a:t>', 'BC')</a:t>
+              <a:t>Example: find substring that is part of word (i.e. letters before and after)</a:t>
             </a:r>
           </a:p>
           <a:p>
@@ -2167,20 +2202,12 @@
           </a:p>
           <a:p>
             <a:r>
-              <a:rPr lang="en-US" dirty="0" err="1"/>
-              <a:t>re.sub</a:t>
-            </a:r>
-            <a:r>
               <a:rPr lang="en-US" dirty="0"/>
-              <a:t> can take a </a:t>
-            </a:r>
-            <a:r>
-              <a:rPr lang="en-US" i="1" dirty="0"/>
-              <a:t>callable</a:t>
-            </a:r>
-            <a:r>
-              <a:rPr lang="en-US" dirty="0"/>
-              <a:t> as the replace argument</a:t>
+              <a:t>Regular expressions e.g. also supported </a:t>
+            </a:r>
+            <a:r>
+              <a:rPr lang="en-US"/>
+              <a:t>by overleaf</a:t>
             </a:r>
             <a:endParaRPr lang="da-DK" dirty="0"/>
           </a:p>
@@ -2203,7 +2230,7 @@
           <a:p>
             <a:fld id="{CD563DD8-32AB-41BE-B1C6-8EAC45222ACE}" type="slidenum">
               <a:rPr lang="en-US" smtClean="0"/>
-              <a:t>21</a:t>
+              <a:t>19</a:t>
             </a:fld>
             <a:endParaRPr lang="en-US"/>
           </a:p>
@@ -2212,7 +2239,7 @@
     </p:spTree>
     <p:extLst>
       <p:ext uri="{BB962C8B-B14F-4D97-AF65-F5344CB8AC3E}">
-        <p14:creationId xmlns:p14="http://schemas.microsoft.com/office/powerpoint/2010/main" val="3479860233"/>
+        <p14:creationId xmlns:p14="http://schemas.microsoft.com/office/powerpoint/2010/main" val="1636571729"/>
       </p:ext>
     </p:extLst>
   </p:cSld>
@@ -2268,6 +2295,313 @@
           <a:p>
             <a:r>
               <a:rPr lang="da-DK" dirty="0" err="1"/>
+              <a:t>raw</a:t>
+            </a:r>
+            <a:r>
+              <a:rPr lang="da-DK" dirty="0"/>
+              <a:t> </a:t>
+            </a:r>
+            <a:r>
+              <a:rPr lang="da-DK" dirty="0" err="1"/>
+              <a:t>string</a:t>
+            </a:r>
+            <a:r>
+              <a:rPr lang="da-DK" baseline="0" dirty="0"/>
+              <a:t> </a:t>
+            </a:r>
+            <a:r>
+              <a:rPr lang="da-DK" baseline="0" dirty="0" err="1"/>
+              <a:t>literals</a:t>
+            </a:r>
+            <a:r>
+              <a:rPr lang="da-DK" baseline="0" dirty="0"/>
+              <a:t> do not </a:t>
+            </a:r>
+            <a:r>
+              <a:rPr lang="da-DK" baseline="0" dirty="0" err="1"/>
+              <a:t>need</a:t>
+            </a:r>
+            <a:r>
+              <a:rPr lang="da-DK" baseline="0" dirty="0"/>
+              <a:t> to </a:t>
+            </a:r>
+            <a:r>
+              <a:rPr lang="da-DK" baseline="0" dirty="0" err="1"/>
+              <a:t>escape</a:t>
+            </a:r>
+            <a:r>
+              <a:rPr lang="da-DK" baseline="0" dirty="0"/>
+              <a:t> \ to </a:t>
+            </a:r>
+            <a:r>
+              <a:rPr lang="da-DK" baseline="0" dirty="0" err="1"/>
+              <a:t>get</a:t>
+            </a:r>
+            <a:r>
+              <a:rPr lang="da-DK" baseline="0" dirty="0"/>
+              <a:t> a \</a:t>
+            </a:r>
+          </a:p>
+          <a:p>
+            <a:endParaRPr lang="da-DK" baseline="0" dirty="0"/>
+          </a:p>
+          <a:p>
+            <a:r>
+              <a:rPr lang="en-US" dirty="0"/>
+              <a:t>&gt; '\s\n', r'\s\n'</a:t>
+            </a:r>
+          </a:p>
+          <a:p>
+            <a:r>
+              <a:rPr lang="en-US" dirty="0"/>
+              <a:t>('\\s\n', '\\s\\</a:t>
+            </a:r>
+            <a:r>
+              <a:rPr lang="en-US"/>
+              <a:t>n’)</a:t>
+            </a:r>
+            <a:endParaRPr lang="en-US" dirty="0"/>
+          </a:p>
+        </p:txBody>
+      </p:sp>
+      <p:sp>
+        <p:nvSpPr>
+          <p:cNvPr id="4" name="Slide Number Placeholder 3"/>
+          <p:cNvSpPr>
+            <a:spLocks noGrp="1"/>
+          </p:cNvSpPr>
+          <p:nvPr>
+            <p:ph type="sldNum" sz="quarter" idx="10"/>
+          </p:nvPr>
+        </p:nvSpPr>
+        <p:spPr/>
+        <p:txBody>
+          <a:bodyPr/>
+          <a:lstStyle/>
+          <a:p>
+            <a:fld id="{CD563DD8-32AB-41BE-B1C6-8EAC45222ACE}" type="slidenum">
+              <a:rPr lang="en-US" smtClean="0"/>
+              <a:t>20</a:t>
+            </a:fld>
+            <a:endParaRPr lang="en-US"/>
+          </a:p>
+        </p:txBody>
+      </p:sp>
+    </p:spTree>
+    <p:extLst>
+      <p:ext uri="{BB962C8B-B14F-4D97-AF65-F5344CB8AC3E}">
+        <p14:creationId xmlns:p14="http://schemas.microsoft.com/office/powerpoint/2010/main" val="3089971782"/>
+      </p:ext>
+    </p:extLst>
+  </p:cSld>
+  <p:clrMapOvr>
+    <a:masterClrMapping/>
+  </p:clrMapOvr>
+</p:notes>
+</file>
+
+<file path=ppt/notesSlides/notesSlide18.xml><?xml version="1.0" encoding="utf-8"?>
+<p:notes xmlns:a="http://schemas.openxmlformats.org/drawingml/2006/main" xmlns:r="http://schemas.openxmlformats.org/officeDocument/2006/relationships" xmlns:p="http://schemas.openxmlformats.org/presentationml/2006/main">
+  <p:cSld>
+    <p:spTree>
+      <p:nvGrpSpPr>
+        <p:cNvPr id="1" name=""/>
+        <p:cNvGrpSpPr/>
+        <p:nvPr/>
+      </p:nvGrpSpPr>
+      <p:grpSpPr>
+        <a:xfrm>
+          <a:off x="0" y="0"/>
+          <a:ext cx="0" cy="0"/>
+          <a:chOff x="0" y="0"/>
+          <a:chExt cx="0" cy="0"/>
+        </a:xfrm>
+      </p:grpSpPr>
+      <p:sp>
+        <p:nvSpPr>
+          <p:cNvPr id="2" name="Slide Image Placeholder 1"/>
+          <p:cNvSpPr>
+            <a:spLocks noGrp="1" noRot="1" noChangeAspect="1"/>
+          </p:cNvSpPr>
+          <p:nvPr>
+            <p:ph type="sldImg"/>
+          </p:nvPr>
+        </p:nvSpPr>
+        <p:spPr/>
+      </p:sp>
+      <p:sp>
+        <p:nvSpPr>
+          <p:cNvPr id="3" name="Notes Placeholder 2"/>
+          <p:cNvSpPr>
+            <a:spLocks noGrp="1"/>
+          </p:cNvSpPr>
+          <p:nvPr>
+            <p:ph type="body" idx="1"/>
+          </p:nvPr>
+        </p:nvSpPr>
+        <p:spPr/>
+        <p:txBody>
+          <a:bodyPr/>
+          <a:lstStyle/>
+          <a:p>
+            <a:r>
+              <a:rPr lang="en-US" dirty="0"/>
+              <a:t>Regular expression substitution is useful when </a:t>
+            </a:r>
+            <a:r>
+              <a:rPr lang="en-US" dirty="0" err="1"/>
+              <a:t>str.replace</a:t>
+            </a:r>
+            <a:r>
+              <a:rPr lang="en-US" dirty="0"/>
+              <a:t> is to restricted</a:t>
+            </a:r>
+          </a:p>
+          <a:p>
+            <a:pPr marL="0" marR="0" lvl="0" indent="0" algn="l" defTabSz="914400" rtl="0" eaLnBrk="1" fontAlgn="auto" latinLnBrk="0" hangingPunct="1">
+              <a:lnSpc>
+                <a:spcPct val="100000"/>
+              </a:lnSpc>
+              <a:spcBef>
+                <a:spcPts val="0"/>
+              </a:spcBef>
+              <a:spcAft>
+                <a:spcPts val="0"/>
+              </a:spcAft>
+              <a:buClrTx/>
+              <a:buSzTx/>
+              <a:buFontTx/>
+              <a:buNone/>
+              <a:tabLst/>
+              <a:defRPr/>
+            </a:pPr>
+            <a:r>
+              <a:rPr lang="en-US" dirty="0"/>
+              <a:t>'</a:t>
+            </a:r>
+            <a:r>
+              <a:rPr lang="en-US" dirty="0" err="1"/>
+              <a:t>abcd</a:t>
+            </a:r>
+            <a:r>
+              <a:rPr lang="en-US" dirty="0"/>
+              <a:t>'.replace('</a:t>
+            </a:r>
+            <a:r>
+              <a:rPr lang="en-US" dirty="0" err="1"/>
+              <a:t>bc</a:t>
+            </a:r>
+            <a:r>
+              <a:rPr lang="en-US" dirty="0"/>
+              <a:t>', 'BC')</a:t>
+            </a:r>
+          </a:p>
+          <a:p>
+            <a:endParaRPr lang="en-US" dirty="0"/>
+          </a:p>
+          <a:p>
+            <a:r>
+              <a:rPr lang="en-US" dirty="0" err="1"/>
+              <a:t>re.sub</a:t>
+            </a:r>
+            <a:r>
+              <a:rPr lang="en-US" dirty="0"/>
+              <a:t> can take a </a:t>
+            </a:r>
+            <a:r>
+              <a:rPr lang="en-US" i="1" dirty="0"/>
+              <a:t>callable</a:t>
+            </a:r>
+            <a:r>
+              <a:rPr lang="en-US" dirty="0"/>
+              <a:t> as the replace argument</a:t>
+            </a:r>
+            <a:endParaRPr lang="da-DK" dirty="0"/>
+          </a:p>
+        </p:txBody>
+      </p:sp>
+      <p:sp>
+        <p:nvSpPr>
+          <p:cNvPr id="4" name="Slide Number Placeholder 3"/>
+          <p:cNvSpPr>
+            <a:spLocks noGrp="1"/>
+          </p:cNvSpPr>
+          <p:nvPr>
+            <p:ph type="sldNum" sz="quarter" idx="5"/>
+          </p:nvPr>
+        </p:nvSpPr>
+        <p:spPr/>
+        <p:txBody>
+          <a:bodyPr/>
+          <a:lstStyle/>
+          <a:p>
+            <a:fld id="{CD563DD8-32AB-41BE-B1C6-8EAC45222ACE}" type="slidenum">
+              <a:rPr lang="en-US" smtClean="0"/>
+              <a:t>21</a:t>
+            </a:fld>
+            <a:endParaRPr lang="en-US"/>
+          </a:p>
+        </p:txBody>
+      </p:sp>
+    </p:spTree>
+    <p:extLst>
+      <p:ext uri="{BB962C8B-B14F-4D97-AF65-F5344CB8AC3E}">
+        <p14:creationId xmlns:p14="http://schemas.microsoft.com/office/powerpoint/2010/main" val="3479860233"/>
+      </p:ext>
+    </p:extLst>
+  </p:cSld>
+  <p:clrMapOvr>
+    <a:masterClrMapping/>
+  </p:clrMapOvr>
+</p:notes>
+</file>
+
+<file path=ppt/notesSlides/notesSlide19.xml><?xml version="1.0" encoding="utf-8"?>
+<p:notes xmlns:a="http://schemas.openxmlformats.org/drawingml/2006/main" xmlns:r="http://schemas.openxmlformats.org/officeDocument/2006/relationships" xmlns:p="http://schemas.openxmlformats.org/presentationml/2006/main">
+  <p:cSld>
+    <p:spTree>
+      <p:nvGrpSpPr>
+        <p:cNvPr id="1" name=""/>
+        <p:cNvGrpSpPr/>
+        <p:nvPr/>
+      </p:nvGrpSpPr>
+      <p:grpSpPr>
+        <a:xfrm>
+          <a:off x="0" y="0"/>
+          <a:ext cx="0" cy="0"/>
+          <a:chOff x="0" y="0"/>
+          <a:chExt cx="0" cy="0"/>
+        </a:xfrm>
+      </p:grpSpPr>
+      <p:sp>
+        <p:nvSpPr>
+          <p:cNvPr id="2" name="Slide Image Placeholder 1"/>
+          <p:cNvSpPr>
+            <a:spLocks noGrp="1" noRot="1" noChangeAspect="1"/>
+          </p:cNvSpPr>
+          <p:nvPr>
+            <p:ph type="sldImg"/>
+          </p:nvPr>
+        </p:nvSpPr>
+        <p:spPr/>
+      </p:sp>
+      <p:sp>
+        <p:nvSpPr>
+          <p:cNvPr id="3" name="Notes Placeholder 2"/>
+          <p:cNvSpPr>
+            <a:spLocks noGrp="1"/>
+          </p:cNvSpPr>
+          <p:nvPr>
+            <p:ph type="body" idx="1"/>
+          </p:nvPr>
+        </p:nvSpPr>
+        <p:spPr/>
+        <p:txBody>
+          <a:bodyPr/>
+          <a:lstStyle/>
+          <a:p>
+            <a:r>
+              <a:rPr lang="da-DK" dirty="0" err="1"/>
               <a:t>Many</a:t>
             </a:r>
             <a:r>
@@ -2446,7 +2780,117 @@
 </p:notes>
 </file>
 
-<file path=ppt/notesSlides/notesSlide18.xml><?xml version="1.0" encoding="utf-8"?>
+<file path=ppt/notesSlides/notesSlide2.xml><?xml version="1.0" encoding="utf-8"?>
+<p:notes xmlns:a="http://schemas.openxmlformats.org/drawingml/2006/main" xmlns:r="http://schemas.openxmlformats.org/officeDocument/2006/relationships" xmlns:p="http://schemas.openxmlformats.org/presentationml/2006/main">
+  <p:cSld>
+    <p:spTree>
+      <p:nvGrpSpPr>
+        <p:cNvPr id="1" name=""/>
+        <p:cNvGrpSpPr/>
+        <p:nvPr/>
+      </p:nvGrpSpPr>
+      <p:grpSpPr>
+        <a:xfrm>
+          <a:off x="0" y="0"/>
+          <a:ext cx="0" cy="0"/>
+          <a:chOff x="0" y="0"/>
+          <a:chExt cx="0" cy="0"/>
+        </a:xfrm>
+      </p:grpSpPr>
+      <p:sp>
+        <p:nvSpPr>
+          <p:cNvPr id="2" name="Slide Image Placeholder 1"/>
+          <p:cNvSpPr>
+            <a:spLocks noGrp="1" noRot="1" noChangeAspect="1"/>
+          </p:cNvSpPr>
+          <p:nvPr>
+            <p:ph type="sldImg"/>
+          </p:nvPr>
+        </p:nvSpPr>
+        <p:spPr/>
+      </p:sp>
+      <p:sp>
+        <p:nvSpPr>
+          <p:cNvPr id="3" name="Notes Placeholder 2"/>
+          <p:cNvSpPr>
+            <a:spLocks noGrp="1"/>
+          </p:cNvSpPr>
+          <p:nvPr>
+            <p:ph type="body" idx="1"/>
+          </p:nvPr>
+        </p:nvSpPr>
+        <p:spPr/>
+        <p:txBody>
+          <a:bodyPr/>
+          <a:lstStyle/>
+          <a:p>
+            <a:r>
+              <a:rPr lang="en-US" dirty="0"/>
+              <a:t>Pillow is a new branch</a:t>
+            </a:r>
+            <a:r>
+              <a:rPr lang="en-US" baseline="0" dirty="0"/>
+              <a:t> of the old “PIL” module</a:t>
+            </a:r>
+          </a:p>
+          <a:p>
+            <a:endParaRPr lang="en-US" baseline="0" dirty="0"/>
+          </a:p>
+          <a:p>
+            <a:r>
+              <a:rPr lang="en-US" baseline="0" dirty="0"/>
+              <a:t>The original Python Image Library was called PIL, but stopped being developed in 2009. https://www.pythonware.com/products/pil/</a:t>
+            </a:r>
+          </a:p>
+          <a:p>
+            <a:r>
+              <a:rPr lang="en-US" baseline="0" dirty="0"/>
+              <a:t>Pillow is a fork of PIL that is updated regularly ("</a:t>
+            </a:r>
+            <a:r>
+              <a:rPr lang="en-US" dirty="0"/>
+              <a:t>Pillow is released quarterly on January 2nd, April 1st, July 1st and October 15th.")</a:t>
+            </a:r>
+          </a:p>
+        </p:txBody>
+      </p:sp>
+      <p:sp>
+        <p:nvSpPr>
+          <p:cNvPr id="4" name="Slide Number Placeholder 3"/>
+          <p:cNvSpPr>
+            <a:spLocks noGrp="1"/>
+          </p:cNvSpPr>
+          <p:nvPr>
+            <p:ph type="sldNum" sz="quarter" idx="10"/>
+          </p:nvPr>
+        </p:nvSpPr>
+        <p:spPr/>
+        <p:txBody>
+          <a:bodyPr/>
+          <a:lstStyle/>
+          <a:p>
+            <a:fld id="{CD563DD8-32AB-41BE-B1C6-8EAC45222ACE}" type="slidenum">
+              <a:rPr lang="en-US" smtClean="0"/>
+              <a:t>3</a:t>
+            </a:fld>
+            <a:endParaRPr lang="en-US"/>
+          </a:p>
+        </p:txBody>
+      </p:sp>
+    </p:spTree>
+    <p:extLst>
+      <p:ext uri="{BB962C8B-B14F-4D97-AF65-F5344CB8AC3E}">
+        <p14:creationId xmlns:p14="http://schemas.microsoft.com/office/powerpoint/2010/main" val="1713235961"/>
+      </p:ext>
+    </p:extLst>
+  </p:cSld>
+  <p:clrMapOvr>
+    <a:masterClrMapping/>
+  </p:clrMapOvr>
+</p:notes>
+</file>
+
+<file path=ppt/notesSlides/notesSlide20.xml><?xml version="1.0" encoding="utf-8"?>
 <p:notes xmlns:a="http://schemas.openxmlformats.org/drawingml/2006/main" xmlns:r="http://schemas.openxmlformats.org/officeDocument/2006/relationships" xmlns:p="http://schemas.openxmlformats.org/presentationml/2006/main">
   <p:cSld>
     <p:spTree>
@@ -2530,7 +2974,7 @@
 </p:notes>
 </file>
 
-<file path=ppt/notesSlides/notesSlide19.xml><?xml version="1.0" encoding="utf-8"?>
+<file path=ppt/notesSlides/notesSlide21.xml><?xml version="1.0" encoding="utf-8"?>
 <p:notes xmlns:a="http://schemas.openxmlformats.org/drawingml/2006/main" xmlns:r="http://schemas.openxmlformats.org/officeDocument/2006/relationships" xmlns:p="http://schemas.openxmlformats.org/presentationml/2006/main">
   <p:cSld>
     <p:spTree>
@@ -2614,142 +3058,7 @@
 </p:notes>
 </file>
 
-<file path=ppt/notesSlides/notesSlide2.xml><?xml version="1.0" encoding="utf-8"?>
-<p:notes xmlns:a="http://schemas.openxmlformats.org/drawingml/2006/main" xmlns:r="http://schemas.openxmlformats.org/officeDocument/2006/relationships" xmlns:p="http://schemas.openxmlformats.org/presentationml/2006/main">
-  <p:cSld>
-    <p:spTree>
-      <p:nvGrpSpPr>
-        <p:cNvPr id="1" name=""/>
-        <p:cNvGrpSpPr/>
-        <p:nvPr/>
-      </p:nvGrpSpPr>
-      <p:grpSpPr>
-        <a:xfrm>
-          <a:off x="0" y="0"/>
-          <a:ext cx="0" cy="0"/>
-          <a:chOff x="0" y="0"/>
-          <a:chExt cx="0" cy="0"/>
-        </a:xfrm>
-      </p:grpSpPr>
-      <p:sp>
-        <p:nvSpPr>
-          <p:cNvPr id="2" name="Slide Image Placeholder 1"/>
-          <p:cNvSpPr>
-            <a:spLocks noGrp="1" noRot="1" noChangeAspect="1"/>
-          </p:cNvSpPr>
-          <p:nvPr>
-            <p:ph type="sldImg"/>
-          </p:nvPr>
-        </p:nvSpPr>
-        <p:spPr/>
-      </p:sp>
-      <p:sp>
-        <p:nvSpPr>
-          <p:cNvPr id="3" name="Notes Placeholder 2"/>
-          <p:cNvSpPr>
-            <a:spLocks noGrp="1"/>
-          </p:cNvSpPr>
-          <p:nvPr>
-            <p:ph type="body" idx="1"/>
-          </p:nvPr>
-        </p:nvSpPr>
-        <p:spPr/>
-        <p:txBody>
-          <a:bodyPr/>
-          <a:lstStyle/>
-          <a:p>
-            <a:r>
-              <a:rPr lang="da-DK" dirty="0"/>
-              <a:t>CSV files </a:t>
-            </a:r>
-            <a:r>
-              <a:rPr lang="da-DK" dirty="0" err="1"/>
-              <a:t>can</a:t>
-            </a:r>
-            <a:r>
-              <a:rPr lang="da-DK" dirty="0"/>
-              <a:t> have a nonuniform</a:t>
-            </a:r>
-            <a:r>
-              <a:rPr lang="da-DK" baseline="0" dirty="0"/>
-              <a:t> </a:t>
-            </a:r>
-            <a:r>
-              <a:rPr lang="da-DK" baseline="0" dirty="0" err="1"/>
-              <a:t>number</a:t>
-            </a:r>
-            <a:r>
-              <a:rPr lang="da-DK" baseline="0" dirty="0"/>
-              <a:t> of columns in the </a:t>
-            </a:r>
-            <a:r>
-              <a:rPr lang="da-DK" baseline="0" dirty="0" err="1"/>
-              <a:t>rows</a:t>
-            </a:r>
-            <a:endParaRPr lang="da-DK" baseline="0" dirty="0"/>
-          </a:p>
-          <a:p>
-            <a:r>
-              <a:rPr lang="da-DK" baseline="0" dirty="0" err="1"/>
-              <a:t>Recall</a:t>
-            </a:r>
-            <a:r>
-              <a:rPr lang="da-DK" baseline="0" dirty="0"/>
-              <a:t> with-as </a:t>
-            </a:r>
-            <a:r>
-              <a:rPr lang="da-DK" baseline="0" dirty="0" err="1"/>
-              <a:t>closes</a:t>
-            </a:r>
-            <a:r>
-              <a:rPr lang="da-DK" baseline="0" dirty="0"/>
-              <a:t> the file </a:t>
-            </a:r>
-            <a:r>
-              <a:rPr lang="da-DK" baseline="0" dirty="0" err="1"/>
-              <a:t>automatically</a:t>
-            </a:r>
-            <a:endParaRPr lang="en-US" dirty="0"/>
-          </a:p>
-        </p:txBody>
-      </p:sp>
-      <p:sp>
-        <p:nvSpPr>
-          <p:cNvPr id="4" name="Slide Number Placeholder 3"/>
-          <p:cNvSpPr>
-            <a:spLocks noGrp="1"/>
-          </p:cNvSpPr>
-          <p:nvPr>
-            <p:ph type="sldNum" sz="quarter" idx="10"/>
-          </p:nvPr>
-        </p:nvSpPr>
-        <p:spPr/>
-        <p:txBody>
-          <a:bodyPr/>
-          <a:lstStyle/>
-          <a:p>
-            <a:fld id="{CD563DD8-32AB-41BE-B1C6-8EAC45222ACE}" type="slidenum">
-              <a:rPr lang="en-US" smtClean="0"/>
-              <a:t>4</a:t>
-            </a:fld>
-            <a:endParaRPr lang="en-US"/>
-          </a:p>
-        </p:txBody>
-      </p:sp>
-    </p:spTree>
-    <p:extLst>
-      <p:ext uri="{BB962C8B-B14F-4D97-AF65-F5344CB8AC3E}">
-        <p14:creationId xmlns:p14="http://schemas.microsoft.com/office/powerpoint/2010/main" val="3670425801"/>
-      </p:ext>
-    </p:extLst>
-  </p:cSld>
-  <p:clrMapOvr>
-    <a:masterClrMapping/>
-  </p:clrMapOvr>
-</p:notes>
-</file>
-
-<file path=ppt/notesSlides/notesSlide20.xml><?xml version="1.0" encoding="utf-8"?>
+<file path=ppt/notesSlides/notesSlide22.xml><?xml version="1.0" encoding="utf-8"?>
 <p:notes xmlns:a="http://schemas.openxmlformats.org/drawingml/2006/main" xmlns:r="http://schemas.openxmlformats.org/officeDocument/2006/relationships" xmlns:p="http://schemas.openxmlformats.org/presentationml/2006/main">
   <p:cSld>
     <p:spTree>
@@ -2886,40 +3195,124 @@
           <a:lstStyle/>
           <a:p>
             <a:r>
-              <a:rPr lang="en-US" dirty="0"/>
-              <a:t>Sometimes “.csv” files that are tab-separated are called “.</a:t>
-            </a:r>
-            <a:r>
-              <a:rPr lang="en-US" dirty="0" err="1"/>
-              <a:t>tsv</a:t>
-            </a:r>
-            <a:r>
-              <a:rPr lang="en-US" dirty="0"/>
-              <a:t>” files</a:t>
-            </a:r>
+              <a:rPr lang="da-DK" dirty="0"/>
+              <a:t>CSV files </a:t>
+            </a:r>
+            <a:r>
+              <a:rPr lang="da-DK" dirty="0" err="1"/>
+              <a:t>can</a:t>
+            </a:r>
+            <a:r>
+              <a:rPr lang="da-DK" dirty="0"/>
+              <a:t> have a nonuniform</a:t>
+            </a:r>
+            <a:r>
+              <a:rPr lang="da-DK" baseline="0" dirty="0"/>
+              <a:t> </a:t>
+            </a:r>
+            <a:r>
+              <a:rPr lang="da-DK" baseline="0" dirty="0" err="1"/>
+              <a:t>number</a:t>
+            </a:r>
+            <a:r>
+              <a:rPr lang="da-DK" baseline="0" dirty="0"/>
+              <a:t> of columns in the </a:t>
+            </a:r>
+            <a:r>
+              <a:rPr lang="da-DK" baseline="0" dirty="0" err="1"/>
+              <a:t>rows</a:t>
+            </a:r>
+            <a:endParaRPr lang="da-DK" baseline="0" dirty="0"/>
           </a:p>
           <a:p>
             <a:r>
-              <a:rPr lang="en-US" dirty="0"/>
-              <a:t>It is common that </a:t>
-            </a:r>
-            <a:r>
-              <a:rPr lang="en-US" dirty="0" err="1"/>
-              <a:t>fiels</a:t>
-            </a:r>
-            <a:r>
-              <a:rPr lang="en-US" dirty="0"/>
-              <a:t> using “;” as separator are also called “.csv” </a:t>
-            </a:r>
-            <a:r>
-              <a:rPr lang="en-US"/>
-              <a:t>files (confusing</a:t>
-            </a:r>
-            <a:r>
-              <a:rPr lang="en-US" dirty="0"/>
-              <a:t>!)</a:t>
-            </a:r>
-            <a:endParaRPr lang="da-DK" dirty="0"/>
+              <a:rPr lang="da-DK" baseline="0" dirty="0" err="1"/>
+              <a:t>Recall</a:t>
+            </a:r>
+            <a:r>
+              <a:rPr lang="da-DK" baseline="0" dirty="0"/>
+              <a:t> with-as </a:t>
+            </a:r>
+            <a:r>
+              <a:rPr lang="da-DK" baseline="0" dirty="0" err="1"/>
+              <a:t>closes</a:t>
+            </a:r>
+            <a:r>
+              <a:rPr lang="da-DK" baseline="0" dirty="0"/>
+              <a:t> the file </a:t>
+            </a:r>
+            <a:r>
+              <a:rPr lang="da-DK" baseline="0" dirty="0" err="1"/>
+              <a:t>automatically</a:t>
+            </a:r>
+            <a:endParaRPr lang="da-DK" baseline="0" dirty="0"/>
+          </a:p>
+          <a:p>
+            <a:r>
+              <a:rPr lang="da-DK" b="1" baseline="0" dirty="0" err="1"/>
+              <a:t>Numpy</a:t>
+            </a:r>
+            <a:r>
+              <a:rPr lang="da-DK" b="1" baseline="0" dirty="0"/>
+              <a:t> </a:t>
+            </a:r>
+            <a:r>
+              <a:rPr lang="da-DK" baseline="0" dirty="0"/>
+              <a:t>and </a:t>
+            </a:r>
+            <a:r>
+              <a:rPr lang="da-DK" b="1" baseline="0" dirty="0"/>
+              <a:t>Pandas</a:t>
+            </a:r>
+            <a:r>
+              <a:rPr lang="da-DK" baseline="0" dirty="0"/>
+              <a:t> support </a:t>
+            </a:r>
+            <a:r>
+              <a:rPr lang="da-DK" baseline="0" dirty="0" err="1"/>
+              <a:t>reading</a:t>
+            </a:r>
+            <a:r>
+              <a:rPr lang="da-DK" baseline="0" dirty="0"/>
+              <a:t> </a:t>
+            </a:r>
+            <a:r>
+              <a:rPr lang="da-DK" baseline="0" dirty="0" err="1"/>
+              <a:t>tables</a:t>
+            </a:r>
+            <a:r>
+              <a:rPr lang="da-DK" baseline="0" dirty="0"/>
+              <a:t> </a:t>
+            </a:r>
+            <a:r>
+              <a:rPr lang="da-DK" baseline="0" dirty="0" err="1"/>
+              <a:t>directly</a:t>
+            </a:r>
+            <a:r>
+              <a:rPr lang="da-DK" baseline="0" dirty="0"/>
+              <a:t>, so no </a:t>
+            </a:r>
+            <a:r>
+              <a:rPr lang="da-DK" baseline="0" dirty="0" err="1"/>
+              <a:t>nead</a:t>
+            </a:r>
+            <a:r>
+              <a:rPr lang="da-DK" baseline="0" dirty="0"/>
+              <a:t> to </a:t>
+            </a:r>
+            <a:r>
+              <a:rPr lang="da-DK" baseline="0" dirty="0" err="1"/>
+              <a:t>use</a:t>
+            </a:r>
+            <a:r>
+              <a:rPr lang="da-DK" baseline="0" dirty="0"/>
+              <a:t> the CSV </a:t>
+            </a:r>
+            <a:r>
+              <a:rPr lang="da-DK" baseline="0" dirty="0" err="1"/>
+              <a:t>module</a:t>
+            </a:r>
+            <a:endParaRPr lang="en-US" dirty="0"/>
           </a:p>
         </p:txBody>
       </p:sp>
@@ -2930,7 +3323,7 @@
             <a:spLocks noGrp="1"/>
           </p:cNvSpPr>
           <p:nvPr>
-            <p:ph type="sldNum" sz="quarter" idx="5"/>
+            <p:ph type="sldNum" sz="quarter" idx="10"/>
           </p:nvPr>
         </p:nvSpPr>
         <p:spPr/>
@@ -2940,7 +3333,7 @@
           <a:p>
             <a:fld id="{CD563DD8-32AB-41BE-B1C6-8EAC45222ACE}" type="slidenum">
               <a:rPr lang="en-US" smtClean="0"/>
-              <a:t>5</a:t>
+              <a:t>4</a:t>
             </a:fld>
             <a:endParaRPr lang="en-US"/>
           </a:p>
@@ -2949,7 +3342,7 @@
     </p:spTree>
     <p:extLst>
       <p:ext uri="{BB962C8B-B14F-4D97-AF65-F5344CB8AC3E}">
-        <p14:creationId xmlns:p14="http://schemas.microsoft.com/office/powerpoint/2010/main" val="3123941858"/>
+        <p14:creationId xmlns:p14="http://schemas.microsoft.com/office/powerpoint/2010/main" val="3670425801"/>
       </p:ext>
     </p:extLst>
   </p:cSld>
@@ -3005,156 +3398,39 @@
           <a:p>
             <a:r>
               <a:rPr lang="en-US" dirty="0"/>
-              <a:t>Fun fact: Saving “comma” separated in</a:t>
-            </a:r>
-            <a:r>
-              <a:rPr lang="en-US" baseline="0" dirty="0"/>
-              <a:t> Excel uses semi-colon </a:t>
-            </a:r>
-            <a:r>
-              <a:rPr lang="en-US" baseline="0" dirty="0">
-                <a:sym typeface="Wingdings" panose="05000000000000000000" pitchFamily="2" charset="2"/>
-              </a:rPr>
-              <a:t></a:t>
+              <a:t>Sometimes “.csv” files that are tab-separated are called “.</a:t>
+            </a:r>
+            <a:r>
+              <a:rPr lang="en-US" dirty="0" err="1"/>
+              <a:t>tsv</a:t>
+            </a:r>
+            <a:r>
+              <a:rPr lang="en-US" dirty="0"/>
+              <a:t>” files</a:t>
             </a:r>
           </a:p>
           <a:p>
             <a:r>
-              <a:rPr lang="da-DK" baseline="0" dirty="0">
-                <a:sym typeface="Wingdings" panose="05000000000000000000" pitchFamily="2" charset="2"/>
-              </a:rPr>
-              <a:t>grade : </a:t>
-            </a:r>
-            <a:r>
-              <a:rPr lang="da-DK" baseline="0" dirty="0" err="1">
-                <a:sym typeface="Wingdings" panose="05000000000000000000" pitchFamily="2" charset="2"/>
-              </a:rPr>
-              <a:t>remember</a:t>
-            </a:r>
-            <a:r>
-              <a:rPr lang="da-DK" baseline="0" dirty="0">
-                <a:sym typeface="Wingdings" panose="05000000000000000000" pitchFamily="2" charset="2"/>
-              </a:rPr>
-              <a:t> to </a:t>
-            </a:r>
-            <a:r>
-              <a:rPr lang="da-DK" baseline="0" dirty="0" err="1">
-                <a:sym typeface="Wingdings" panose="05000000000000000000" pitchFamily="2" charset="2"/>
-              </a:rPr>
-              <a:t>convert</a:t>
-            </a:r>
-            <a:r>
-              <a:rPr lang="da-DK" baseline="0" dirty="0">
-                <a:sym typeface="Wingdings" panose="05000000000000000000" pitchFamily="2" charset="2"/>
-              </a:rPr>
-              <a:t> to </a:t>
-            </a:r>
-            <a:r>
-              <a:rPr lang="da-DK" baseline="0" dirty="0" err="1">
-                <a:sym typeface="Wingdings" panose="05000000000000000000" pitchFamily="2" charset="2"/>
-              </a:rPr>
-              <a:t>int</a:t>
-            </a:r>
-            <a:endParaRPr lang="da-DK" baseline="0" dirty="0">
-              <a:sym typeface="Wingdings" panose="05000000000000000000" pitchFamily="2" charset="2"/>
-            </a:endParaRPr>
-          </a:p>
-          <a:p>
-            <a:r>
-              <a:rPr lang="da-DK" baseline="0" dirty="0" err="1">
-                <a:sym typeface="Wingdings" panose="05000000000000000000" pitchFamily="2" charset="2"/>
-              </a:rPr>
-              <a:t>Use</a:t>
-            </a:r>
-            <a:r>
-              <a:rPr lang="da-DK" baseline="0" dirty="0">
-                <a:sym typeface="Wingdings" panose="05000000000000000000" pitchFamily="2" charset="2"/>
-              </a:rPr>
-              <a:t> ”.</a:t>
-            </a:r>
-            <a:r>
-              <a:rPr lang="da-DK" baseline="0" dirty="0" err="1">
-                <a:sym typeface="Wingdings" panose="05000000000000000000" pitchFamily="2" charset="2"/>
-              </a:rPr>
-              <a:t>get</a:t>
-            </a:r>
-            <a:r>
-              <a:rPr lang="da-DK" baseline="0" dirty="0">
-                <a:sym typeface="Wingdings" panose="05000000000000000000" pitchFamily="2" charset="2"/>
-              </a:rPr>
-              <a:t>” to </a:t>
-            </a:r>
-            <a:r>
-              <a:rPr lang="da-DK" baseline="0" dirty="0" err="1">
-                <a:sym typeface="Wingdings" panose="05000000000000000000" pitchFamily="2" charset="2"/>
-              </a:rPr>
-              <a:t>allow</a:t>
-            </a:r>
-            <a:r>
-              <a:rPr lang="da-DK" baseline="0" dirty="0">
-                <a:sym typeface="Wingdings" panose="05000000000000000000" pitchFamily="2" charset="2"/>
-              </a:rPr>
-              <a:t> </a:t>
-            </a:r>
-            <a:r>
-              <a:rPr lang="da-DK" baseline="0" dirty="0" err="1">
-                <a:sym typeface="Wingdings" panose="05000000000000000000" pitchFamily="2" charset="2"/>
-              </a:rPr>
-              <a:t>undefined</a:t>
-            </a:r>
-            <a:r>
-              <a:rPr lang="da-DK" baseline="0" dirty="0">
-                <a:sym typeface="Wingdings" panose="05000000000000000000" pitchFamily="2" charset="2"/>
-              </a:rPr>
-              <a:t> </a:t>
-            </a:r>
-            <a:r>
-              <a:rPr lang="da-DK" baseline="0" dirty="0" err="1">
-                <a:sym typeface="Wingdings" panose="05000000000000000000" pitchFamily="2" charset="2"/>
-              </a:rPr>
-              <a:t>entries</a:t>
-            </a:r>
-            <a:r>
-              <a:rPr lang="da-DK" baseline="0" dirty="0">
-                <a:sym typeface="Wingdings" panose="05000000000000000000" pitchFamily="2" charset="2"/>
-              </a:rPr>
-              <a:t> and </a:t>
-            </a:r>
-            <a:r>
-              <a:rPr lang="da-DK" baseline="0" dirty="0" err="1">
-                <a:sym typeface="Wingdings" panose="05000000000000000000" pitchFamily="2" charset="2"/>
-              </a:rPr>
-              <a:t>get</a:t>
-            </a:r>
-            <a:r>
-              <a:rPr lang="da-DK" baseline="0" dirty="0">
-                <a:sym typeface="Wingdings" panose="05000000000000000000" pitchFamily="2" charset="2"/>
-              </a:rPr>
-              <a:t> a default </a:t>
-            </a:r>
-            <a:r>
-              <a:rPr lang="da-DK" baseline="0" dirty="0" err="1">
-                <a:sym typeface="Wingdings" panose="05000000000000000000" pitchFamily="2" charset="2"/>
-              </a:rPr>
-              <a:t>value</a:t>
-            </a:r>
-            <a:endParaRPr lang="da-DK" baseline="0" dirty="0">
-              <a:sym typeface="Wingdings" panose="05000000000000000000" pitchFamily="2" charset="2"/>
-            </a:endParaRPr>
-          </a:p>
-          <a:p>
-            <a:endParaRPr lang="da-DK" baseline="0" dirty="0">
-              <a:sym typeface="Wingdings" panose="05000000000000000000" pitchFamily="2" charset="2"/>
-            </a:endParaRPr>
-          </a:p>
-          <a:p>
-            <a:r>
-              <a:rPr lang="da-DK" baseline="0" dirty="0">
-                <a:sym typeface="Wingdings" panose="05000000000000000000" pitchFamily="2" charset="2"/>
-              </a:rPr>
-              <a:t>Excel &gt; File &gt; Options &gt; Advanced </a:t>
-            </a:r>
-            <a:endParaRPr lang="en-US" dirty="0"/>
+              <a:rPr lang="en-US" dirty="0"/>
+              <a:t>It is common that </a:t>
+            </a:r>
+            <a:r>
+              <a:rPr lang="en-US" dirty="0" err="1"/>
+              <a:t>fiels</a:t>
+            </a:r>
+            <a:r>
+              <a:rPr lang="en-US" dirty="0"/>
+              <a:t> using “;” as separator are also called “.csv” </a:t>
+            </a:r>
+            <a:r>
+              <a:rPr lang="en-US"/>
+              <a:t>files (confusing</a:t>
+            </a:r>
+            <a:r>
+              <a:rPr lang="en-US" dirty="0"/>
+              <a:t>!)</a:t>
+            </a:r>
+            <a:endParaRPr lang="da-DK" dirty="0"/>
           </a:p>
         </p:txBody>
       </p:sp>
@@ -3165,7 +3441,7 @@
             <a:spLocks noGrp="1"/>
           </p:cNvSpPr>
           <p:nvPr>
-            <p:ph type="sldNum" sz="quarter" idx="10"/>
+            <p:ph type="sldNum" sz="quarter" idx="5"/>
           </p:nvPr>
         </p:nvSpPr>
         <p:spPr/>
@@ -3175,7 +3451,7 @@
           <a:p>
             <a:fld id="{CD563DD8-32AB-41BE-B1C6-8EAC45222ACE}" type="slidenum">
               <a:rPr lang="en-US" smtClean="0"/>
-              <a:t>6</a:t>
+              <a:t>5</a:t>
             </a:fld>
             <a:endParaRPr lang="en-US"/>
           </a:p>
@@ -3184,7 +3460,7 @@
     </p:spTree>
     <p:extLst>
       <p:ext uri="{BB962C8B-B14F-4D97-AF65-F5344CB8AC3E}">
-        <p14:creationId xmlns:p14="http://schemas.microsoft.com/office/powerpoint/2010/main" val="3062936340"/>
+        <p14:creationId xmlns:p14="http://schemas.microsoft.com/office/powerpoint/2010/main" val="3123941858"/>
       </p:ext>
     </p:extLst>
   </p:cSld>
@@ -3239,150 +3515,210 @@
           <a:lstStyle/>
           <a:p>
             <a:r>
-              <a:rPr lang="da-DK" dirty="0" err="1"/>
-              <a:t>Since</a:t>
-            </a:r>
-            <a:r>
-              <a:rPr lang="da-DK" baseline="0" dirty="0"/>
-              <a:t> the columns in </a:t>
-            </a:r>
-            <a:r>
-              <a:rPr lang="da-DK" baseline="0" dirty="0" err="1"/>
-              <a:t>csv</a:t>
-            </a:r>
-            <a:r>
-              <a:rPr lang="da-DK" baseline="0" dirty="0"/>
-              <a:t> files have a given type by the </a:t>
-            </a:r>
-            <a:r>
-              <a:rPr lang="da-DK" baseline="0" dirty="0" err="1"/>
-              <a:t>application</a:t>
-            </a:r>
-            <a:r>
-              <a:rPr lang="da-DK" baseline="0" dirty="0"/>
-              <a:t> </a:t>
-            </a:r>
-            <a:r>
-              <a:rPr lang="da-DK" baseline="0" dirty="0" err="1"/>
-              <a:t>using</a:t>
-            </a:r>
-            <a:r>
-              <a:rPr lang="da-DK" baseline="0" dirty="0"/>
-              <a:t> the </a:t>
-            </a:r>
-            <a:r>
-              <a:rPr lang="da-DK" baseline="0" dirty="0" err="1"/>
-              <a:t>csv</a:t>
-            </a:r>
-            <a:r>
-              <a:rPr lang="da-DK" baseline="0" dirty="0"/>
-              <a:t> file, it </a:t>
-            </a:r>
-            <a:r>
-              <a:rPr lang="da-DK" baseline="0" dirty="0" err="1"/>
-              <a:t>might</a:t>
-            </a:r>
-            <a:r>
-              <a:rPr lang="da-DK" baseline="0" dirty="0"/>
-              <a:t> not </a:t>
-            </a:r>
-            <a:r>
-              <a:rPr lang="da-DK" baseline="0" dirty="0" err="1"/>
-              <a:t>be</a:t>
-            </a:r>
-            <a:r>
-              <a:rPr lang="da-DK" baseline="0" dirty="0"/>
-              <a:t> a problem not to </a:t>
-            </a:r>
-            <a:r>
-              <a:rPr lang="da-DK" baseline="0" dirty="0" err="1"/>
-              <a:t>be</a:t>
-            </a:r>
-            <a:r>
-              <a:rPr lang="da-DK" baseline="0" dirty="0"/>
-              <a:t> </a:t>
-            </a:r>
-            <a:r>
-              <a:rPr lang="da-DK" baseline="0" dirty="0" err="1"/>
-              <a:t>able</a:t>
-            </a:r>
-            <a:r>
-              <a:rPr lang="da-DK" baseline="0" dirty="0"/>
-              <a:t> to </a:t>
-            </a:r>
-            <a:r>
-              <a:rPr lang="da-DK" baseline="0" dirty="0" err="1"/>
-              <a:t>differentiate</a:t>
-            </a:r>
-            <a:r>
-              <a:rPr lang="da-DK" baseline="0" dirty="0"/>
-              <a:t> </a:t>
-            </a:r>
-            <a:r>
-              <a:rPr lang="da-DK" baseline="0" dirty="0" err="1"/>
-              <a:t>between</a:t>
-            </a:r>
-            <a:r>
-              <a:rPr lang="da-DK" baseline="0" dirty="0"/>
-              <a:t> </a:t>
-            </a:r>
-            <a:r>
-              <a:rPr lang="da-DK" baseline="0" dirty="0" err="1"/>
-              <a:t>numbers</a:t>
-            </a:r>
-            <a:r>
-              <a:rPr lang="da-DK" baseline="0" dirty="0"/>
-              <a:t> and </a:t>
-            </a:r>
-            <a:r>
-              <a:rPr lang="da-DK" baseline="0" dirty="0" err="1"/>
-              <a:t>strings</a:t>
-            </a:r>
-            <a:r>
-              <a:rPr lang="da-DK" baseline="0" dirty="0"/>
-              <a:t> </a:t>
-            </a:r>
-            <a:r>
-              <a:rPr lang="da-DK" baseline="0" dirty="0" err="1"/>
-              <a:t>containing</a:t>
-            </a:r>
-            <a:r>
-              <a:rPr lang="da-DK" baseline="0" dirty="0"/>
-              <a:t> </a:t>
-            </a:r>
-            <a:r>
-              <a:rPr lang="da-DK" baseline="0" dirty="0" err="1"/>
-              <a:t>numbers</a:t>
-            </a:r>
-            <a:endParaRPr lang="da-DK" baseline="0" dirty="0"/>
+              <a:rPr lang="en-US" dirty="0"/>
+              <a:t>Fun fact: Saving “comma” separated in</a:t>
+            </a:r>
+            <a:r>
+              <a:rPr lang="en-US" baseline="0" dirty="0"/>
+              <a:t> Excel uses semi-colon </a:t>
+            </a:r>
+            <a:r>
+              <a:rPr lang="en-US" baseline="0" dirty="0">
+                <a:sym typeface="Wingdings" panose="05000000000000000000" pitchFamily="2" charset="2"/>
+              </a:rPr>
+              <a:t></a:t>
+            </a:r>
           </a:p>
           <a:p>
-            <a:endParaRPr lang="da-DK" baseline="0" dirty="0"/>
+            <a:r>
+              <a:rPr lang="da-DK" baseline="0" dirty="0">
+                <a:sym typeface="Wingdings" panose="05000000000000000000" pitchFamily="2" charset="2"/>
+              </a:rPr>
+              <a:t>grade : </a:t>
+            </a:r>
+            <a:r>
+              <a:rPr lang="da-DK" baseline="0" dirty="0" err="1">
+                <a:sym typeface="Wingdings" panose="05000000000000000000" pitchFamily="2" charset="2"/>
+              </a:rPr>
+              <a:t>remember</a:t>
+            </a:r>
+            <a:r>
+              <a:rPr lang="da-DK" baseline="0" dirty="0">
+                <a:sym typeface="Wingdings" panose="05000000000000000000" pitchFamily="2" charset="2"/>
+              </a:rPr>
+              <a:t> to </a:t>
+            </a:r>
+            <a:r>
+              <a:rPr lang="da-DK" baseline="0" dirty="0" err="1">
+                <a:sym typeface="Wingdings" panose="05000000000000000000" pitchFamily="2" charset="2"/>
+              </a:rPr>
+              <a:t>convert</a:t>
+            </a:r>
+            <a:r>
+              <a:rPr lang="da-DK" baseline="0" dirty="0">
+                <a:sym typeface="Wingdings" panose="05000000000000000000" pitchFamily="2" charset="2"/>
+              </a:rPr>
+              <a:t> to </a:t>
+            </a:r>
+            <a:r>
+              <a:rPr lang="da-DK" baseline="0" dirty="0" err="1">
+                <a:sym typeface="Wingdings" panose="05000000000000000000" pitchFamily="2" charset="2"/>
+              </a:rPr>
+              <a:t>int</a:t>
+            </a:r>
+            <a:endParaRPr lang="da-DK" baseline="0" dirty="0">
+              <a:sym typeface="Wingdings" panose="05000000000000000000" pitchFamily="2" charset="2"/>
+            </a:endParaRPr>
           </a:p>
           <a:p>
             <a:r>
-              <a:rPr lang="da-DK" baseline="0" dirty="0" err="1"/>
-              <a:t>csv.QUOTE</a:t>
-            </a:r>
-            <a:r>
-              <a:rPr lang="da-DK" baseline="0" dirty="0"/>
-              <a:t>_... </a:t>
-            </a:r>
-            <a:r>
-              <a:rPr lang="da-DK" baseline="0" dirty="0" err="1"/>
-              <a:t>are</a:t>
-            </a:r>
-            <a:r>
-              <a:rPr lang="da-DK" baseline="0" dirty="0"/>
-              <a:t> just </a:t>
-            </a:r>
-            <a:r>
-              <a:rPr lang="da-DK" baseline="0" dirty="0" err="1"/>
-              <a:t>integers</a:t>
-            </a:r>
-            <a:endParaRPr lang="da-DK" baseline="0" dirty="0"/>
+              <a:rPr lang="da-DK" baseline="0" dirty="0" err="1">
+                <a:sym typeface="Wingdings" panose="05000000000000000000" pitchFamily="2" charset="2"/>
+              </a:rPr>
+              <a:t>Use</a:t>
+            </a:r>
+            <a:r>
+              <a:rPr lang="da-DK" baseline="0" dirty="0">
+                <a:sym typeface="Wingdings" panose="05000000000000000000" pitchFamily="2" charset="2"/>
+              </a:rPr>
+              <a:t> ”.</a:t>
+            </a:r>
+            <a:r>
+              <a:rPr lang="da-DK" baseline="0" dirty="0" err="1">
+                <a:sym typeface="Wingdings" panose="05000000000000000000" pitchFamily="2" charset="2"/>
+              </a:rPr>
+              <a:t>get</a:t>
+            </a:r>
+            <a:r>
+              <a:rPr lang="da-DK" baseline="0" dirty="0">
+                <a:sym typeface="Wingdings" panose="05000000000000000000" pitchFamily="2" charset="2"/>
+              </a:rPr>
+              <a:t>” to </a:t>
+            </a:r>
+            <a:r>
+              <a:rPr lang="da-DK" baseline="0" dirty="0" err="1">
+                <a:sym typeface="Wingdings" panose="05000000000000000000" pitchFamily="2" charset="2"/>
+              </a:rPr>
+              <a:t>allow</a:t>
+            </a:r>
+            <a:r>
+              <a:rPr lang="da-DK" baseline="0" dirty="0">
+                <a:sym typeface="Wingdings" panose="05000000000000000000" pitchFamily="2" charset="2"/>
+              </a:rPr>
+              <a:t> </a:t>
+            </a:r>
+            <a:r>
+              <a:rPr lang="da-DK" baseline="0" dirty="0" err="1">
+                <a:sym typeface="Wingdings" panose="05000000000000000000" pitchFamily="2" charset="2"/>
+              </a:rPr>
+              <a:t>undefined</a:t>
+            </a:r>
+            <a:r>
+              <a:rPr lang="da-DK" baseline="0" dirty="0">
+                <a:sym typeface="Wingdings" panose="05000000000000000000" pitchFamily="2" charset="2"/>
+              </a:rPr>
+              <a:t> </a:t>
+            </a:r>
+            <a:r>
+              <a:rPr lang="da-DK" baseline="0" dirty="0" err="1">
+                <a:sym typeface="Wingdings" panose="05000000000000000000" pitchFamily="2" charset="2"/>
+              </a:rPr>
+              <a:t>entries</a:t>
+            </a:r>
+            <a:r>
+              <a:rPr lang="da-DK" baseline="0" dirty="0">
+                <a:sym typeface="Wingdings" panose="05000000000000000000" pitchFamily="2" charset="2"/>
+              </a:rPr>
+              <a:t> and </a:t>
+            </a:r>
+            <a:r>
+              <a:rPr lang="da-DK" baseline="0" dirty="0" err="1">
+                <a:sym typeface="Wingdings" panose="05000000000000000000" pitchFamily="2" charset="2"/>
+              </a:rPr>
+              <a:t>get</a:t>
+            </a:r>
+            <a:r>
+              <a:rPr lang="da-DK" baseline="0" dirty="0">
+                <a:sym typeface="Wingdings" panose="05000000000000000000" pitchFamily="2" charset="2"/>
+              </a:rPr>
+              <a:t> a default </a:t>
+            </a:r>
+            <a:r>
+              <a:rPr lang="da-DK" baseline="0" dirty="0" err="1">
+                <a:sym typeface="Wingdings" panose="05000000000000000000" pitchFamily="2" charset="2"/>
+              </a:rPr>
+              <a:t>value</a:t>
+            </a:r>
+            <a:r>
+              <a:rPr lang="da-DK" baseline="0" dirty="0">
+                <a:sym typeface="Wingdings" panose="05000000000000000000" pitchFamily="2" charset="2"/>
+              </a:rPr>
+              <a:t> (</a:t>
+            </a:r>
+            <a:r>
+              <a:rPr lang="da-DK" baseline="0" dirty="0" err="1">
+                <a:sym typeface="Wingdings" panose="05000000000000000000" pitchFamily="2" charset="2"/>
+              </a:rPr>
+              <a:t>could</a:t>
+            </a:r>
+            <a:r>
+              <a:rPr lang="da-DK" baseline="0" dirty="0">
+                <a:sym typeface="Wingdings" panose="05000000000000000000" pitchFamily="2" charset="2"/>
+              </a:rPr>
+              <a:t> </a:t>
+            </a:r>
+            <a:r>
+              <a:rPr lang="da-DK" baseline="0" dirty="0" err="1">
+                <a:sym typeface="Wingdings" panose="05000000000000000000" pitchFamily="2" charset="2"/>
+              </a:rPr>
+              <a:t>also</a:t>
+            </a:r>
+            <a:r>
+              <a:rPr lang="da-DK" baseline="0" dirty="0">
+                <a:sym typeface="Wingdings" panose="05000000000000000000" pitchFamily="2" charset="2"/>
+              </a:rPr>
+              <a:t> have </a:t>
+            </a:r>
+            <a:r>
+              <a:rPr lang="da-DK" baseline="0" dirty="0" err="1">
+                <a:sym typeface="Wingdings" panose="05000000000000000000" pitchFamily="2" charset="2"/>
+              </a:rPr>
+              <a:t>used</a:t>
+            </a:r>
+            <a:r>
+              <a:rPr lang="da-DK" baseline="0" dirty="0">
+                <a:sym typeface="Wingdings" panose="05000000000000000000" pitchFamily="2" charset="2"/>
+              </a:rPr>
+              <a:t> a "</a:t>
+            </a:r>
+            <a:r>
+              <a:rPr lang="da-DK" baseline="0" dirty="0" err="1">
+                <a:sym typeface="Wingdings" panose="05000000000000000000" pitchFamily="2" charset="2"/>
+              </a:rPr>
+              <a:t>defaultdict</a:t>
+            </a:r>
+            <a:r>
+              <a:rPr lang="da-DK" baseline="0">
+                <a:sym typeface="Wingdings" panose="05000000000000000000" pitchFamily="2" charset="2"/>
+              </a:rPr>
+              <a:t>")</a:t>
+            </a:r>
+            <a:endParaRPr lang="da-DK" baseline="0" dirty="0">
+              <a:sym typeface="Wingdings" panose="05000000000000000000" pitchFamily="2" charset="2"/>
+            </a:endParaRPr>
           </a:p>
           <a:p>
+            <a:endParaRPr lang="da-DK" baseline="0" dirty="0">
+              <a:sym typeface="Wingdings" panose="05000000000000000000" pitchFamily="2" charset="2"/>
+            </a:endParaRPr>
+          </a:p>
+          <a:p>
+            <a:r>
+              <a:rPr lang="da-DK" baseline="0" dirty="0">
+                <a:sym typeface="Wingdings" panose="05000000000000000000" pitchFamily="2" charset="2"/>
+              </a:rPr>
+              <a:t>Excel &gt; File &gt; Options &gt; Advanced </a:t>
+            </a:r>
             <a:endParaRPr lang="en-US" dirty="0"/>
           </a:p>
         </p:txBody>
@@ -3404,7 +3740,7 @@
           <a:p>
             <a:fld id="{CD563DD8-32AB-41BE-B1C6-8EAC45222ACE}" type="slidenum">
               <a:rPr lang="en-US" smtClean="0"/>
-              <a:t>7</a:t>
+              <a:t>6</a:t>
             </a:fld>
             <a:endParaRPr lang="en-US"/>
           </a:p>
@@ -3413,7 +3749,7 @@
     </p:spTree>
     <p:extLst>
       <p:ext uri="{BB962C8B-B14F-4D97-AF65-F5344CB8AC3E}">
-        <p14:creationId xmlns:p14="http://schemas.microsoft.com/office/powerpoint/2010/main" val="575137467"/>
+        <p14:creationId xmlns:p14="http://schemas.microsoft.com/office/powerpoint/2010/main" val="3062936340"/>
       </p:ext>
     </p:extLst>
   </p:cSld>
@@ -3468,116 +3804,24 @@
           <a:lstStyle/>
           <a:p>
             <a:r>
-              <a:rPr lang="da-DK" dirty="0"/>
-              <a:t>Notepad on Windows </a:t>
-            </a:r>
-            <a:r>
               <a:rPr lang="da-DK" dirty="0" err="1"/>
-              <a:t>can</a:t>
-            </a:r>
-            <a:r>
-              <a:rPr lang="da-DK" dirty="0"/>
-              <a:t> </a:t>
-            </a:r>
-            <a:r>
-              <a:rPr lang="da-DK" dirty="0" err="1"/>
-              <a:t>e.g</a:t>
-            </a:r>
-            <a:r>
-              <a:rPr lang="da-DK" dirty="0"/>
-              <a:t>. </a:t>
-            </a:r>
-            <a:r>
-              <a:rPr lang="da-DK" dirty="0" err="1"/>
-              <a:t>tell</a:t>
-            </a:r>
-            <a:r>
-              <a:rPr lang="da-DK" dirty="0"/>
-              <a:t> </a:t>
-            </a:r>
-            <a:r>
-              <a:rPr lang="da-DK" dirty="0" err="1"/>
-              <a:t>you</a:t>
-            </a:r>
-            <a:r>
-              <a:rPr lang="da-DK" dirty="0"/>
-              <a:t> a file </a:t>
-            </a:r>
-            <a:r>
-              <a:rPr lang="da-DK" dirty="0" err="1"/>
-              <a:t>encoding</a:t>
-            </a:r>
-            <a:r>
-              <a:rPr lang="da-DK" dirty="0"/>
-              <a:t> </a:t>
-            </a:r>
-            <a:r>
-              <a:rPr lang="da-DK" dirty="0" err="1"/>
-              <a:t>when</a:t>
-            </a:r>
-            <a:r>
-              <a:rPr lang="da-DK" dirty="0"/>
-              <a:t> </a:t>
-            </a:r>
-            <a:r>
-              <a:rPr lang="da-DK" dirty="0" err="1"/>
-              <a:t>you</a:t>
-            </a:r>
-            <a:r>
-              <a:rPr lang="da-DK" dirty="0"/>
-              <a:t> </a:t>
-            </a:r>
-            <a:r>
-              <a:rPr lang="da-DK" dirty="0" err="1"/>
-              <a:t>select</a:t>
-            </a:r>
-            <a:r>
-              <a:rPr lang="da-DK" dirty="0"/>
-              <a:t> ”Save as”</a:t>
-            </a:r>
-          </a:p>
-          <a:p>
-            <a:r>
-              <a:rPr lang="da-DK" dirty="0"/>
-              <a:t>Online </a:t>
-            </a:r>
-            <a:r>
-              <a:rPr lang="da-DK" dirty="0" err="1"/>
-              <a:t>tools</a:t>
-            </a:r>
-            <a:r>
-              <a:rPr lang="da-DK" dirty="0"/>
-              <a:t> </a:t>
-            </a:r>
-            <a:r>
-              <a:rPr lang="da-DK" dirty="0" err="1"/>
-              <a:t>can</a:t>
-            </a:r>
-            <a:r>
-              <a:rPr lang="da-DK" dirty="0"/>
-              <a:t> </a:t>
-            </a:r>
-            <a:r>
-              <a:rPr lang="da-DK" dirty="0" err="1"/>
-              <a:t>also</a:t>
-            </a:r>
-            <a:r>
-              <a:rPr lang="da-DK" dirty="0"/>
-              <a:t> do it</a:t>
-            </a:r>
-          </a:p>
-          <a:p>
-            <a:r>
-              <a:rPr lang="da-DK" dirty="0" err="1"/>
-              <a:t>Python</a:t>
-            </a:r>
-            <a:r>
-              <a:rPr lang="da-DK" dirty="0"/>
-              <a:t> </a:t>
-            </a:r>
-            <a:r>
-              <a:rPr lang="da-DK" dirty="0" err="1"/>
-              <a:t>packages</a:t>
+              <a:t>Since</a:t>
+            </a:r>
+            <a:r>
+              <a:rPr lang="da-DK" baseline="0" dirty="0"/>
+              <a:t> the columns in </a:t>
+            </a:r>
+            <a:r>
+              <a:rPr lang="da-DK" baseline="0" dirty="0" err="1"/>
+              <a:t>csv</a:t>
+            </a:r>
+            <a:r>
+              <a:rPr lang="da-DK" baseline="0" dirty="0"/>
+              <a:t> files have a given type by the </a:t>
+            </a:r>
+            <a:r>
+              <a:rPr lang="da-DK" baseline="0" dirty="0" err="1"/>
+              <a:t>application</a:t>
             </a:r>
             <a:r>
               <a:rPr lang="da-DK" baseline="0" dirty="0"/>
@@ -3585,7 +3829,39 @@
             </a:r>
             <a:r>
               <a:rPr lang="da-DK" baseline="0" dirty="0" err="1"/>
-              <a:t>also</a:t>
+              <a:t>using</a:t>
+            </a:r>
+            <a:r>
+              <a:rPr lang="da-DK" baseline="0" dirty="0"/>
+              <a:t> the </a:t>
+            </a:r>
+            <a:r>
+              <a:rPr lang="da-DK" baseline="0" dirty="0" err="1"/>
+              <a:t>csv</a:t>
+            </a:r>
+            <a:r>
+              <a:rPr lang="da-DK" baseline="0" dirty="0"/>
+              <a:t> file, it </a:t>
+            </a:r>
+            <a:r>
+              <a:rPr lang="da-DK" baseline="0" dirty="0" err="1"/>
+              <a:t>might</a:t>
+            </a:r>
+            <a:r>
+              <a:rPr lang="da-DK" baseline="0" dirty="0"/>
+              <a:t> not </a:t>
+            </a:r>
+            <a:r>
+              <a:rPr lang="da-DK" baseline="0" dirty="0" err="1"/>
+              <a:t>be</a:t>
+            </a:r>
+            <a:r>
+              <a:rPr lang="da-DK" baseline="0" dirty="0"/>
+              <a:t> a problem not to </a:t>
+            </a:r>
+            <a:r>
+              <a:rPr lang="da-DK" baseline="0" dirty="0" err="1"/>
+              <a:t>be</a:t>
             </a:r>
             <a:r>
               <a:rPr lang="da-DK" baseline="0" dirty="0"/>
@@ -3593,33 +3869,15 @@
             </a:r>
             <a:r>
               <a:rPr lang="da-DK" baseline="0" dirty="0" err="1"/>
-              <a:t>exist</a:t>
-            </a:r>
-            <a:endParaRPr lang="da-DK" dirty="0"/>
-          </a:p>
-          <a:p>
-            <a:endParaRPr lang="da-DK" dirty="0"/>
-          </a:p>
-          <a:p>
-            <a:r>
-              <a:rPr lang="da-DK" dirty="0"/>
-              <a:t>Longer </a:t>
-            </a:r>
-            <a:r>
-              <a:rPr lang="da-DK" dirty="0" err="1"/>
-              <a:t>string</a:t>
-            </a:r>
-            <a:r>
-              <a:rPr lang="da-DK" dirty="0"/>
-              <a:t> ”Æ </a:t>
-            </a:r>
-            <a:r>
-              <a:rPr lang="da-DK" dirty="0" err="1"/>
-              <a:t>Æ</a:t>
-            </a:r>
-            <a:r>
-              <a:rPr lang="da-DK" dirty="0"/>
-              <a:t> U Å Æ Ø I Æ Å, Æ</a:t>
+              <a:t>able</a:t>
+            </a:r>
+            <a:r>
+              <a:rPr lang="da-DK" baseline="0" dirty="0"/>
+              <a:t> to </a:t>
+            </a:r>
+            <a:r>
+              <a:rPr lang="da-DK" baseline="0" dirty="0" err="1"/>
+              <a:t>differentiate</a:t>
             </a:r>
             <a:r>
               <a:rPr lang="da-DK" baseline="0" dirty="0"/>
@@ -3627,103 +3885,69 @@
             </a:r>
             <a:r>
               <a:rPr lang="da-DK" baseline="0" dirty="0" err="1"/>
-              <a:t>Æ</a:t>
+              <a:t>between</a:t>
             </a:r>
             <a:r>
               <a:rPr lang="da-DK" baseline="0" dirty="0"/>
-              <a:t>!”</a:t>
-            </a:r>
+              <a:t> </a:t>
+            </a:r>
+            <a:r>
+              <a:rPr lang="da-DK" baseline="0" dirty="0" err="1"/>
+              <a:t>numbers</a:t>
+            </a:r>
+            <a:r>
+              <a:rPr lang="da-DK" baseline="0" dirty="0"/>
+              <a:t> and </a:t>
+            </a:r>
+            <a:r>
+              <a:rPr lang="da-DK" baseline="0" dirty="0" err="1"/>
+              <a:t>strings</a:t>
+            </a:r>
+            <a:r>
+              <a:rPr lang="da-DK" baseline="0" dirty="0"/>
+              <a:t> </a:t>
+            </a:r>
+            <a:r>
+              <a:rPr lang="da-DK" baseline="0" dirty="0" err="1"/>
+              <a:t>containing</a:t>
+            </a:r>
+            <a:r>
+              <a:rPr lang="da-DK" baseline="0" dirty="0"/>
+              <a:t> </a:t>
+            </a:r>
+            <a:r>
+              <a:rPr lang="da-DK" baseline="0" dirty="0" err="1"/>
+              <a:t>numbers</a:t>
+            </a:r>
+            <a:endParaRPr lang="da-DK" baseline="0" dirty="0"/>
           </a:p>
           <a:p>
             <a:endParaRPr lang="da-DK" baseline="0" dirty="0"/>
           </a:p>
           <a:p>
             <a:r>
+              <a:rPr lang="da-DK" baseline="0" dirty="0" err="1"/>
+              <a:t>csv.QUOTE</a:t>
+            </a:r>
+            <a:r>
               <a:rPr lang="da-DK" baseline="0" dirty="0"/>
-              <a:t>EMACS:</a:t>
-            </a:r>
+              <a:t>_... </a:t>
+            </a:r>
+            <a:r>
+              <a:rPr lang="da-DK" baseline="0" dirty="0" err="1"/>
+              <a:t>are</a:t>
+            </a:r>
+            <a:r>
+              <a:rPr lang="da-DK" baseline="0" dirty="0"/>
+              <a:t> just </a:t>
+            </a:r>
+            <a:r>
+              <a:rPr lang="da-DK" baseline="0" dirty="0" err="1"/>
+              <a:t>integers</a:t>
+            </a:r>
+            <a:endParaRPr lang="da-DK" baseline="0" dirty="0"/>
           </a:p>
           <a:p>
-            <a:r>
-              <a:rPr lang="da-DK" baseline="0" dirty="0" err="1"/>
-              <a:t>Ctrl</a:t>
-            </a:r>
-            <a:r>
-              <a:rPr lang="da-DK" baseline="0" dirty="0"/>
-              <a:t>-h v </a:t>
-            </a:r>
-            <a:r>
-              <a:rPr lang="en-US" dirty="0"/>
-              <a:t>buffer-file-coding-system </a:t>
-            </a:r>
-            <a:r>
-              <a:rPr lang="en-US" baseline="0" dirty="0"/>
-              <a:t> (describe current buffers encoding)</a:t>
-            </a:r>
-            <a:endParaRPr lang="en-US" dirty="0"/>
-          </a:p>
-          <a:p>
-            <a:pPr algn="l"/>
-            <a:r>
-              <a:rPr lang="en-US" dirty="0"/>
-              <a:t>M-x set-buffer-file-coding-system  (before saving)</a:t>
-            </a:r>
-            <a:r>
-              <a:rPr lang="en-US" baseline="0" dirty="0"/>
-              <a:t> </a:t>
-            </a:r>
-            <a:endParaRPr lang="en-US" dirty="0"/>
-          </a:p>
-          <a:p>
-            <a:pPr algn="l"/>
-            <a:r>
-              <a:rPr lang="da-DK" dirty="0"/>
-              <a:t>M-x </a:t>
-            </a:r>
-            <a:r>
-              <a:rPr lang="da-DK" dirty="0" err="1"/>
-              <a:t>revert</a:t>
-            </a:r>
-            <a:r>
-              <a:rPr lang="da-DK" dirty="0"/>
-              <a:t>-buffer-with-</a:t>
-            </a:r>
-            <a:r>
-              <a:rPr lang="da-DK" dirty="0" err="1"/>
-              <a:t>coding</a:t>
-            </a:r>
-            <a:r>
-              <a:rPr lang="da-DK" dirty="0"/>
-              <a:t>-system  (on </a:t>
-            </a:r>
-            <a:r>
-              <a:rPr lang="da-DK" dirty="0" err="1"/>
-              <a:t>already</a:t>
-            </a:r>
-            <a:r>
-              <a:rPr lang="da-DK" dirty="0"/>
-              <a:t> open buffer,</a:t>
-            </a:r>
-            <a:r>
-              <a:rPr lang="da-DK" baseline="0" dirty="0"/>
-              <a:t> but with </a:t>
-            </a:r>
-            <a:r>
-              <a:rPr lang="da-DK" baseline="0" dirty="0" err="1"/>
-              <a:t>wrong</a:t>
-            </a:r>
-            <a:r>
-              <a:rPr lang="da-DK" baseline="0" dirty="0"/>
-              <a:t> </a:t>
-            </a:r>
-            <a:r>
-              <a:rPr lang="da-DK" baseline="0" dirty="0" err="1"/>
-              <a:t>encoding</a:t>
-            </a:r>
-            <a:r>
-              <a:rPr lang="da-DK" baseline="0" dirty="0"/>
-              <a:t>)</a:t>
-            </a:r>
             <a:endParaRPr lang="en-US" dirty="0"/>
           </a:p>
         </p:txBody>
@@ -3745,7 +3969,7 @@
           <a:p>
             <a:fld id="{CD563DD8-32AB-41BE-B1C6-8EAC45222ACE}" type="slidenum">
               <a:rPr lang="en-US" smtClean="0"/>
-              <a:t>8</a:t>
+              <a:t>7</a:t>
             </a:fld>
             <a:endParaRPr lang="en-US"/>
           </a:p>
@@ -3754,7 +3978,7 @@
     </p:spTree>
     <p:extLst>
       <p:ext uri="{BB962C8B-B14F-4D97-AF65-F5344CB8AC3E}">
-        <p14:creationId xmlns:p14="http://schemas.microsoft.com/office/powerpoint/2010/main" val="1966989945"/>
+        <p14:creationId xmlns:p14="http://schemas.microsoft.com/office/powerpoint/2010/main" val="575137467"/>
       </p:ext>
     </p:extLst>
   </p:cSld>
@@ -3809,6 +4033,347 @@
           <a:lstStyle/>
           <a:p>
             <a:r>
+              <a:rPr lang="da-DK" dirty="0"/>
+              <a:t>Notepad on Windows </a:t>
+            </a:r>
+            <a:r>
+              <a:rPr lang="da-DK" dirty="0" err="1"/>
+              <a:t>can</a:t>
+            </a:r>
+            <a:r>
+              <a:rPr lang="da-DK" dirty="0"/>
+              <a:t> </a:t>
+            </a:r>
+            <a:r>
+              <a:rPr lang="da-DK" dirty="0" err="1"/>
+              <a:t>e.g</a:t>
+            </a:r>
+            <a:r>
+              <a:rPr lang="da-DK" dirty="0"/>
+              <a:t>. </a:t>
+            </a:r>
+            <a:r>
+              <a:rPr lang="da-DK" dirty="0" err="1"/>
+              <a:t>tell</a:t>
+            </a:r>
+            <a:r>
+              <a:rPr lang="da-DK" dirty="0"/>
+              <a:t> </a:t>
+            </a:r>
+            <a:r>
+              <a:rPr lang="da-DK" dirty="0" err="1"/>
+              <a:t>you</a:t>
+            </a:r>
+            <a:r>
+              <a:rPr lang="da-DK" dirty="0"/>
+              <a:t> a file </a:t>
+            </a:r>
+            <a:r>
+              <a:rPr lang="da-DK" dirty="0" err="1"/>
+              <a:t>encoding</a:t>
+            </a:r>
+            <a:r>
+              <a:rPr lang="da-DK" dirty="0"/>
+              <a:t> </a:t>
+            </a:r>
+            <a:r>
+              <a:rPr lang="da-DK" dirty="0" err="1"/>
+              <a:t>when</a:t>
+            </a:r>
+            <a:r>
+              <a:rPr lang="da-DK" dirty="0"/>
+              <a:t> </a:t>
+            </a:r>
+            <a:r>
+              <a:rPr lang="da-DK" dirty="0" err="1"/>
+              <a:t>you</a:t>
+            </a:r>
+            <a:r>
+              <a:rPr lang="da-DK" dirty="0"/>
+              <a:t> </a:t>
+            </a:r>
+            <a:r>
+              <a:rPr lang="da-DK" dirty="0" err="1"/>
+              <a:t>select</a:t>
+            </a:r>
+            <a:r>
+              <a:rPr lang="da-DK" dirty="0"/>
+              <a:t> ”Save as”</a:t>
+            </a:r>
+          </a:p>
+          <a:p>
+            <a:r>
+              <a:rPr lang="da-DK" dirty="0"/>
+              <a:t>Online </a:t>
+            </a:r>
+            <a:r>
+              <a:rPr lang="da-DK" dirty="0" err="1"/>
+              <a:t>tools</a:t>
+            </a:r>
+            <a:r>
+              <a:rPr lang="da-DK" dirty="0"/>
+              <a:t> </a:t>
+            </a:r>
+            <a:r>
+              <a:rPr lang="da-DK" dirty="0" err="1"/>
+              <a:t>can</a:t>
+            </a:r>
+            <a:r>
+              <a:rPr lang="da-DK" dirty="0"/>
+              <a:t> </a:t>
+            </a:r>
+            <a:r>
+              <a:rPr lang="da-DK" dirty="0" err="1"/>
+              <a:t>also</a:t>
+            </a:r>
+            <a:r>
+              <a:rPr lang="da-DK" dirty="0"/>
+              <a:t> do it</a:t>
+            </a:r>
+          </a:p>
+          <a:p>
+            <a:r>
+              <a:rPr lang="da-DK" dirty="0" err="1"/>
+              <a:t>Python</a:t>
+            </a:r>
+            <a:r>
+              <a:rPr lang="da-DK" dirty="0"/>
+              <a:t> </a:t>
+            </a:r>
+            <a:r>
+              <a:rPr lang="da-DK" dirty="0" err="1"/>
+              <a:t>packages</a:t>
+            </a:r>
+            <a:r>
+              <a:rPr lang="da-DK" baseline="0" dirty="0"/>
+              <a:t> </a:t>
+            </a:r>
+            <a:r>
+              <a:rPr lang="da-DK" baseline="0" dirty="0" err="1"/>
+              <a:t>also</a:t>
+            </a:r>
+            <a:r>
+              <a:rPr lang="da-DK" baseline="0" dirty="0"/>
+              <a:t> </a:t>
+            </a:r>
+            <a:r>
+              <a:rPr lang="da-DK" baseline="0" dirty="0" err="1"/>
+              <a:t>exist</a:t>
+            </a:r>
+            <a:endParaRPr lang="da-DK" dirty="0"/>
+          </a:p>
+          <a:p>
+            <a:endParaRPr lang="da-DK" dirty="0"/>
+          </a:p>
+          <a:p>
+            <a:r>
+              <a:rPr lang="da-DK" dirty="0"/>
+              <a:t>Longer </a:t>
+            </a:r>
+            <a:r>
+              <a:rPr lang="da-DK" dirty="0" err="1"/>
+              <a:t>string</a:t>
+            </a:r>
+            <a:r>
+              <a:rPr lang="da-DK" dirty="0"/>
+              <a:t> ”Æ </a:t>
+            </a:r>
+            <a:r>
+              <a:rPr lang="da-DK" dirty="0" err="1"/>
+              <a:t>Æ</a:t>
+            </a:r>
+            <a:r>
+              <a:rPr lang="da-DK" dirty="0"/>
+              <a:t> U Å Æ Ø I Æ Å, Æ</a:t>
+            </a:r>
+            <a:r>
+              <a:rPr lang="da-DK" baseline="0" dirty="0"/>
+              <a:t> </a:t>
+            </a:r>
+            <a:r>
+              <a:rPr lang="da-DK" baseline="0" dirty="0" err="1"/>
+              <a:t>Æ</a:t>
+            </a:r>
+            <a:r>
+              <a:rPr lang="da-DK" baseline="0" dirty="0"/>
+              <a:t>!”</a:t>
+            </a:r>
+          </a:p>
+          <a:p>
+            <a:endParaRPr lang="da-DK" baseline="0" dirty="0"/>
+          </a:p>
+          <a:p>
+            <a:r>
+              <a:rPr lang="da-DK" baseline="0" dirty="0"/>
+              <a:t>EMACS:</a:t>
+            </a:r>
+          </a:p>
+          <a:p>
+            <a:r>
+              <a:rPr lang="da-DK" baseline="0" dirty="0" err="1"/>
+              <a:t>Ctrl</a:t>
+            </a:r>
+            <a:r>
+              <a:rPr lang="da-DK" baseline="0" dirty="0"/>
+              <a:t>-h v </a:t>
+            </a:r>
+            <a:r>
+              <a:rPr lang="en-US" dirty="0"/>
+              <a:t>buffer-file-coding-system </a:t>
+            </a:r>
+            <a:r>
+              <a:rPr lang="en-US" baseline="0" dirty="0"/>
+              <a:t> (describe current buffers encoding)</a:t>
+            </a:r>
+            <a:endParaRPr lang="en-US" dirty="0"/>
+          </a:p>
+          <a:p>
+            <a:pPr algn="l"/>
+            <a:r>
+              <a:rPr lang="en-US" dirty="0"/>
+              <a:t>M-x set-buffer-file-coding-system  (before saving)</a:t>
+            </a:r>
+            <a:r>
+              <a:rPr lang="en-US" baseline="0" dirty="0"/>
+              <a:t> </a:t>
+            </a:r>
+            <a:endParaRPr lang="en-US" dirty="0"/>
+          </a:p>
+          <a:p>
+            <a:pPr algn="l"/>
+            <a:r>
+              <a:rPr lang="da-DK" dirty="0"/>
+              <a:t>M-x </a:t>
+            </a:r>
+            <a:r>
+              <a:rPr lang="da-DK" dirty="0" err="1"/>
+              <a:t>revert</a:t>
+            </a:r>
+            <a:r>
+              <a:rPr lang="da-DK" dirty="0"/>
+              <a:t>-buffer-with-</a:t>
+            </a:r>
+            <a:r>
+              <a:rPr lang="da-DK" dirty="0" err="1"/>
+              <a:t>coding</a:t>
+            </a:r>
+            <a:r>
+              <a:rPr lang="da-DK" dirty="0"/>
+              <a:t>-system  (on </a:t>
+            </a:r>
+            <a:r>
+              <a:rPr lang="da-DK" dirty="0" err="1"/>
+              <a:t>already</a:t>
+            </a:r>
+            <a:r>
+              <a:rPr lang="da-DK" dirty="0"/>
+              <a:t> open buffer,</a:t>
+            </a:r>
+            <a:r>
+              <a:rPr lang="da-DK" baseline="0" dirty="0"/>
+              <a:t> but with </a:t>
+            </a:r>
+            <a:r>
+              <a:rPr lang="da-DK" baseline="0" dirty="0" err="1"/>
+              <a:t>wrong</a:t>
+            </a:r>
+            <a:r>
+              <a:rPr lang="da-DK" baseline="0" dirty="0"/>
+              <a:t> </a:t>
+            </a:r>
+            <a:r>
+              <a:rPr lang="da-DK" baseline="0" dirty="0" err="1"/>
+              <a:t>encoding</a:t>
+            </a:r>
+            <a:r>
+              <a:rPr lang="da-DK" baseline="0" dirty="0"/>
+              <a:t>)</a:t>
+            </a:r>
+            <a:endParaRPr lang="en-US" dirty="0"/>
+          </a:p>
+        </p:txBody>
+      </p:sp>
+      <p:sp>
+        <p:nvSpPr>
+          <p:cNvPr id="4" name="Slide Number Placeholder 3"/>
+          <p:cNvSpPr>
+            <a:spLocks noGrp="1"/>
+          </p:cNvSpPr>
+          <p:nvPr>
+            <p:ph type="sldNum" sz="quarter" idx="10"/>
+          </p:nvPr>
+        </p:nvSpPr>
+        <p:spPr/>
+        <p:txBody>
+          <a:bodyPr/>
+          <a:lstStyle/>
+          <a:p>
+            <a:fld id="{CD563DD8-32AB-41BE-B1C6-8EAC45222ACE}" type="slidenum">
+              <a:rPr lang="en-US" smtClean="0"/>
+              <a:t>8</a:t>
+            </a:fld>
+            <a:endParaRPr lang="en-US"/>
+          </a:p>
+        </p:txBody>
+      </p:sp>
+    </p:spTree>
+    <p:extLst>
+      <p:ext uri="{BB962C8B-B14F-4D97-AF65-F5344CB8AC3E}">
+        <p14:creationId xmlns:p14="http://schemas.microsoft.com/office/powerpoint/2010/main" val="1966989945"/>
+      </p:ext>
+    </p:extLst>
+  </p:cSld>
+  <p:clrMapOvr>
+    <a:masterClrMapping/>
+  </p:clrMapOvr>
+</p:notes>
+</file>
+
+<file path=ppt/notesSlides/notesSlide8.xml><?xml version="1.0" encoding="utf-8"?>
+<p:notes xmlns:a="http://schemas.openxmlformats.org/drawingml/2006/main" xmlns:r="http://schemas.openxmlformats.org/officeDocument/2006/relationships" xmlns:p="http://schemas.openxmlformats.org/presentationml/2006/main">
+  <p:cSld>
+    <p:spTree>
+      <p:nvGrpSpPr>
+        <p:cNvPr id="1" name=""/>
+        <p:cNvGrpSpPr/>
+        <p:nvPr/>
+      </p:nvGrpSpPr>
+      <p:grpSpPr>
+        <a:xfrm>
+          <a:off x="0" y="0"/>
+          <a:ext cx="0" cy="0"/>
+          <a:chOff x="0" y="0"/>
+          <a:chExt cx="0" cy="0"/>
+        </a:xfrm>
+      </p:grpSpPr>
+      <p:sp>
+        <p:nvSpPr>
+          <p:cNvPr id="2" name="Slide Image Placeholder 1"/>
+          <p:cNvSpPr>
+            <a:spLocks noGrp="1" noRot="1" noChangeAspect="1"/>
+          </p:cNvSpPr>
+          <p:nvPr>
+            <p:ph type="sldImg"/>
+          </p:nvPr>
+        </p:nvSpPr>
+        <p:spPr/>
+      </p:sp>
+      <p:sp>
+        <p:nvSpPr>
+          <p:cNvPr id="3" name="Notes Placeholder 2"/>
+          <p:cNvSpPr>
+            <a:spLocks noGrp="1"/>
+          </p:cNvSpPr>
+          <p:nvPr>
+            <p:ph type="body" idx="1"/>
+          </p:nvPr>
+        </p:nvSpPr>
+        <p:spPr/>
+        <p:txBody>
+          <a:bodyPr/>
+          <a:lstStyle/>
+          <a:p>
+            <a:r>
               <a:rPr lang="en-US" dirty="0"/>
               <a:t>list('</a:t>
             </a:r>
@@ -3834,7 +4399,15 @@
             </a:r>
             <a:r>
               <a:rPr lang="en-US" baseline="0" dirty="0"/>
-              <a:t>')</a:t>
+              <a:t>'), to create byte array </a:t>
+            </a:r>
+            <a:r>
+              <a:rPr lang="en-US" b="1" baseline="0" dirty="0"/>
+              <a:t>bytes</a:t>
+            </a:r>
+            <a:r>
+              <a:rPr lang="en-US" baseline="0" dirty="0"/>
+              <a:t>([97, 98, 99])</a:t>
             </a:r>
           </a:p>
           <a:p>
@@ -3872,7 +4445,7 @@
             </a:r>
             <a:r>
               <a:rPr lang="da-DK" baseline="0" dirty="0"/>
-              <a:t> in windows1252</a:t>
+              <a:t> in wi,ndows1252</a:t>
             </a:r>
           </a:p>
           <a:p>
@@ -3947,7 +4520,7 @@
 </p:notes>
 </file>
 
-<file path=ppt/notesSlides/notesSlide8.xml><?xml version="1.0" encoding="utf-8"?>
+<file path=ppt/notesSlides/notesSlide9.xml><?xml version="1.0" encoding="utf-8"?>
 <p:notes xmlns:a="http://schemas.openxmlformats.org/drawingml/2006/main" xmlns:r="http://schemas.openxmlformats.org/officeDocument/2006/relationships" xmlns:p="http://schemas.openxmlformats.org/presentationml/2006/main">
   <p:cSld>
     <p:spTree>
@@ -4031,147 +4604,6 @@
 </p:notes>
 </file>
 
-<file path=ppt/notesSlides/notesSlide9.xml><?xml version="1.0" encoding="utf-8"?>
-<p:notes xmlns:a="http://schemas.openxmlformats.org/drawingml/2006/main" xmlns:r="http://schemas.openxmlformats.org/officeDocument/2006/relationships" xmlns:p="http://schemas.openxmlformats.org/presentationml/2006/main">
-  <p:cSld>
-    <p:spTree>
-      <p:nvGrpSpPr>
-        <p:cNvPr id="1" name=""/>
-        <p:cNvGrpSpPr/>
-        <p:nvPr/>
-      </p:nvGrpSpPr>
-      <p:grpSpPr>
-        <a:xfrm>
-          <a:off x="0" y="0"/>
-          <a:ext cx="0" cy="0"/>
-          <a:chOff x="0" y="0"/>
-          <a:chExt cx="0" cy="0"/>
-        </a:xfrm>
-      </p:grpSpPr>
-      <p:sp>
-        <p:nvSpPr>
-          <p:cNvPr id="2" name="Slide Image Placeholder 1"/>
-          <p:cNvSpPr>
-            <a:spLocks noGrp="1" noRot="1" noChangeAspect="1"/>
-          </p:cNvSpPr>
-          <p:nvPr>
-            <p:ph type="sldImg"/>
-          </p:nvPr>
-        </p:nvSpPr>
-        <p:spPr/>
-      </p:sp>
-      <p:sp>
-        <p:nvSpPr>
-          <p:cNvPr id="3" name="Notes Placeholder 2"/>
-          <p:cNvSpPr>
-            <a:spLocks noGrp="1"/>
-          </p:cNvSpPr>
-          <p:nvPr>
-            <p:ph type="body" idx="1"/>
-          </p:nvPr>
-        </p:nvSpPr>
-        <p:spPr/>
-        <p:txBody>
-          <a:bodyPr/>
-          <a:lstStyle/>
-          <a:p>
-            <a:r>
-              <a:rPr lang="da-DK" dirty="0"/>
-              <a:t>import sys</a:t>
-            </a:r>
-          </a:p>
-          <a:p>
-            <a:r>
-              <a:rPr lang="da-DK" dirty="0"/>
-              <a:t>import </a:t>
-            </a:r>
-            <a:r>
-              <a:rPr lang="da-DK" dirty="0" err="1"/>
-              <a:t>json</a:t>
-            </a:r>
-            <a:endParaRPr lang="da-DK" dirty="0"/>
-          </a:p>
-          <a:p>
-            <a:r>
-              <a:rPr lang="en-US" dirty="0" err="1"/>
-              <a:t>json.dump</a:t>
-            </a:r>
-            <a:r>
-              <a:rPr lang="en-US" dirty="0"/>
-              <a:t>({'a':42, 42:'a'}, </a:t>
-            </a:r>
-            <a:r>
-              <a:rPr lang="en-US" dirty="0" err="1"/>
-              <a:t>sys.stdout</a:t>
-            </a:r>
-            <a:r>
-              <a:rPr lang="en-US" dirty="0"/>
-              <a:t>, indent=1, </a:t>
-            </a:r>
-            <a:r>
-              <a:rPr lang="en-US" dirty="0" err="1"/>
-              <a:t>sort_keys</a:t>
-            </a:r>
-            <a:r>
-              <a:rPr lang="en-US" dirty="0"/>
-              <a:t>=True)</a:t>
-            </a:r>
-          </a:p>
-          <a:p>
-            <a:endParaRPr lang="en-US" dirty="0"/>
-          </a:p>
-          <a:p>
-            <a:r>
-              <a:rPr lang="en-US" dirty="0"/>
-              <a:t>(In </a:t>
-            </a:r>
-            <a:r>
-              <a:rPr lang="en-US" dirty="0" err="1"/>
-              <a:t>Javascript</a:t>
-            </a:r>
-            <a:r>
-              <a:rPr lang="en-US" dirty="0"/>
-              <a:t> None is called “null”, and “true” and “false” are not capitalized, no line breaks in strings)</a:t>
-            </a:r>
-          </a:p>
-        </p:txBody>
-      </p:sp>
-      <p:sp>
-        <p:nvSpPr>
-          <p:cNvPr id="4" name="Slide Number Placeholder 3"/>
-          <p:cNvSpPr>
-            <a:spLocks noGrp="1"/>
-          </p:cNvSpPr>
-          <p:nvPr>
-            <p:ph type="sldNum" sz="quarter" idx="10"/>
-          </p:nvPr>
-        </p:nvSpPr>
-        <p:spPr/>
-        <p:txBody>
-          <a:bodyPr/>
-          <a:lstStyle/>
-          <a:p>
-            <a:fld id="{CD563DD8-32AB-41BE-B1C6-8EAC45222ACE}" type="slidenum">
-              <a:rPr lang="en-US" smtClean="0"/>
-              <a:t>12</a:t>
-            </a:fld>
-            <a:endParaRPr lang="en-US"/>
-          </a:p>
-        </p:txBody>
-      </p:sp>
-    </p:spTree>
-    <p:extLst>
-      <p:ext uri="{BB962C8B-B14F-4D97-AF65-F5344CB8AC3E}">
-        <p14:creationId xmlns:p14="http://schemas.microsoft.com/office/powerpoint/2010/main" val="3963207288"/>
-      </p:ext>
-    </p:extLst>
-  </p:cSld>
-  <p:clrMapOvr>
-    <a:masterClrMapping/>
-  </p:clrMapOvr>
-</p:notes>
-</file>
-
 <file path=ppt/slideLayouts/slideLayout1.xml><?xml version="1.0" encoding="utf-8"?>
 <p:sldLayout xmlns:a="http://schemas.openxmlformats.org/drawingml/2006/main" xmlns:r="http://schemas.openxmlformats.org/officeDocument/2006/relationships" xmlns:p="http://schemas.openxmlformats.org/presentationml/2006/main" type="title" preserve="1">
   <p:cSld name="Title Slide">
@@ -4309,7 +4741,7 @@
           <a:p>
             <a:fld id="{0560A9CD-0304-4E0B-9E82-E7E0115DE05B}" type="datetimeFigureOut">
               <a:rPr lang="en-US" smtClean="0"/>
-              <a:t>4/26/2023</a:t>
+              <a:t>4/22/2024</a:t>
             </a:fld>
             <a:endParaRPr lang="en-US"/>
           </a:p>
@@ -4477,7 +4909,7 @@
           <a:p>
             <a:fld id="{0560A9CD-0304-4E0B-9E82-E7E0115DE05B}" type="datetimeFigureOut">
               <a:rPr lang="en-US" smtClean="0"/>
-              <a:t>4/26/2023</a:t>
+              <a:t>4/22/2024</a:t>
             </a:fld>
             <a:endParaRPr lang="en-US"/>
           </a:p>
@@ -4655,7 +5087,7 @@
           <a:p>
             <a:fld id="{0560A9CD-0304-4E0B-9E82-E7E0115DE05B}" type="datetimeFigureOut">
               <a:rPr lang="en-US" smtClean="0"/>
-              <a:t>4/26/2023</a:t>
+              <a:t>4/22/2024</a:t>
             </a:fld>
             <a:endParaRPr lang="en-US"/>
           </a:p>
@@ -4838,7 +5270,7 @@
           <a:p>
             <a:fld id="{0560A9CD-0304-4E0B-9E82-E7E0115DE05B}" type="datetimeFigureOut">
               <a:rPr lang="en-US" smtClean="0"/>
-              <a:t>4/26/2023</a:t>
+              <a:t>4/22/2024</a:t>
             </a:fld>
             <a:endParaRPr lang="en-US"/>
           </a:p>
@@ -5083,7 +5515,7 @@
           <a:p>
             <a:fld id="{0560A9CD-0304-4E0B-9E82-E7E0115DE05B}" type="datetimeFigureOut">
               <a:rPr lang="en-US" smtClean="0"/>
-              <a:t>4/26/2023</a:t>
+              <a:t>4/22/2024</a:t>
             </a:fld>
             <a:endParaRPr lang="en-US"/>
           </a:p>
@@ -5312,7 +5744,7 @@
           <a:p>
             <a:fld id="{0560A9CD-0304-4E0B-9E82-E7E0115DE05B}" type="datetimeFigureOut">
               <a:rPr lang="en-US" smtClean="0"/>
-              <a:t>4/26/2023</a:t>
+              <a:t>4/22/2024</a:t>
             </a:fld>
             <a:endParaRPr lang="en-US"/>
           </a:p>
@@ -5676,7 +6108,7 @@
           <a:p>
             <a:fld id="{0560A9CD-0304-4E0B-9E82-E7E0115DE05B}" type="datetimeFigureOut">
               <a:rPr lang="en-US" smtClean="0"/>
-              <a:t>4/26/2023</a:t>
+              <a:t>4/22/2024</a:t>
             </a:fld>
             <a:endParaRPr lang="en-US"/>
           </a:p>
@@ -5793,7 +6225,7 @@
           <a:p>
             <a:fld id="{0560A9CD-0304-4E0B-9E82-E7E0115DE05B}" type="datetimeFigureOut">
               <a:rPr lang="en-US" smtClean="0"/>
-              <a:t>4/26/2023</a:t>
+              <a:t>4/22/2024</a:t>
             </a:fld>
             <a:endParaRPr lang="en-US"/>
           </a:p>
@@ -5888,7 +6320,7 @@
           <a:p>
             <a:fld id="{0560A9CD-0304-4E0B-9E82-E7E0115DE05B}" type="datetimeFigureOut">
               <a:rPr lang="en-US" smtClean="0"/>
-              <a:t>4/26/2023</a:t>
+              <a:t>4/22/2024</a:t>
             </a:fld>
             <a:endParaRPr lang="en-US"/>
           </a:p>
@@ -6163,7 +6595,7 @@
           <a:p>
             <a:fld id="{0560A9CD-0304-4E0B-9E82-E7E0115DE05B}" type="datetimeFigureOut">
               <a:rPr lang="en-US" smtClean="0"/>
-              <a:t>4/26/2023</a:t>
+              <a:t>4/22/2024</a:t>
             </a:fld>
             <a:endParaRPr lang="en-US"/>
           </a:p>
@@ -6415,7 +6847,7 @@
           <a:p>
             <a:fld id="{0560A9CD-0304-4E0B-9E82-E7E0115DE05B}" type="datetimeFigureOut">
               <a:rPr lang="en-US" smtClean="0"/>
-              <a:t>4/26/2023</a:t>
+              <a:t>4/22/2024</a:t>
             </a:fld>
             <a:endParaRPr lang="en-US"/>
           </a:p>
@@ -6626,7 +7058,7 @@
           <a:p>
             <a:fld id="{0560A9CD-0304-4E0B-9E82-E7E0115DE05B}" type="datetimeFigureOut">
               <a:rPr lang="en-US" smtClean="0"/>
-              <a:t>4/26/2023</a:t>
+              <a:t>4/22/2024</a:t>
             </a:fld>
             <a:endParaRPr lang="en-US"/>
           </a:p>
@@ -12319,7 +12751,7 @@
           <p:nvPr/>
         </p:nvPicPr>
         <p:blipFill rotWithShape="1">
-          <a:blip r:embed="rId2"/>
+          <a:blip r:embed="rId3"/>
           <a:srcRect l="222" t="700" b="1"/>
           <a:stretch/>
         </p:blipFill>
@@ -14570,7 +15002,7 @@
           <p:nvPr>
             <p:extLst>
               <p:ext uri="{D42A27DB-BD31-4B8C-83A1-F6EECF244321}">
-                <p14:modId xmlns:p14="http://schemas.microsoft.com/office/powerpoint/2010/main" val="2835719597"/>
+                <p14:modId xmlns:p14="http://schemas.microsoft.com/office/powerpoint/2010/main" val="1289043352"/>
               </p:ext>
             </p:extLst>
           </p:nvPr>
@@ -14852,7 +15284,7 @@
                           <a:latin typeface="Courier New" panose="02070309020205020404" pitchFamily="49" charset="0"/>
                           <a:cs typeface="Courier New" panose="02070309020205020404" pitchFamily="49" charset="0"/>
                         </a:rPr>
-                        <a:t>, end=" ")</a:t>
+                        <a:t>, end=' ')</a:t>
                       </a:r>
                     </a:p>
                     <a:p>
@@ -26757,7 +27189,7 @@
           <p:nvPr>
             <p:extLst>
               <p:ext uri="{D42A27DB-BD31-4B8C-83A1-F6EECF244321}">
-                <p14:modId xmlns:p14="http://schemas.microsoft.com/office/powerpoint/2010/main" val="3065925707"/>
+                <p14:modId xmlns:p14="http://schemas.microsoft.com/office/powerpoint/2010/main" val="2185636606"/>
               </p:ext>
             </p:extLst>
           </p:nvPr>
@@ -26926,7 +27358,7 @@
                           <a:latin typeface="Courier New" panose="02070309020205020404" pitchFamily="49" charset="0"/>
                           <a:cs typeface="Courier New" panose="02070309020205020404" pitchFamily="49" charset="0"/>
                         </a:rPr>
-                        <a:t>("Python-Logo.png")</a:t>
+                        <a:t>('Python-Logo.png')</a:t>
                       </a:r>
                     </a:p>
                     <a:p>
@@ -26983,7 +27415,7 @@
                           <a:latin typeface="Courier New" panose="02070309020205020404" pitchFamily="49" charset="0"/>
                           <a:cs typeface="Courier New" panose="02070309020205020404" pitchFamily="49" charset="0"/>
                         </a:rPr>
-                        <a:t>("Python-rotated.png")</a:t>
+                        <a:t>('Python-rotated.png')</a:t>
                       </a:r>
                     </a:p>
                   </a:txBody>

--- a/ipsa/slides/text.pptx
+++ b/ipsa/slides/text.pptx
@@ -138,6 +138,14 @@
     </p:ext>
   </p:extLst>
 </p:presentation>
+</file>
+
+<file path=ppt/revisionInfo.xml><?xml version="1.0" encoding="utf-8"?>
+<p1510:revInfo xmlns:a="http://schemas.openxmlformats.org/drawingml/2006/main" xmlns:r="http://schemas.openxmlformats.org/officeDocument/2006/relationships" xmlns:p1510="http://schemas.microsoft.com/office/powerpoint/2015/10/main">
+  <p1510:revLst>
+    <p1510:client id="{8A0FA485-4519-450B-BBEB-748E1895E334}" v="3" dt="2024-04-25T07:30:49.290"/>
+  </p1510:revLst>
+</p1510:revInfo>
 </file>
 
 <file path=ppt/changesInfos/changesInfo1.xml><?xml version="1.0" encoding="utf-8"?>
@@ -605,8 +613,8 @@
   </pc:docChgLst>
   <pc:docChgLst>
     <pc:chgData name="Gerth Stølting Brodal" userId="04ef4784-6591-4f86-a140-f5c3b108582a" providerId="ADAL" clId="{8A0FA485-4519-450B-BBEB-748E1895E334}"/>
-    <pc:docChg chg="custSel modSld">
-      <pc:chgData name="Gerth Stølting Brodal" userId="04ef4784-6591-4f86-a140-f5c3b108582a" providerId="ADAL" clId="{8A0FA485-4519-450B-BBEB-748E1895E334}" dt="2024-04-22T07:41:35.849" v="401" actId="20577"/>
+    <pc:docChg chg="undo custSel modSld">
+      <pc:chgData name="Gerth Stølting Brodal" userId="04ef4784-6591-4f86-a140-f5c3b108582a" providerId="ADAL" clId="{8A0FA485-4519-450B-BBEB-748E1895E334}" dt="2024-04-25T07:31:48.997" v="431" actId="1076"/>
       <pc:docMkLst>
         <pc:docMk/>
       </pc:docMkLst>
@@ -681,6 +689,29 @@
           <pc:docMk/>
           <pc:sldMk cId="687059020" sldId="755"/>
         </pc:sldMkLst>
+      </pc:sldChg>
+      <pc:sldChg chg="modSp mod">
+        <pc:chgData name="Gerth Stølting Brodal" userId="04ef4784-6591-4f86-a140-f5c3b108582a" providerId="ADAL" clId="{8A0FA485-4519-450B-BBEB-748E1895E334}" dt="2024-04-25T07:31:48.997" v="431" actId="1076"/>
+        <pc:sldMkLst>
+          <pc:docMk/>
+          <pc:sldMk cId="2288104617" sldId="758"/>
+        </pc:sldMkLst>
+        <pc:spChg chg="mod">
+          <ac:chgData name="Gerth Stølting Brodal" userId="04ef4784-6591-4f86-a140-f5c3b108582a" providerId="ADAL" clId="{8A0FA485-4519-450B-BBEB-748E1895E334}" dt="2024-04-25T07:31:48.997" v="431" actId="1076"/>
+          <ac:spMkLst>
+            <pc:docMk/>
+            <pc:sldMk cId="2288104617" sldId="758"/>
+            <ac:spMk id="6" creationId="{00000000-0000-0000-0000-000000000000}"/>
+          </ac:spMkLst>
+        </pc:spChg>
+        <pc:graphicFrameChg chg="mod modGraphic">
+          <ac:chgData name="Gerth Stølting Brodal" userId="04ef4784-6591-4f86-a140-f5c3b108582a" providerId="ADAL" clId="{8A0FA485-4519-450B-BBEB-748E1895E334}" dt="2024-04-25T07:31:43.416" v="430" actId="1076"/>
+          <ac:graphicFrameMkLst>
+            <pc:docMk/>
+            <pc:sldMk cId="2288104617" sldId="758"/>
+            <ac:graphicFrameMk id="5" creationId="{00000000-0000-0000-0000-000000000000}"/>
+          </ac:graphicFrameMkLst>
+        </pc:graphicFrameChg>
       </pc:sldChg>
       <pc:sldChg chg="modNotesTx">
         <pc:chgData name="Gerth Stølting Brodal" userId="04ef4784-6591-4f86-a140-f5c3b108582a" providerId="ADAL" clId="{8A0FA485-4519-450B-BBEB-748E1895E334}" dt="2024-04-21T21:12:15.948" v="42" actId="20577"/>
@@ -792,7 +823,7 @@
           <a:p>
             <a:fld id="{FB1A172F-81D4-4DC4-9113-1DBD56EC3646}" type="datetimeFigureOut">
               <a:rPr lang="en-US" smtClean="0"/>
-              <a:t>4/22/2024</a:t>
+              <a:t>4/25/2024</a:t>
             </a:fld>
             <a:endParaRPr lang="en-US"/>
           </a:p>
@@ -4741,7 +4772,7 @@
           <a:p>
             <a:fld id="{0560A9CD-0304-4E0B-9E82-E7E0115DE05B}" type="datetimeFigureOut">
               <a:rPr lang="en-US" smtClean="0"/>
-              <a:t>4/22/2024</a:t>
+              <a:t>4/25/2024</a:t>
             </a:fld>
             <a:endParaRPr lang="en-US"/>
           </a:p>
@@ -4909,7 +4940,7 @@
           <a:p>
             <a:fld id="{0560A9CD-0304-4E0B-9E82-E7E0115DE05B}" type="datetimeFigureOut">
               <a:rPr lang="en-US" smtClean="0"/>
-              <a:t>4/22/2024</a:t>
+              <a:t>4/25/2024</a:t>
             </a:fld>
             <a:endParaRPr lang="en-US"/>
           </a:p>
@@ -5087,7 +5118,7 @@
           <a:p>
             <a:fld id="{0560A9CD-0304-4E0B-9E82-E7E0115DE05B}" type="datetimeFigureOut">
               <a:rPr lang="en-US" smtClean="0"/>
-              <a:t>4/22/2024</a:t>
+              <a:t>4/25/2024</a:t>
             </a:fld>
             <a:endParaRPr lang="en-US"/>
           </a:p>
@@ -5270,7 +5301,7 @@
           <a:p>
             <a:fld id="{0560A9CD-0304-4E0B-9E82-E7E0115DE05B}" type="datetimeFigureOut">
               <a:rPr lang="en-US" smtClean="0"/>
-              <a:t>4/22/2024</a:t>
+              <a:t>4/25/2024</a:t>
             </a:fld>
             <a:endParaRPr lang="en-US"/>
           </a:p>
@@ -5515,7 +5546,7 @@
           <a:p>
             <a:fld id="{0560A9CD-0304-4E0B-9E82-E7E0115DE05B}" type="datetimeFigureOut">
               <a:rPr lang="en-US" smtClean="0"/>
-              <a:t>4/22/2024</a:t>
+              <a:t>4/25/2024</a:t>
             </a:fld>
             <a:endParaRPr lang="en-US"/>
           </a:p>
@@ -5744,7 +5775,7 @@
           <a:p>
             <a:fld id="{0560A9CD-0304-4E0B-9E82-E7E0115DE05B}" type="datetimeFigureOut">
               <a:rPr lang="en-US" smtClean="0"/>
-              <a:t>4/22/2024</a:t>
+              <a:t>4/25/2024</a:t>
             </a:fld>
             <a:endParaRPr lang="en-US"/>
           </a:p>
@@ -6108,7 +6139,7 @@
           <a:p>
             <a:fld id="{0560A9CD-0304-4E0B-9E82-E7E0115DE05B}" type="datetimeFigureOut">
               <a:rPr lang="en-US" smtClean="0"/>
-              <a:t>4/22/2024</a:t>
+              <a:t>4/25/2024</a:t>
             </a:fld>
             <a:endParaRPr lang="en-US"/>
           </a:p>
@@ -6225,7 +6256,7 @@
           <a:p>
             <a:fld id="{0560A9CD-0304-4E0B-9E82-E7E0115DE05B}" type="datetimeFigureOut">
               <a:rPr lang="en-US" smtClean="0"/>
-              <a:t>4/22/2024</a:t>
+              <a:t>4/25/2024</a:t>
             </a:fld>
             <a:endParaRPr lang="en-US"/>
           </a:p>
@@ -6320,7 +6351,7 @@
           <a:p>
             <a:fld id="{0560A9CD-0304-4E0B-9E82-E7E0115DE05B}" type="datetimeFigureOut">
               <a:rPr lang="en-US" smtClean="0"/>
-              <a:t>4/22/2024</a:t>
+              <a:t>4/25/2024</a:t>
             </a:fld>
             <a:endParaRPr lang="en-US"/>
           </a:p>
@@ -6595,7 +6626,7 @@
           <a:p>
             <a:fld id="{0560A9CD-0304-4E0B-9E82-E7E0115DE05B}" type="datetimeFigureOut">
               <a:rPr lang="en-US" smtClean="0"/>
-              <a:t>4/22/2024</a:t>
+              <a:t>4/25/2024</a:t>
             </a:fld>
             <a:endParaRPr lang="en-US"/>
           </a:p>
@@ -6847,7 +6878,7 @@
           <a:p>
             <a:fld id="{0560A9CD-0304-4E0B-9E82-E7E0115DE05B}" type="datetimeFigureOut">
               <a:rPr lang="en-US" smtClean="0"/>
-              <a:t>4/22/2024</a:t>
+              <a:t>4/25/2024</a:t>
             </a:fld>
             <a:endParaRPr lang="en-US"/>
           </a:p>
@@ -7058,7 +7089,7 @@
           <a:p>
             <a:fld id="{0560A9CD-0304-4E0B-9E82-E7E0115DE05B}" type="datetimeFigureOut">
               <a:rPr lang="en-US" smtClean="0"/>
-              <a:t>4/22/2024</a:t>
+              <a:t>4/25/2024</a:t>
             </a:fld>
             <a:endParaRPr lang="en-US"/>
           </a:p>
@@ -23770,14 +23801,14 @@
           <p:nvPr>
             <p:extLst>
               <p:ext uri="{D42A27DB-BD31-4B8C-83A1-F6EECF244321}">
-                <p14:modId xmlns:p14="http://schemas.microsoft.com/office/powerpoint/2010/main" val="111667126"/>
+                <p14:modId xmlns:p14="http://schemas.microsoft.com/office/powerpoint/2010/main" val="1207203215"/>
               </p:ext>
             </p:extLst>
           </p:nvPr>
         </p:nvGraphicFramePr>
         <p:xfrm>
-          <a:off x="4234886" y="88857"/>
-          <a:ext cx="7734618" cy="5943600"/>
+          <a:off x="4234886" y="230777"/>
+          <a:ext cx="7734618" cy="5608320"/>
         </p:xfrm>
         <a:graphic>
           <a:graphicData uri="http://schemas.openxmlformats.org/drawingml/2006/table">
@@ -23880,6 +23911,11 @@
                       </a:r>
                     </a:p>
                     <a:p>
+                      <a:pPr>
+                        <a:spcAft>
+                          <a:spcPts val="600"/>
+                        </a:spcAft>
+                      </a:pPr>
                       <a:r>
                         <a:rPr lang="pt-BR" sz="1400" b="1" dirty="0">
                           <a:latin typeface="Courier New" panose="02070309020205020404" pitchFamily="49" charset="0"/>
@@ -23889,6 +23925,33 @@
                       </a:r>
                     </a:p>
                     <a:p>
+                      <a:r>
+                        <a:rPr lang="pt-BR" sz="1400" b="1" dirty="0">
+                          <a:solidFill>
+                            <a:srgbClr val="C00000"/>
+                          </a:solidFill>
+                          <a:latin typeface="Courier New" panose="02070309020205020404" pitchFamily="49" charset="0"/>
+                          <a:cs typeface="Courier New" panose="02070309020205020404" pitchFamily="49" charset="0"/>
+                        </a:rPr>
+                        <a:t>axiom = 'FX'</a:t>
+                      </a:r>
+                    </a:p>
+                    <a:p>
+                      <a:pPr>
+                        <a:spcAft>
+                          <a:spcPts val="600"/>
+                        </a:spcAft>
+                      </a:pPr>
+                      <a:r>
+                        <a:rPr lang="pt-BR" sz="1400" b="1" dirty="0">
+                          <a:solidFill>
+                            <a:srgbClr val="C00000"/>
+                          </a:solidFill>
+                          <a:latin typeface="Courier New" panose="02070309020205020404" pitchFamily="49" charset="0"/>
+                          <a:cs typeface="Courier New" panose="02070309020205020404" pitchFamily="49" charset="0"/>
+                        </a:rPr>
+                        <a:t>rules = {'X': 'X+YF+', 'Y': '-FX-Y'}</a:t>
+                      </a:r>
                       <a:endParaRPr lang="pt-BR" sz="1400" b="1" dirty="0">
                         <a:latin typeface="Courier New" panose="02070309020205020404" pitchFamily="49" charset="0"/>
                         <a:cs typeface="Courier New" panose="02070309020205020404" pitchFamily="49" charset="0"/>
@@ -23898,36 +23961,6 @@
                       <a:r>
                         <a:rPr lang="pt-BR" sz="1400" b="1" dirty="0">
                           <a:solidFill>
-                            <a:srgbClr val="C00000"/>
-                          </a:solidFill>
-                          <a:latin typeface="Courier New" panose="02070309020205020404" pitchFamily="49" charset="0"/>
-                          <a:cs typeface="Courier New" panose="02070309020205020404" pitchFamily="49" charset="0"/>
-                        </a:rPr>
-                        <a:t>axiom = 'FX'</a:t>
-                      </a:r>
-                    </a:p>
-                    <a:p>
-                      <a:r>
-                        <a:rPr lang="pt-BR" sz="1400" b="1" dirty="0">
-                          <a:solidFill>
-                            <a:srgbClr val="C00000"/>
-                          </a:solidFill>
-                          <a:latin typeface="Courier New" panose="02070309020205020404" pitchFamily="49" charset="0"/>
-                          <a:cs typeface="Courier New" panose="02070309020205020404" pitchFamily="49" charset="0"/>
-                        </a:rPr>
-                        <a:t>rules = {'X': 'X+YF+', 'Y': '-FX-Y'}</a:t>
-                      </a:r>
-                    </a:p>
-                    <a:p>
-                      <a:endParaRPr lang="pt-BR" sz="1400" b="1" dirty="0">
-                        <a:latin typeface="Courier New" panose="02070309020205020404" pitchFamily="49" charset="0"/>
-                        <a:cs typeface="Courier New" panose="02070309020205020404" pitchFamily="49" charset="0"/>
-                      </a:endParaRPr>
-                    </a:p>
-                    <a:p>
-                      <a:r>
-                        <a:rPr lang="pt-BR" sz="1400" b="1" dirty="0">
-                          <a:solidFill>
                             <a:schemeClr val="accent1">
                               <a:lumMod val="50000"/>
                             </a:schemeClr>
@@ -23984,6 +24017,11 @@
                       </a:r>
                     </a:p>
                     <a:p>
+                      <a:pPr>
+                        <a:spcAft>
+                          <a:spcPts val="600"/>
+                        </a:spcAft>
+                      </a:pPr>
                       <a:r>
                         <a:rPr lang="pt-BR" sz="1400" b="1" dirty="0">
                           <a:latin typeface="Courier New" panose="02070309020205020404" pitchFamily="49" charset="0"/>
@@ -23991,12 +24029,6 @@
                         </a:rPr>
                         <a:t>    return axiom</a:t>
                       </a:r>
-                    </a:p>
-                    <a:p>
-                      <a:endParaRPr lang="pt-BR" sz="1400" b="1" dirty="0">
-                        <a:latin typeface="Courier New" panose="02070309020205020404" pitchFamily="49" charset="0"/>
-                        <a:cs typeface="Courier New" panose="02070309020205020404" pitchFamily="49" charset="0"/>
-                      </a:endParaRPr>
                     </a:p>
                     <a:p>
                       <a:r>
@@ -24039,72 +24071,94 @@
                     </a:p>
                     <a:p>
                       <a:r>
+                        <a:rPr lang="en-US" sz="1400" b="1" dirty="0">
+                          <a:latin typeface="Courier New" panose="02070309020205020404" pitchFamily="49" charset="0"/>
+                          <a:cs typeface="Courier New" panose="02070309020205020404" pitchFamily="49" charset="0"/>
+                        </a:rPr>
+                        <a:t>        match move:</a:t>
+                      </a:r>
+                    </a:p>
+                    <a:p>
+                      <a:r>
+                        <a:rPr lang="en-US" sz="1400" b="1" dirty="0">
+                          <a:latin typeface="Courier New" panose="02070309020205020404" pitchFamily="49" charset="0"/>
+                          <a:cs typeface="Courier New" panose="02070309020205020404" pitchFamily="49" charset="0"/>
+                        </a:rPr>
+                        <a:t>            case 'F':</a:t>
+                      </a:r>
+                    </a:p>
+                    <a:p>
+                      <a:r>
+                        <a:rPr lang="en-US" sz="1400" b="1" dirty="0">
+                          <a:latin typeface="Courier New" panose="02070309020205020404" pitchFamily="49" charset="0"/>
+                          <a:cs typeface="Courier New" panose="02070309020205020404" pitchFamily="49" charset="0"/>
+                        </a:rPr>
+                        <a:t>                position = (position[0] + cos(radians(angle)),</a:t>
+                      </a:r>
+                    </a:p>
+                    <a:p>
+                      <a:r>
+                        <a:rPr lang="en-US" sz="1400" b="1" dirty="0">
+                          <a:latin typeface="Courier New" panose="02070309020205020404" pitchFamily="49" charset="0"/>
+                          <a:cs typeface="Courier New" panose="02070309020205020404" pitchFamily="49" charset="0"/>
+                        </a:rPr>
+                        <a:t>                            position[1] + sin(radians(angle)))</a:t>
+                      </a:r>
+                    </a:p>
+                    <a:p>
+                      <a:r>
+                        <a:rPr lang="en-US" sz="1400" b="1" dirty="0">
+                          <a:latin typeface="Courier New" panose="02070309020205020404" pitchFamily="49" charset="0"/>
+                          <a:cs typeface="Courier New" panose="02070309020205020404" pitchFamily="49" charset="0"/>
+                        </a:rPr>
+                        <a:t>                </a:t>
+                      </a:r>
+                      <a:r>
+                        <a:rPr lang="en-US" sz="1400" b="1" dirty="0" err="1">
+                          <a:latin typeface="Courier New" panose="02070309020205020404" pitchFamily="49" charset="0"/>
+                          <a:cs typeface="Courier New" panose="02070309020205020404" pitchFamily="49" charset="0"/>
+                        </a:rPr>
+                        <a:t>path.append</a:t>
+                      </a:r>
+                      <a:r>
+                        <a:rPr lang="en-US" sz="1400" b="1" dirty="0">
+                          <a:latin typeface="Courier New" panose="02070309020205020404" pitchFamily="49" charset="0"/>
+                          <a:cs typeface="Courier New" panose="02070309020205020404" pitchFamily="49" charset="0"/>
+                        </a:rPr>
+                        <a:t>(position)</a:t>
+                      </a:r>
+                    </a:p>
+                    <a:p>
+                      <a:r>
+                        <a:rPr lang="en-US" sz="1400" b="1" dirty="0">
+                          <a:latin typeface="Courier New" panose="02070309020205020404" pitchFamily="49" charset="0"/>
+                          <a:cs typeface="Courier New" panose="02070309020205020404" pitchFamily="49" charset="0"/>
+                        </a:rPr>
+                        <a:t>            case '-': angle -= turn</a:t>
+                      </a:r>
+                    </a:p>
+                    <a:p>
+                      <a:r>
+                        <a:rPr lang="en-US" sz="1400" b="1" dirty="0">
+                          <a:latin typeface="Courier New" panose="02070309020205020404" pitchFamily="49" charset="0"/>
+                          <a:cs typeface="Courier New" panose="02070309020205020404" pitchFamily="49" charset="0"/>
+                        </a:rPr>
+                        <a:t>            case '+': angle += turn</a:t>
+                      </a:r>
+                    </a:p>
+                    <a:p>
+                      <a:pPr>
+                        <a:spcAft>
+                          <a:spcPts val="600"/>
+                        </a:spcAft>
+                      </a:pPr>
+                      <a:r>
                         <a:rPr lang="pt-BR" sz="1400" b="1" dirty="0">
                           <a:latin typeface="Courier New" panose="02070309020205020404" pitchFamily="49" charset="0"/>
                           <a:cs typeface="Courier New" panose="02070309020205020404" pitchFamily="49" charset="0"/>
                         </a:rPr>
-                        <a:t>        if move == 'F':</a:t>
-                      </a:r>
-                    </a:p>
-                    <a:p>
-                      <a:r>
-                        <a:rPr lang="pt-BR" sz="1400" b="1" dirty="0">
-                          <a:latin typeface="Courier New" panose="02070309020205020404" pitchFamily="49" charset="0"/>
-                          <a:cs typeface="Courier New" panose="02070309020205020404" pitchFamily="49" charset="0"/>
-                        </a:rPr>
-                        <a:t>            position = (position[0] + cos(radians(angle)),</a:t>
-                      </a:r>
-                    </a:p>
-                    <a:p>
-                      <a:r>
-                        <a:rPr lang="pt-BR" sz="1400" b="1" dirty="0">
-                          <a:latin typeface="Courier New" panose="02070309020205020404" pitchFamily="49" charset="0"/>
-                          <a:cs typeface="Courier New" panose="02070309020205020404" pitchFamily="49" charset="0"/>
-                        </a:rPr>
-                        <a:t>                        position[1] + sin(radians(angle)))</a:t>
-                      </a:r>
-                    </a:p>
-                    <a:p>
-                      <a:r>
-                        <a:rPr lang="pt-BR" sz="1400" b="1" dirty="0">
-                          <a:latin typeface="Courier New" panose="02070309020205020404" pitchFamily="49" charset="0"/>
-                          <a:cs typeface="Courier New" panose="02070309020205020404" pitchFamily="49" charset="0"/>
-                        </a:rPr>
-                        <a:t>            path.append(position)</a:t>
-                      </a:r>
-                    </a:p>
-                    <a:p>
-                      <a:r>
-                        <a:rPr lang="pt-BR" sz="1400" b="1" dirty="0">
-                          <a:latin typeface="Courier New" panose="02070309020205020404" pitchFamily="49" charset="0"/>
-                          <a:cs typeface="Courier New" panose="02070309020205020404" pitchFamily="49" charset="0"/>
-                        </a:rPr>
-                        <a:t>        elif move == '-': angle -= turn</a:t>
-                      </a:r>
-                    </a:p>
-                    <a:p>
-                      <a:r>
-                        <a:rPr lang="pt-BR" sz="1400" b="1" dirty="0">
-                          <a:latin typeface="Courier New" panose="02070309020205020404" pitchFamily="49" charset="0"/>
-                          <a:cs typeface="Courier New" panose="02070309020205020404" pitchFamily="49" charset="0"/>
-                        </a:rPr>
-                        <a:t>        elif move == '+': angle += turn</a:t>
-                      </a:r>
-                    </a:p>
-                    <a:p>
-                      <a:r>
-                        <a:rPr lang="pt-BR" sz="1400" b="1" dirty="0">
-                          <a:latin typeface="Courier New" panose="02070309020205020404" pitchFamily="49" charset="0"/>
-                          <a:cs typeface="Courier New" panose="02070309020205020404" pitchFamily="49" charset="0"/>
-                        </a:rPr>
                         <a:t>    return path</a:t>
                       </a:r>
-                    </a:p>
-                    <a:p>
-                      <a:endParaRPr lang="pt-BR" sz="1400" b="1" dirty="0">
-                        <a:latin typeface="Courier New" panose="02070309020205020404" pitchFamily="49" charset="0"/>
-                        <a:cs typeface="Courier New" panose="02070309020205020404" pitchFamily="49" charset="0"/>
-                      </a:endParaRPr>
                     </a:p>
                     <a:p>
                       <a:r>
@@ -24265,7 +24319,7 @@
         </p:nvSpPr>
         <p:spPr>
           <a:xfrm>
-            <a:off x="4292195" y="6006112"/>
+            <a:off x="4292195" y="5909431"/>
             <a:ext cx="7620000" cy="646331"/>
           </a:xfrm>
           <a:prstGeom prst="rect">
